--- a/_site/15lego/CustomImagesSounds.pptx
+++ b/_site/15lego/CustomImagesSounds.pptx
@@ -7,23 +7,28 @@
     <p:sldMasterId id="2147483750" r:id="rId3"/>
   </p:sldMasterIdLst>
   <p:notesMasterIdLst>
-    <p:notesMasterId r:id="rId15"/>
+    <p:notesMasterId r:id="rId20"/>
   </p:notesMasterIdLst>
   <p:handoutMasterIdLst>
-    <p:handoutMasterId r:id="rId16"/>
+    <p:handoutMasterId r:id="rId21"/>
   </p:handoutMasterIdLst>
   <p:sldIdLst>
     <p:sldId id="426" r:id="rId4"/>
     <p:sldId id="418" r:id="rId5"/>
-    <p:sldId id="419" r:id="rId6"/>
-    <p:sldId id="421" r:id="rId7"/>
-    <p:sldId id="422" r:id="rId8"/>
-    <p:sldId id="420" r:id="rId9"/>
-    <p:sldId id="427" r:id="rId10"/>
-    <p:sldId id="423" r:id="rId11"/>
-    <p:sldId id="424" r:id="rId12"/>
-    <p:sldId id="425" r:id="rId13"/>
-    <p:sldId id="401" r:id="rId14"/>
+    <p:sldId id="428" r:id="rId6"/>
+    <p:sldId id="419" r:id="rId7"/>
+    <p:sldId id="421" r:id="rId8"/>
+    <p:sldId id="429" r:id="rId9"/>
+    <p:sldId id="422" r:id="rId10"/>
+    <p:sldId id="430" r:id="rId11"/>
+    <p:sldId id="431" r:id="rId12"/>
+    <p:sldId id="420" r:id="rId13"/>
+    <p:sldId id="432" r:id="rId14"/>
+    <p:sldId id="427" r:id="rId15"/>
+    <p:sldId id="423" r:id="rId16"/>
+    <p:sldId id="424" r:id="rId17"/>
+    <p:sldId id="425" r:id="rId18"/>
+    <p:sldId id="401" r:id="rId19"/>
   </p:sldIdLst>
   <p:sldSz cx="9144000" cy="6858000" type="screen4x3"/>
   <p:notesSz cx="6858000" cy="9144000"/>
@@ -124,7 +129,7 @@
   </p:defaultTextStyle>
   <p:extLst>
     <p:ext uri="{EFAFB233-063F-42B5-8137-9DF3F51BA10A}">
-      <p15:sldGuideLst xmlns:p15="http://schemas.microsoft.com/office/powerpoint/2012/main">
+      <p15:sldGuideLst xmlns="" xmlns:p15="http://schemas.microsoft.com/office/powerpoint/2012/main">
         <p15:guide id="1" orient="horz" pos="2160">
           <p15:clr>
             <a:srgbClr val="A4A3A4"/>
@@ -223,7 +228,8 @@
           <a:p>
             <a:fld id="{F8D9B3D7-15CB-9343-AA49-EFB5A8F33F18}" type="datetimeFigureOut">
               <a:rPr lang="en-US" smtClean="0"/>
-              <a:t>9/11/16</a:t>
+              <a:pPr/>
+              <a:t>3/13/2019</a:t>
             </a:fld>
             <a:endParaRPr lang="en-US"/>
           </a:p>
@@ -289,6 +295,7 @@
           <a:p>
             <a:fld id="{6ED9BD6B-3536-BC44-B54A-7079C6CEB9D9}" type="slidenum">
               <a:rPr lang="en-US" smtClean="0"/>
+              <a:pPr/>
               <a:t>‹#›</a:t>
             </a:fld>
             <a:endParaRPr lang="en-US"/>
@@ -298,7 +305,7 @@
     </p:spTree>
     <p:extLst>
       <p:ext uri="{BB962C8B-B14F-4D97-AF65-F5344CB8AC3E}">
-        <p14:creationId xmlns:p14="http://schemas.microsoft.com/office/powerpoint/2010/main" val="3300303276"/>
+        <p14:creationId xmlns="" xmlns:p14="http://schemas.microsoft.com/office/powerpoint/2010/main" val="3300303276"/>
       </p:ext>
     </p:extLst>
   </p:cSld>
@@ -389,7 +396,8 @@
           <a:p>
             <a:fld id="{FD3EFF1E-85A1-6640-AFB9-C38833E80A84}" type="datetimeFigureOut">
               <a:rPr lang="en-US" smtClean="0"/>
-              <a:t>9/11/16</a:t>
+              <a:pPr/>
+              <a:t>3/13/2019</a:t>
             </a:fld>
             <a:endParaRPr lang="en-US"/>
           </a:p>
@@ -548,6 +556,7 @@
           <a:p>
             <a:fld id="{13967457-1E83-1040-AFF7-8D09C473DBD5}" type="slidenum">
               <a:rPr lang="en-US" smtClean="0"/>
+              <a:pPr/>
               <a:t>‹#›</a:t>
             </a:fld>
             <a:endParaRPr lang="en-US"/>
@@ -557,7 +566,7 @@
     </p:spTree>
     <p:extLst>
       <p:ext uri="{BB962C8B-B14F-4D97-AF65-F5344CB8AC3E}">
-        <p14:creationId xmlns:p14="http://schemas.microsoft.com/office/powerpoint/2010/main" val="2489184269"/>
+        <p14:creationId xmlns="" xmlns:p14="http://schemas.microsoft.com/office/powerpoint/2010/main" val="2489184269"/>
       </p:ext>
     </p:extLst>
   </p:cSld>
@@ -723,6 +732,7 @@
           <a:p>
             <a:fld id="{13967457-1E83-1040-AFF7-8D09C473DBD5}" type="slidenum">
               <a:rPr lang="en-US" smtClean="0"/>
+              <a:pPr/>
               <a:t>1</a:t>
             </a:fld>
             <a:endParaRPr lang="en-US"/>
@@ -732,7 +742,7 @@
     </p:spTree>
     <p:extLst>
       <p:ext uri="{BB962C8B-B14F-4D97-AF65-F5344CB8AC3E}">
-        <p14:creationId xmlns:p14="http://schemas.microsoft.com/office/powerpoint/2010/main" val="304404034"/>
+        <p14:creationId xmlns="" xmlns:p14="http://schemas.microsoft.com/office/powerpoint/2010/main" val="304404034"/>
       </p:ext>
     </p:extLst>
   </p:cSld>
@@ -807,7 +817,8 @@
           <a:p>
             <a:fld id="{13967457-1E83-1040-AFF7-8D09C473DBD5}" type="slidenum">
               <a:rPr lang="en-US" smtClean="0"/>
-              <a:t>7</a:t>
+              <a:pPr/>
+              <a:t>12</a:t>
             </a:fld>
             <a:endParaRPr lang="en-US"/>
           </a:p>
@@ -816,7 +827,7 @@
     </p:spTree>
     <p:extLst>
       <p:ext uri="{BB962C8B-B14F-4D97-AF65-F5344CB8AC3E}">
-        <p14:creationId xmlns:p14="http://schemas.microsoft.com/office/powerpoint/2010/main" val="927186106"/>
+        <p14:creationId xmlns="" xmlns:p14="http://schemas.microsoft.com/office/powerpoint/2010/main" val="927186106"/>
       </p:ext>
     </p:extLst>
   </p:cSld>
@@ -891,7 +902,8 @@
           <a:p>
             <a:fld id="{13967457-1E83-1040-AFF7-8D09C473DBD5}" type="slidenum">
               <a:rPr lang="en-US" smtClean="0"/>
-              <a:t>9</a:t>
+              <a:pPr/>
+              <a:t>14</a:t>
             </a:fld>
             <a:endParaRPr lang="en-US"/>
           </a:p>
@@ -900,7 +912,7 @@
     </p:spTree>
     <p:extLst>
       <p:ext uri="{BB962C8B-B14F-4D97-AF65-F5344CB8AC3E}">
-        <p14:creationId xmlns:p14="http://schemas.microsoft.com/office/powerpoint/2010/main" val="792719025"/>
+        <p14:creationId xmlns="" xmlns:p14="http://schemas.microsoft.com/office/powerpoint/2010/main" val="792719025"/>
       </p:ext>
     </p:extLst>
   </p:cSld>
@@ -1041,7 +1053,8 @@
           <a:p>
             <a:fld id="{C5906764-F429-4C44-ADEB-B5A320935278}" type="datetime1">
               <a:rPr lang="en-US" smtClean="0"/>
-              <a:t>9/11/16</a:t>
+              <a:pPr/>
+              <a:t>3/13/2019</a:t>
             </a:fld>
             <a:endParaRPr lang="en-US"/>
           </a:p>
@@ -1087,6 +1100,7 @@
           <a:p>
             <a:fld id="{DE42E464-3EB8-43C8-8768-9E2AD4F497B7}" type="slidenum">
               <a:rPr lang="en-US" smtClean="0"/>
+              <a:pPr/>
               <a:t>‹#›</a:t>
             </a:fld>
             <a:endParaRPr lang="en-US"/>
@@ -1096,7 +1110,7 @@
     </p:spTree>
     <p:extLst>
       <p:ext uri="{BB962C8B-B14F-4D97-AF65-F5344CB8AC3E}">
-        <p14:creationId xmlns:p14="http://schemas.microsoft.com/office/powerpoint/2010/main" val="1253788813"/>
+        <p14:creationId xmlns="" xmlns:p14="http://schemas.microsoft.com/office/powerpoint/2010/main" val="1253788813"/>
       </p:ext>
     </p:extLst>
   </p:cSld>
@@ -1215,7 +1229,8 @@
           <a:p>
             <a:fld id="{4803ACA8-12DB-8B44-97BF-01F943EC24A2}" type="datetime1">
               <a:rPr lang="en-US" smtClean="0"/>
-              <a:t>9/11/16</a:t>
+              <a:pPr/>
+              <a:t>3/13/2019</a:t>
             </a:fld>
             <a:endParaRPr lang="en-US"/>
           </a:p>
@@ -1261,6 +1276,7 @@
           <a:p>
             <a:fld id="{DE42E464-3EB8-43C8-8768-9E2AD4F497B7}" type="slidenum">
               <a:rPr lang="en-US" smtClean="0"/>
+              <a:pPr/>
               <a:t>‹#›</a:t>
             </a:fld>
             <a:endParaRPr lang="en-US"/>
@@ -1270,7 +1286,7 @@
     </p:spTree>
     <p:extLst>
       <p:ext uri="{BB962C8B-B14F-4D97-AF65-F5344CB8AC3E}">
-        <p14:creationId xmlns:p14="http://schemas.microsoft.com/office/powerpoint/2010/main" val="551884110"/>
+        <p14:creationId xmlns="" xmlns:p14="http://schemas.microsoft.com/office/powerpoint/2010/main" val="551884110"/>
       </p:ext>
     </p:extLst>
   </p:cSld>
@@ -1399,7 +1415,8 @@
           <a:p>
             <a:fld id="{47416F98-2860-C14A-AF64-9DD6EA1C6F2B}" type="datetime1">
               <a:rPr lang="en-US" smtClean="0"/>
-              <a:t>9/11/16</a:t>
+              <a:pPr/>
+              <a:t>3/13/2019</a:t>
             </a:fld>
             <a:endParaRPr lang="en-US"/>
           </a:p>
@@ -1445,6 +1462,7 @@
           <a:p>
             <a:fld id="{DE42E464-3EB8-43C8-8768-9E2AD4F497B7}" type="slidenum">
               <a:rPr lang="en-US" smtClean="0"/>
+              <a:pPr/>
               <a:t>‹#›</a:t>
             </a:fld>
             <a:endParaRPr lang="en-US"/>
@@ -1454,7 +1472,7 @@
     </p:spTree>
     <p:extLst>
       <p:ext uri="{BB962C8B-B14F-4D97-AF65-F5344CB8AC3E}">
-        <p14:creationId xmlns:p14="http://schemas.microsoft.com/office/powerpoint/2010/main" val="1425517541"/>
+        <p14:creationId xmlns="" xmlns:p14="http://schemas.microsoft.com/office/powerpoint/2010/main" val="1425517541"/>
       </p:ext>
     </p:extLst>
   </p:cSld>
@@ -1616,7 +1634,8 @@
           <a:p>
             <a:fld id="{B7B15D7F-7ADA-2E40-9DD6-22F5B14DE3EC}" type="datetime1">
               <a:rPr lang="en-US" smtClean="0"/>
-              <a:t>9/11/16</a:t>
+              <a:pPr/>
+              <a:t>3/13/2019</a:t>
             </a:fld>
             <a:endParaRPr lang="en-US"/>
           </a:p>
@@ -1683,6 +1702,7 @@
           <a:p>
             <a:fld id="{4DBC7FC8-25FB-FC45-8177-2B991DA6778C}" type="slidenum">
               <a:rPr lang="en-US" smtClean="0"/>
+              <a:pPr/>
               <a:t>‹#›</a:t>
             </a:fld>
             <a:endParaRPr lang="en-US" dirty="0"/>
@@ -1815,7 +1835,7 @@
           <a:blip r:embed="rId2">
             <a:extLst>
               <a:ext uri="{28A0092B-C50C-407E-A947-70E740481C1C}">
-                <a14:useLocalDpi xmlns:a14="http://schemas.microsoft.com/office/drawing/2010/main"/>
+                <a14:useLocalDpi xmlns="" xmlns:a14="http://schemas.microsoft.com/office/drawing/2010/main"/>
               </a:ext>
             </a:extLst>
           </a:blip>
@@ -1835,7 +1855,7 @@
           <a:noFill/>
           <a:extLst>
             <a:ext uri="{909E8E84-426E-40dd-AFC4-6F175D3DCCD1}">
-              <a14:hiddenFill xmlns:a14="http://schemas.microsoft.com/office/drawing/2010/main" xmlns="">
+              <a14:hiddenFill xmlns="" xmlns:a14="http://schemas.microsoft.com/office/drawing/2010/main">
                 <a:solidFill>
                   <a:srgbClr val="FFFFFF"/>
                 </a:solidFill>
@@ -2031,7 +2051,7 @@
     </p:spTree>
     <p:extLst>
       <p:ext uri="{BB962C8B-B14F-4D97-AF65-F5344CB8AC3E}">
-        <p14:creationId xmlns:p14="http://schemas.microsoft.com/office/powerpoint/2010/main" val="1528070401"/>
+        <p14:creationId xmlns="" xmlns:p14="http://schemas.microsoft.com/office/powerpoint/2010/main" val="1528070401"/>
       </p:ext>
     </p:extLst>
   </p:cSld>
@@ -2167,7 +2187,8 @@
           <a:p>
             <a:fld id="{83F14012-E28D-9A48-BCC4-57A934C9C6E8}" type="datetime1">
               <a:rPr lang="en-US" smtClean="0"/>
-              <a:t>9/11/16</a:t>
+              <a:pPr/>
+              <a:t>3/13/2019</a:t>
             </a:fld>
             <a:endParaRPr lang="en-US"/>
           </a:p>
@@ -2221,6 +2242,7 @@
           <a:p>
             <a:fld id="{4DBC7FC8-25FB-FC45-8177-2B991DA6778C}" type="slidenum">
               <a:rPr lang="en-US" smtClean="0"/>
+              <a:pPr/>
               <a:t>‹#›</a:t>
             </a:fld>
             <a:endParaRPr lang="en-US"/>
@@ -2230,7 +2252,7 @@
     </p:spTree>
     <p:extLst>
       <p:ext uri="{BB962C8B-B14F-4D97-AF65-F5344CB8AC3E}">
-        <p14:creationId xmlns:p14="http://schemas.microsoft.com/office/powerpoint/2010/main" val="522295134"/>
+        <p14:creationId xmlns="" xmlns:p14="http://schemas.microsoft.com/office/powerpoint/2010/main" val="522295134"/>
       </p:ext>
     </p:extLst>
   </p:cSld>
@@ -2440,7 +2462,8 @@
           <a:p>
             <a:fld id="{243D60F1-77FD-D44D-9E5E-E014199770CF}" type="datetime1">
               <a:rPr lang="en-US" smtClean="0"/>
-              <a:t>9/11/16</a:t>
+              <a:pPr/>
+              <a:t>3/13/2019</a:t>
             </a:fld>
             <a:endParaRPr lang="en-US"/>
           </a:p>
@@ -2471,6 +2494,7 @@
           <a:p>
             <a:fld id="{4DBC7FC8-25FB-FC45-8177-2B991DA6778C}" type="slidenum">
               <a:rPr lang="en-US" smtClean="0"/>
+              <a:pPr/>
               <a:t>‹#›</a:t>
             </a:fld>
             <a:endParaRPr lang="en-US"/>
@@ -2503,7 +2527,7 @@
     </p:spTree>
     <p:extLst>
       <p:ext uri="{BB962C8B-B14F-4D97-AF65-F5344CB8AC3E}">
-        <p14:creationId xmlns:p14="http://schemas.microsoft.com/office/powerpoint/2010/main" val="1448651849"/>
+        <p14:creationId xmlns="" xmlns:p14="http://schemas.microsoft.com/office/powerpoint/2010/main" val="1448651849"/>
       </p:ext>
     </p:extLst>
   </p:cSld>
@@ -2745,7 +2769,8 @@
           <a:p>
             <a:fld id="{F5E885EC-A4C8-CF40-A44C-EFD9D1FFC1BF}" type="datetime1">
               <a:rPr lang="en-US" smtClean="0"/>
-              <a:t>9/11/16</a:t>
+              <a:pPr/>
+              <a:t>3/13/2019</a:t>
             </a:fld>
             <a:endParaRPr lang="en-US"/>
           </a:p>
@@ -2799,6 +2824,7 @@
           <a:p>
             <a:fld id="{4DBC7FC8-25FB-FC45-8177-2B991DA6778C}" type="slidenum">
               <a:rPr lang="en-US" smtClean="0"/>
+              <a:pPr/>
               <a:t>‹#›</a:t>
             </a:fld>
             <a:endParaRPr lang="en-US"/>
@@ -2808,7 +2834,7 @@
     </p:spTree>
     <p:extLst>
       <p:ext uri="{BB962C8B-B14F-4D97-AF65-F5344CB8AC3E}">
-        <p14:creationId xmlns:p14="http://schemas.microsoft.com/office/powerpoint/2010/main" val="1469520104"/>
+        <p14:creationId xmlns="" xmlns:p14="http://schemas.microsoft.com/office/powerpoint/2010/main" val="1469520104"/>
       </p:ext>
     </p:extLst>
   </p:cSld>
@@ -3208,7 +3234,8 @@
           <a:p>
             <a:fld id="{83FE5C94-0AE4-EC4D-849C-F3F15553512B}" type="datetime1">
               <a:rPr lang="en-US" smtClean="0"/>
-              <a:t>9/11/16</a:t>
+              <a:pPr/>
+              <a:t>3/13/2019</a:t>
             </a:fld>
             <a:endParaRPr lang="en-US"/>
           </a:p>
@@ -3262,6 +3289,7 @@
           <a:p>
             <a:fld id="{4DBC7FC8-25FB-FC45-8177-2B991DA6778C}" type="slidenum">
               <a:rPr lang="en-US" smtClean="0"/>
+              <a:pPr/>
               <a:t>‹#›</a:t>
             </a:fld>
             <a:endParaRPr lang="en-US"/>
@@ -3271,7 +3299,7 @@
     </p:spTree>
     <p:extLst>
       <p:ext uri="{BB962C8B-B14F-4D97-AF65-F5344CB8AC3E}">
-        <p14:creationId xmlns:p14="http://schemas.microsoft.com/office/powerpoint/2010/main" val="14963781"/>
+        <p14:creationId xmlns="" xmlns:p14="http://schemas.microsoft.com/office/powerpoint/2010/main" val="14963781"/>
       </p:ext>
     </p:extLst>
   </p:cSld>
@@ -3345,7 +3373,8 @@
           <a:p>
             <a:fld id="{CE10C574-2A10-7440-97F3-F98AF176B58D}" type="datetime1">
               <a:rPr lang="en-US" smtClean="0"/>
-              <a:t>9/11/16</a:t>
+              <a:pPr/>
+              <a:t>3/13/2019</a:t>
             </a:fld>
             <a:endParaRPr lang="en-US"/>
           </a:p>
@@ -3399,6 +3428,7 @@
           <a:p>
             <a:fld id="{4DBC7FC8-25FB-FC45-8177-2B991DA6778C}" type="slidenum">
               <a:rPr lang="en-US" smtClean="0"/>
+              <a:pPr/>
               <a:t>‹#›</a:t>
             </a:fld>
             <a:endParaRPr lang="en-US"/>
@@ -3408,7 +3438,7 @@
     </p:spTree>
     <p:extLst>
       <p:ext uri="{BB962C8B-B14F-4D97-AF65-F5344CB8AC3E}">
-        <p14:creationId xmlns:p14="http://schemas.microsoft.com/office/powerpoint/2010/main" val="240680568"/>
+        <p14:creationId xmlns="" xmlns:p14="http://schemas.microsoft.com/office/powerpoint/2010/main" val="240680568"/>
       </p:ext>
     </p:extLst>
   </p:cSld>
@@ -3459,7 +3489,8 @@
           <a:p>
             <a:fld id="{5D07429F-C207-3E4C-AB22-F6754E74C9A1}" type="datetime1">
               <a:rPr lang="en-US" smtClean="0"/>
-              <a:t>9/11/16</a:t>
+              <a:pPr/>
+              <a:t>3/13/2019</a:t>
             </a:fld>
             <a:endParaRPr lang="en-US"/>
           </a:p>
@@ -3513,6 +3544,7 @@
           <a:p>
             <a:fld id="{4DBC7FC8-25FB-FC45-8177-2B991DA6778C}" type="slidenum">
               <a:rPr lang="en-US" smtClean="0"/>
+              <a:pPr/>
               <a:t>‹#›</a:t>
             </a:fld>
             <a:endParaRPr lang="en-US"/>
@@ -3522,7 +3554,7 @@
     </p:spTree>
     <p:extLst>
       <p:ext uri="{BB962C8B-B14F-4D97-AF65-F5344CB8AC3E}">
-        <p14:creationId xmlns:p14="http://schemas.microsoft.com/office/powerpoint/2010/main" val="1406599075"/>
+        <p14:creationId xmlns="" xmlns:p14="http://schemas.microsoft.com/office/powerpoint/2010/main" val="1406599075"/>
       </p:ext>
     </p:extLst>
   </p:cSld>
@@ -3718,7 +3750,8 @@
           <a:p>
             <a:fld id="{8B30D5C9-295A-EA42-A1AB-104FF1EA1A60}" type="datetime1">
               <a:rPr lang="en-US" smtClean="0"/>
-              <a:t>9/11/16</a:t>
+              <a:pPr/>
+              <a:t>3/13/2019</a:t>
             </a:fld>
             <a:endParaRPr lang="en-US"/>
           </a:p>
@@ -3772,6 +3805,7 @@
           <a:p>
             <a:fld id="{4DBC7FC8-25FB-FC45-8177-2B991DA6778C}" type="slidenum">
               <a:rPr lang="en-US" smtClean="0"/>
+              <a:pPr/>
               <a:t>‹#›</a:t>
             </a:fld>
             <a:endParaRPr lang="en-US"/>
@@ -3804,7 +3838,7 @@
     </p:spTree>
     <p:extLst>
       <p:ext uri="{BB962C8B-B14F-4D97-AF65-F5344CB8AC3E}">
-        <p14:creationId xmlns:p14="http://schemas.microsoft.com/office/powerpoint/2010/main" val="1210667349"/>
+        <p14:creationId xmlns="" xmlns:p14="http://schemas.microsoft.com/office/powerpoint/2010/main" val="1210667349"/>
       </p:ext>
     </p:extLst>
   </p:cSld>
@@ -3923,7 +3957,8 @@
           <a:p>
             <a:fld id="{F72E9FFC-D20E-A049-80CF-66E6155070CC}" type="datetime1">
               <a:rPr lang="en-US" smtClean="0"/>
-              <a:t>9/11/16</a:t>
+              <a:pPr/>
+              <a:t>3/13/2019</a:t>
             </a:fld>
             <a:endParaRPr lang="en-US"/>
           </a:p>
@@ -3969,6 +4004,7 @@
           <a:p>
             <a:fld id="{DE42E464-3EB8-43C8-8768-9E2AD4F497B7}" type="slidenum">
               <a:rPr lang="en-US" smtClean="0"/>
+              <a:pPr/>
               <a:t>‹#›</a:t>
             </a:fld>
             <a:endParaRPr lang="en-US"/>
@@ -3978,7 +4014,7 @@
     </p:spTree>
     <p:extLst>
       <p:ext uri="{BB962C8B-B14F-4D97-AF65-F5344CB8AC3E}">
-        <p14:creationId xmlns:p14="http://schemas.microsoft.com/office/powerpoint/2010/main" val="909324448"/>
+        <p14:creationId xmlns="" xmlns:p14="http://schemas.microsoft.com/office/powerpoint/2010/main" val="909324448"/>
       </p:ext>
     </p:extLst>
   </p:cSld>
@@ -4203,7 +4239,8 @@
           <a:p>
             <a:fld id="{FB650C1D-DE7E-8942-81F9-ADF982A10F6E}" type="datetime1">
               <a:rPr lang="en-US" smtClean="0"/>
-              <a:t>9/11/16</a:t>
+              <a:pPr/>
+              <a:t>3/13/2019</a:t>
             </a:fld>
             <a:endParaRPr lang="en-US"/>
           </a:p>
@@ -4265,6 +4302,7 @@
           <a:p>
             <a:fld id="{4DBC7FC8-25FB-FC45-8177-2B991DA6778C}" type="slidenum">
               <a:rPr lang="en-US" smtClean="0"/>
+              <a:pPr/>
               <a:t>‹#›</a:t>
             </a:fld>
             <a:endParaRPr lang="en-US"/>
@@ -4354,7 +4392,7 @@
     </p:spTree>
     <p:extLst>
       <p:ext uri="{BB962C8B-B14F-4D97-AF65-F5344CB8AC3E}">
-        <p14:creationId xmlns:p14="http://schemas.microsoft.com/office/powerpoint/2010/main" val="278579318"/>
+        <p14:creationId xmlns="" xmlns:p14="http://schemas.microsoft.com/office/powerpoint/2010/main" val="278579318"/>
       </p:ext>
     </p:extLst>
   </p:cSld>
@@ -4473,7 +4511,8 @@
           <a:p>
             <a:fld id="{A170E993-A3B8-484D-A991-3B7C5ADDE57B}" type="datetime1">
               <a:rPr lang="en-US" smtClean="0"/>
-              <a:t>9/11/16</a:t>
+              <a:pPr/>
+              <a:t>3/13/2019</a:t>
             </a:fld>
             <a:endParaRPr lang="en-US"/>
           </a:p>
@@ -4527,6 +4566,7 @@
           <a:p>
             <a:fld id="{4DBC7FC8-25FB-FC45-8177-2B991DA6778C}" type="slidenum">
               <a:rPr lang="en-US" smtClean="0"/>
+              <a:pPr/>
               <a:t>‹#›</a:t>
             </a:fld>
             <a:endParaRPr lang="en-US"/>
@@ -4536,7 +4576,7 @@
     </p:spTree>
     <p:extLst>
       <p:ext uri="{BB962C8B-B14F-4D97-AF65-F5344CB8AC3E}">
-        <p14:creationId xmlns:p14="http://schemas.microsoft.com/office/powerpoint/2010/main" val="568247166"/>
+        <p14:creationId xmlns="" xmlns:p14="http://schemas.microsoft.com/office/powerpoint/2010/main" val="568247166"/>
       </p:ext>
     </p:extLst>
   </p:cSld>
@@ -4665,7 +4705,8 @@
           <a:p>
             <a:fld id="{DFB7D3BC-874D-914C-81FD-345F9972F84E}" type="datetime1">
               <a:rPr lang="en-US" smtClean="0"/>
-              <a:t>9/11/16</a:t>
+              <a:pPr/>
+              <a:t>3/13/2019</a:t>
             </a:fld>
             <a:endParaRPr lang="en-US"/>
           </a:p>
@@ -4719,6 +4760,7 @@
           <a:p>
             <a:fld id="{4DBC7FC8-25FB-FC45-8177-2B991DA6778C}" type="slidenum">
               <a:rPr lang="en-US" smtClean="0"/>
+              <a:pPr/>
               <a:t>‹#›</a:t>
             </a:fld>
             <a:endParaRPr lang="en-US"/>
@@ -4728,7 +4770,7 @@
     </p:spTree>
     <p:extLst>
       <p:ext uri="{BB962C8B-B14F-4D97-AF65-F5344CB8AC3E}">
-        <p14:creationId xmlns:p14="http://schemas.microsoft.com/office/powerpoint/2010/main" val="670340753"/>
+        <p14:creationId xmlns="" xmlns:p14="http://schemas.microsoft.com/office/powerpoint/2010/main" val="670340753"/>
       </p:ext>
     </p:extLst>
   </p:cSld>
@@ -4869,7 +4911,8 @@
           <a:p>
             <a:fld id="{C9C105DF-00F5-CE4B-8212-158B8730C78D}" type="datetime1">
               <a:rPr lang="en-US" smtClean="0"/>
-              <a:t>9/11/16</a:t>
+              <a:pPr/>
+              <a:t>3/13/2019</a:t>
             </a:fld>
             <a:endParaRPr lang="en-US"/>
           </a:p>
@@ -4915,6 +4958,7 @@
           <a:p>
             <a:fld id="{DE42E464-3EB8-43C8-8768-9E2AD4F497B7}" type="slidenum">
               <a:rPr lang="en-US" smtClean="0"/>
+              <a:pPr/>
               <a:t>‹#›</a:t>
             </a:fld>
             <a:endParaRPr lang="en-US"/>
@@ -4924,7 +4968,7 @@
     </p:spTree>
     <p:extLst>
       <p:ext uri="{BB962C8B-B14F-4D97-AF65-F5344CB8AC3E}">
-        <p14:creationId xmlns:p14="http://schemas.microsoft.com/office/powerpoint/2010/main" val="2044070564"/>
+        <p14:creationId xmlns="" xmlns:p14="http://schemas.microsoft.com/office/powerpoint/2010/main" val="2044070564"/>
       </p:ext>
     </p:extLst>
   </p:cSld>
@@ -5043,7 +5087,8 @@
           <a:p>
             <a:fld id="{2D816061-0097-DB4A-BADE-ABFE5479D517}" type="datetime1">
               <a:rPr lang="en-US" smtClean="0"/>
-              <a:t>9/11/16</a:t>
+              <a:pPr/>
+              <a:t>3/13/2019</a:t>
             </a:fld>
             <a:endParaRPr lang="en-US"/>
           </a:p>
@@ -5089,6 +5134,7 @@
           <a:p>
             <a:fld id="{DE42E464-3EB8-43C8-8768-9E2AD4F497B7}" type="slidenum">
               <a:rPr lang="en-US" smtClean="0"/>
+              <a:pPr/>
               <a:t>‹#›</a:t>
             </a:fld>
             <a:endParaRPr lang="en-US"/>
@@ -5098,7 +5144,7 @@
     </p:spTree>
     <p:extLst>
       <p:ext uri="{BB962C8B-B14F-4D97-AF65-F5344CB8AC3E}">
-        <p14:creationId xmlns:p14="http://schemas.microsoft.com/office/powerpoint/2010/main" val="1398068089"/>
+        <p14:creationId xmlns="" xmlns:p14="http://schemas.microsoft.com/office/powerpoint/2010/main" val="1398068089"/>
       </p:ext>
     </p:extLst>
   </p:cSld>
@@ -5293,7 +5339,8 @@
           <a:p>
             <a:fld id="{68186CD6-6D6F-9941-BF37-95C55A54112E}" type="datetime1">
               <a:rPr lang="en-US" smtClean="0"/>
-              <a:t>9/11/16</a:t>
+              <a:pPr/>
+              <a:t>3/13/2019</a:t>
             </a:fld>
             <a:endParaRPr lang="en-US"/>
           </a:p>
@@ -5339,6 +5386,7 @@
           <a:p>
             <a:fld id="{DE42E464-3EB8-43C8-8768-9E2AD4F497B7}" type="slidenum">
               <a:rPr lang="en-US" smtClean="0"/>
+              <a:pPr/>
               <a:t>‹#›</a:t>
             </a:fld>
             <a:endParaRPr lang="en-US"/>
@@ -5348,7 +5396,7 @@
     </p:spTree>
     <p:extLst>
       <p:ext uri="{BB962C8B-B14F-4D97-AF65-F5344CB8AC3E}">
-        <p14:creationId xmlns:p14="http://schemas.microsoft.com/office/powerpoint/2010/main" val="1711789996"/>
+        <p14:creationId xmlns="" xmlns:p14="http://schemas.microsoft.com/office/powerpoint/2010/main" val="1711789996"/>
       </p:ext>
     </p:extLst>
   </p:cSld>
@@ -5529,7 +5577,8 @@
           <a:p>
             <a:fld id="{A40C7E93-6B14-104A-80C2-8CA3B25F04C6}" type="datetime1">
               <a:rPr lang="en-US" smtClean="0"/>
-              <a:t>9/11/16</a:t>
+              <a:pPr/>
+              <a:t>3/13/2019</a:t>
             </a:fld>
             <a:endParaRPr lang="en-US"/>
           </a:p>
@@ -5575,6 +5624,7 @@
           <a:p>
             <a:fld id="{DE42E464-3EB8-43C8-8768-9E2AD4F497B7}" type="slidenum">
               <a:rPr lang="en-US" smtClean="0"/>
+              <a:pPr/>
               <a:t>‹#›</a:t>
             </a:fld>
             <a:endParaRPr lang="en-US"/>
@@ -5584,7 +5634,7 @@
     </p:spTree>
     <p:extLst>
       <p:ext uri="{BB962C8B-B14F-4D97-AF65-F5344CB8AC3E}">
-        <p14:creationId xmlns:p14="http://schemas.microsoft.com/office/powerpoint/2010/main" val="216043913"/>
+        <p14:creationId xmlns="" xmlns:p14="http://schemas.microsoft.com/office/powerpoint/2010/main" val="216043913"/>
       </p:ext>
     </p:extLst>
   </p:cSld>
@@ -5900,7 +5950,8 @@
           <a:p>
             <a:fld id="{7F4870F6-61A5-7548-80A6-6DE4C4A42405}" type="datetime1">
               <a:rPr lang="en-US" smtClean="0"/>
-              <a:t>9/11/16</a:t>
+              <a:pPr/>
+              <a:t>3/13/2019</a:t>
             </a:fld>
             <a:endParaRPr lang="en-US"/>
           </a:p>
@@ -5946,6 +5997,7 @@
           <a:p>
             <a:fld id="{DE42E464-3EB8-43C8-8768-9E2AD4F497B7}" type="slidenum">
               <a:rPr lang="en-US" smtClean="0"/>
+              <a:pPr/>
               <a:t>‹#›</a:t>
             </a:fld>
             <a:endParaRPr lang="en-US"/>
@@ -5955,7 +6007,7 @@
     </p:spTree>
     <p:extLst>
       <p:ext uri="{BB962C8B-B14F-4D97-AF65-F5344CB8AC3E}">
-        <p14:creationId xmlns:p14="http://schemas.microsoft.com/office/powerpoint/2010/main" val="1802682361"/>
+        <p14:creationId xmlns="" xmlns:p14="http://schemas.microsoft.com/office/powerpoint/2010/main" val="1802682361"/>
       </p:ext>
     </p:extLst>
   </p:cSld>
@@ -6022,7 +6074,8 @@
           <a:p>
             <a:fld id="{70EC6D47-FCDB-CF4E-8600-40B9B6E1AFD9}" type="datetime1">
               <a:rPr lang="en-US" smtClean="0"/>
-              <a:t>9/11/16</a:t>
+              <a:pPr/>
+              <a:t>3/13/2019</a:t>
             </a:fld>
             <a:endParaRPr lang="en-US"/>
           </a:p>
@@ -6068,6 +6121,7 @@
           <a:p>
             <a:fld id="{DE42E464-3EB8-43C8-8768-9E2AD4F497B7}" type="slidenum">
               <a:rPr lang="en-US" smtClean="0"/>
+              <a:pPr/>
               <a:t>‹#›</a:t>
             </a:fld>
             <a:endParaRPr lang="en-US"/>
@@ -6077,7 +6131,7 @@
     </p:spTree>
     <p:extLst>
       <p:ext uri="{BB962C8B-B14F-4D97-AF65-F5344CB8AC3E}">
-        <p14:creationId xmlns:p14="http://schemas.microsoft.com/office/powerpoint/2010/main" val="983149451"/>
+        <p14:creationId xmlns="" xmlns:p14="http://schemas.microsoft.com/office/powerpoint/2010/main" val="983149451"/>
       </p:ext>
     </p:extLst>
   </p:cSld>
@@ -6121,7 +6175,8 @@
           <a:p>
             <a:fld id="{4BD332A7-6911-3C47-9447-69E71075A29A}" type="datetime1">
               <a:rPr lang="en-US" smtClean="0"/>
-              <a:t>9/11/16</a:t>
+              <a:pPr/>
+              <a:t>3/13/2019</a:t>
             </a:fld>
             <a:endParaRPr lang="en-US"/>
           </a:p>
@@ -6167,6 +6222,7 @@
           <a:p>
             <a:fld id="{DE42E464-3EB8-43C8-8768-9E2AD4F497B7}" type="slidenum">
               <a:rPr lang="en-US" smtClean="0"/>
+              <a:pPr/>
               <a:t>‹#›</a:t>
             </a:fld>
             <a:endParaRPr lang="en-US"/>
@@ -6176,7 +6232,7 @@
     </p:spTree>
     <p:extLst>
       <p:ext uri="{BB962C8B-B14F-4D97-AF65-F5344CB8AC3E}">
-        <p14:creationId xmlns:p14="http://schemas.microsoft.com/office/powerpoint/2010/main" val="1053642939"/>
+        <p14:creationId xmlns="" xmlns:p14="http://schemas.microsoft.com/office/powerpoint/2010/main" val="1053642939"/>
       </p:ext>
     </p:extLst>
   </p:cSld>
@@ -6371,7 +6427,8 @@
           <a:p>
             <a:fld id="{AA8DEA82-4C6F-C54E-9349-1248281657E0}" type="datetime1">
               <a:rPr lang="en-US" smtClean="0"/>
-              <a:t>9/11/16</a:t>
+              <a:pPr/>
+              <a:t>3/13/2019</a:t>
             </a:fld>
             <a:endParaRPr lang="en-US"/>
           </a:p>
@@ -6417,6 +6474,7 @@
           <a:p>
             <a:fld id="{DE42E464-3EB8-43C8-8768-9E2AD4F497B7}" type="slidenum">
               <a:rPr lang="en-US" smtClean="0"/>
+              <a:pPr/>
               <a:t>‹#›</a:t>
             </a:fld>
             <a:endParaRPr lang="en-US"/>
@@ -6426,7 +6484,7 @@
     </p:spTree>
     <p:extLst>
       <p:ext uri="{BB962C8B-B14F-4D97-AF65-F5344CB8AC3E}">
-        <p14:creationId xmlns:p14="http://schemas.microsoft.com/office/powerpoint/2010/main" val="2018590187"/>
+        <p14:creationId xmlns="" xmlns:p14="http://schemas.microsoft.com/office/powerpoint/2010/main" val="2018590187"/>
       </p:ext>
     </p:extLst>
   </p:cSld>
@@ -6652,7 +6710,8 @@
           <a:p>
             <a:fld id="{1F94395E-AFA3-B24B-9321-99D4ECCE0398}" type="datetime1">
               <a:rPr lang="en-US" smtClean="0"/>
-              <a:t>9/11/16</a:t>
+              <a:pPr/>
+              <a:t>3/13/2019</a:t>
             </a:fld>
             <a:endParaRPr lang="en-US"/>
           </a:p>
@@ -6698,6 +6757,7 @@
           <a:p>
             <a:fld id="{DE42E464-3EB8-43C8-8768-9E2AD4F497B7}" type="slidenum">
               <a:rPr lang="en-US" smtClean="0"/>
+              <a:pPr/>
               <a:t>‹#›</a:t>
             </a:fld>
             <a:endParaRPr lang="en-US"/>
@@ -6707,7 +6767,7 @@
     </p:spTree>
     <p:extLst>
       <p:ext uri="{BB962C8B-B14F-4D97-AF65-F5344CB8AC3E}">
-        <p14:creationId xmlns:p14="http://schemas.microsoft.com/office/powerpoint/2010/main" val="426722611"/>
+        <p14:creationId xmlns="" xmlns:p14="http://schemas.microsoft.com/office/powerpoint/2010/main" val="426722611"/>
       </p:ext>
     </p:extLst>
   </p:cSld>
@@ -6913,7 +6973,8 @@
           <a:p>
             <a:fld id="{E3E0D2C9-5D41-E84B-A11A-6C09FA941CDA}" type="datetime1">
               <a:rPr lang="en-US" smtClean="0"/>
-              <a:t>9/11/16</a:t>
+              <a:pPr/>
+              <a:t>3/13/2019</a:t>
             </a:fld>
             <a:endParaRPr lang="en-US"/>
           </a:p>
@@ -6959,6 +7020,7 @@
           <a:p>
             <a:fld id="{DE42E464-3EB8-43C8-8768-9E2AD4F497B7}" type="slidenum">
               <a:rPr lang="en-US" smtClean="0"/>
+              <a:pPr/>
               <a:t>‹#›</a:t>
             </a:fld>
             <a:endParaRPr lang="en-US"/>
@@ -6968,7 +7030,7 @@
     </p:spTree>
     <p:extLst>
       <p:ext uri="{BB962C8B-B14F-4D97-AF65-F5344CB8AC3E}">
-        <p14:creationId xmlns:p14="http://schemas.microsoft.com/office/powerpoint/2010/main" val="1479025744"/>
+        <p14:creationId xmlns="" xmlns:p14="http://schemas.microsoft.com/office/powerpoint/2010/main" val="1479025744"/>
       </p:ext>
     </p:extLst>
   </p:cSld>
@@ -7087,7 +7149,8 @@
           <a:p>
             <a:fld id="{72770C3D-50D9-3C40-A1B5-4620EFB563FC}" type="datetime1">
               <a:rPr lang="en-US" smtClean="0"/>
-              <a:t>9/11/16</a:t>
+              <a:pPr/>
+              <a:t>3/13/2019</a:t>
             </a:fld>
             <a:endParaRPr lang="en-US"/>
           </a:p>
@@ -7133,6 +7196,7 @@
           <a:p>
             <a:fld id="{DE42E464-3EB8-43C8-8768-9E2AD4F497B7}" type="slidenum">
               <a:rPr lang="en-US" smtClean="0"/>
+              <a:pPr/>
               <a:t>‹#›</a:t>
             </a:fld>
             <a:endParaRPr lang="en-US"/>
@@ -7142,7 +7206,7 @@
     </p:spTree>
     <p:extLst>
       <p:ext uri="{BB962C8B-B14F-4D97-AF65-F5344CB8AC3E}">
-        <p14:creationId xmlns:p14="http://schemas.microsoft.com/office/powerpoint/2010/main" val="862465383"/>
+        <p14:creationId xmlns="" xmlns:p14="http://schemas.microsoft.com/office/powerpoint/2010/main" val="862465383"/>
       </p:ext>
     </p:extLst>
   </p:cSld>
@@ -7271,7 +7335,8 @@
           <a:p>
             <a:fld id="{C294F105-88F3-A848-A5B1-045E736560B5}" type="datetime1">
               <a:rPr lang="en-US" smtClean="0"/>
-              <a:t>9/11/16</a:t>
+              <a:pPr/>
+              <a:t>3/13/2019</a:t>
             </a:fld>
             <a:endParaRPr lang="en-US"/>
           </a:p>
@@ -7317,6 +7382,7 @@
           <a:p>
             <a:fld id="{DE42E464-3EB8-43C8-8768-9E2AD4F497B7}" type="slidenum">
               <a:rPr lang="en-US" smtClean="0"/>
+              <a:pPr/>
               <a:t>‹#›</a:t>
             </a:fld>
             <a:endParaRPr lang="en-US"/>
@@ -7326,7 +7392,7 @@
     </p:spTree>
     <p:extLst>
       <p:ext uri="{BB962C8B-B14F-4D97-AF65-F5344CB8AC3E}">
-        <p14:creationId xmlns:p14="http://schemas.microsoft.com/office/powerpoint/2010/main" val="2088558478"/>
+        <p14:creationId xmlns="" xmlns:p14="http://schemas.microsoft.com/office/powerpoint/2010/main" val="2088558478"/>
       </p:ext>
     </p:extLst>
   </p:cSld>
@@ -7507,7 +7573,8 @@
           <a:p>
             <a:fld id="{ACC0E1AD-E6D3-064E-A039-152874CF8A53}" type="datetime1">
               <a:rPr lang="en-US" smtClean="0"/>
-              <a:t>9/11/16</a:t>
+              <a:pPr/>
+              <a:t>3/13/2019</a:t>
             </a:fld>
             <a:endParaRPr lang="en-US"/>
           </a:p>
@@ -7553,6 +7620,7 @@
           <a:p>
             <a:fld id="{DE42E464-3EB8-43C8-8768-9E2AD4F497B7}" type="slidenum">
               <a:rPr lang="en-US" smtClean="0"/>
+              <a:pPr/>
               <a:t>‹#›</a:t>
             </a:fld>
             <a:endParaRPr lang="en-US"/>
@@ -7562,7 +7630,7 @@
     </p:spTree>
     <p:extLst>
       <p:ext uri="{BB962C8B-B14F-4D97-AF65-F5344CB8AC3E}">
-        <p14:creationId xmlns:p14="http://schemas.microsoft.com/office/powerpoint/2010/main" val="3912280948"/>
+        <p14:creationId xmlns="" xmlns:p14="http://schemas.microsoft.com/office/powerpoint/2010/main" val="3912280948"/>
       </p:ext>
     </p:extLst>
   </p:cSld>
@@ -7878,7 +7946,8 @@
           <a:p>
             <a:fld id="{C99FE2BB-52AC-034D-9826-2542204A9B05}" type="datetime1">
               <a:rPr lang="en-US" smtClean="0"/>
-              <a:t>9/11/16</a:t>
+              <a:pPr/>
+              <a:t>3/13/2019</a:t>
             </a:fld>
             <a:endParaRPr lang="en-US"/>
           </a:p>
@@ -7924,6 +7993,7 @@
           <a:p>
             <a:fld id="{DE42E464-3EB8-43C8-8768-9E2AD4F497B7}" type="slidenum">
               <a:rPr lang="en-US" smtClean="0"/>
+              <a:pPr/>
               <a:t>‹#›</a:t>
             </a:fld>
             <a:endParaRPr lang="en-US"/>
@@ -7933,7 +8003,7 @@
     </p:spTree>
     <p:extLst>
       <p:ext uri="{BB962C8B-B14F-4D97-AF65-F5344CB8AC3E}">
-        <p14:creationId xmlns:p14="http://schemas.microsoft.com/office/powerpoint/2010/main" val="972148509"/>
+        <p14:creationId xmlns="" xmlns:p14="http://schemas.microsoft.com/office/powerpoint/2010/main" val="972148509"/>
       </p:ext>
     </p:extLst>
   </p:cSld>
@@ -8000,7 +8070,8 @@
           <a:p>
             <a:fld id="{25FAC9C6-1209-EB4E-A016-113DABB47F9F}" type="datetime1">
               <a:rPr lang="en-US" smtClean="0"/>
-              <a:t>9/11/16</a:t>
+              <a:pPr/>
+              <a:t>3/13/2019</a:t>
             </a:fld>
             <a:endParaRPr lang="en-US"/>
           </a:p>
@@ -8046,6 +8117,7 @@
           <a:p>
             <a:fld id="{DE42E464-3EB8-43C8-8768-9E2AD4F497B7}" type="slidenum">
               <a:rPr lang="en-US" smtClean="0"/>
+              <a:pPr/>
               <a:t>‹#›</a:t>
             </a:fld>
             <a:endParaRPr lang="en-US"/>
@@ -8055,7 +8127,7 @@
     </p:spTree>
     <p:extLst>
       <p:ext uri="{BB962C8B-B14F-4D97-AF65-F5344CB8AC3E}">
-        <p14:creationId xmlns:p14="http://schemas.microsoft.com/office/powerpoint/2010/main" val="3725393119"/>
+        <p14:creationId xmlns="" xmlns:p14="http://schemas.microsoft.com/office/powerpoint/2010/main" val="3725393119"/>
       </p:ext>
     </p:extLst>
   </p:cSld>
@@ -8099,7 +8171,8 @@
           <a:p>
             <a:fld id="{28A59216-2276-7E45-854D-253E78414883}" type="datetime1">
               <a:rPr lang="en-US" smtClean="0"/>
-              <a:t>9/11/16</a:t>
+              <a:pPr/>
+              <a:t>3/13/2019</a:t>
             </a:fld>
             <a:endParaRPr lang="en-US"/>
           </a:p>
@@ -8145,6 +8218,7 @@
           <a:p>
             <a:fld id="{DE42E464-3EB8-43C8-8768-9E2AD4F497B7}" type="slidenum">
               <a:rPr lang="en-US" smtClean="0"/>
+              <a:pPr/>
               <a:t>‹#›</a:t>
             </a:fld>
             <a:endParaRPr lang="en-US"/>
@@ -8154,7 +8228,7 @@
     </p:spTree>
     <p:extLst>
       <p:ext uri="{BB962C8B-B14F-4D97-AF65-F5344CB8AC3E}">
-        <p14:creationId xmlns:p14="http://schemas.microsoft.com/office/powerpoint/2010/main" val="4059073685"/>
+        <p14:creationId xmlns="" xmlns:p14="http://schemas.microsoft.com/office/powerpoint/2010/main" val="4059073685"/>
       </p:ext>
     </p:extLst>
   </p:cSld>
@@ -8380,7 +8454,8 @@
           <a:p>
             <a:fld id="{88F58525-F76A-BF45-A828-F93739153269}" type="datetime1">
               <a:rPr lang="en-US" smtClean="0"/>
-              <a:t>9/11/16</a:t>
+              <a:pPr/>
+              <a:t>3/13/2019</a:t>
             </a:fld>
             <a:endParaRPr lang="en-US"/>
           </a:p>
@@ -8426,6 +8501,7 @@
           <a:p>
             <a:fld id="{DE42E464-3EB8-43C8-8768-9E2AD4F497B7}" type="slidenum">
               <a:rPr lang="en-US" smtClean="0"/>
+              <a:pPr/>
               <a:t>‹#›</a:t>
             </a:fld>
             <a:endParaRPr lang="en-US"/>
@@ -8435,7 +8511,7 @@
     </p:spTree>
     <p:extLst>
       <p:ext uri="{BB962C8B-B14F-4D97-AF65-F5344CB8AC3E}">
-        <p14:creationId xmlns:p14="http://schemas.microsoft.com/office/powerpoint/2010/main" val="339650278"/>
+        <p14:creationId xmlns="" xmlns:p14="http://schemas.microsoft.com/office/powerpoint/2010/main" val="339650278"/>
       </p:ext>
     </p:extLst>
   </p:cSld>
@@ -8637,7 +8713,8 @@
           <a:p>
             <a:fld id="{9479E451-AE2E-7741-AD76-2DB529CFFC3A}" type="datetime1">
               <a:rPr lang="en-US" smtClean="0"/>
-              <a:t>9/11/16</a:t>
+              <a:pPr/>
+              <a:t>3/13/2019</a:t>
             </a:fld>
             <a:endParaRPr lang="en-US"/>
           </a:p>
@@ -8683,6 +8760,7 @@
           <a:p>
             <a:fld id="{DE42E464-3EB8-43C8-8768-9E2AD4F497B7}" type="slidenum">
               <a:rPr lang="en-US" smtClean="0"/>
+              <a:pPr/>
               <a:t>‹#›</a:t>
             </a:fld>
             <a:endParaRPr lang="en-US"/>
@@ -8692,7 +8770,7 @@
     </p:spTree>
     <p:extLst>
       <p:ext uri="{BB962C8B-B14F-4D97-AF65-F5344CB8AC3E}">
-        <p14:creationId xmlns:p14="http://schemas.microsoft.com/office/powerpoint/2010/main" val="261275509"/>
+        <p14:creationId xmlns="" xmlns:p14="http://schemas.microsoft.com/office/powerpoint/2010/main" val="261275509"/>
       </p:ext>
     </p:extLst>
   </p:cSld>
@@ -8854,7 +8932,8 @@
           <a:p>
             <a:fld id="{A3931BFD-E9D8-F54D-B5D5-5ACD5AC0655E}" type="datetime1">
               <a:rPr lang="en-US" smtClean="0"/>
-              <a:t>9/11/16</a:t>
+              <a:pPr/>
+              <a:t>3/13/2019</a:t>
             </a:fld>
             <a:endParaRPr lang="en-US"/>
           </a:p>
@@ -8936,6 +9015,7 @@
           <a:p>
             <a:fld id="{DE42E464-3EB8-43C8-8768-9E2AD4F497B7}" type="slidenum">
               <a:rPr lang="en-US" smtClean="0"/>
+              <a:pPr/>
               <a:t>‹#›</a:t>
             </a:fld>
             <a:endParaRPr lang="en-US"/>
@@ -8945,7 +9025,7 @@
     </p:spTree>
     <p:extLst>
       <p:ext uri="{BB962C8B-B14F-4D97-AF65-F5344CB8AC3E}">
-        <p14:creationId xmlns:p14="http://schemas.microsoft.com/office/powerpoint/2010/main" val="3556437462"/>
+        <p14:creationId xmlns="" xmlns:p14="http://schemas.microsoft.com/office/powerpoint/2010/main" val="3556437462"/>
       </p:ext>
     </p:extLst>
   </p:cSld>
@@ -9397,7 +9477,8 @@
           <a:p>
             <a:fld id="{9AD50491-3720-C449-B098-8B506817FCDE}" type="datetime1">
               <a:rPr lang="en-US" smtClean="0"/>
-              <a:t>9/11/16</a:t>
+              <a:pPr/>
+              <a:t>3/13/2019</a:t>
             </a:fld>
             <a:endParaRPr lang="en-US"/>
           </a:p>
@@ -9467,6 +9548,7 @@
           <a:p>
             <a:fld id="{4DBC7FC8-25FB-FC45-8177-2B991DA6778C}" type="slidenum">
               <a:rPr lang="en-US" smtClean="0"/>
+              <a:pPr/>
               <a:t>‹#›</a:t>
             </a:fld>
             <a:endParaRPr lang="en-US"/>
@@ -9704,7 +9786,7 @@
     </p:spTree>
     <p:extLst>
       <p:ext uri="{BB962C8B-B14F-4D97-AF65-F5344CB8AC3E}">
-        <p14:creationId xmlns:p14="http://schemas.microsoft.com/office/powerpoint/2010/main" val="902936129"/>
+        <p14:creationId xmlns="" xmlns:p14="http://schemas.microsoft.com/office/powerpoint/2010/main" val="902936129"/>
       </p:ext>
     </p:extLst>
   </p:cSld>
@@ -10162,7 +10244,8 @@
           <a:p>
             <a:fld id="{BFC178B2-B4C5-964D-927E-48C3D45B987D}" type="datetime1">
               <a:rPr lang="en-US" smtClean="0"/>
-              <a:t>9/11/16</a:t>
+              <a:pPr/>
+              <a:t>3/13/2019</a:t>
             </a:fld>
             <a:endParaRPr lang="en-US"/>
           </a:p>
@@ -10244,6 +10327,7 @@
           <a:p>
             <a:fld id="{DE42E464-3EB8-43C8-8768-9E2AD4F497B7}" type="slidenum">
               <a:rPr lang="en-US" smtClean="0"/>
+              <a:pPr/>
               <a:t>‹#›</a:t>
             </a:fld>
             <a:endParaRPr lang="en-US"/>
@@ -10253,7 +10337,7 @@
     </p:spTree>
     <p:extLst>
       <p:ext uri="{BB962C8B-B14F-4D97-AF65-F5344CB8AC3E}">
-        <p14:creationId xmlns:p14="http://schemas.microsoft.com/office/powerpoint/2010/main" val="717823509"/>
+        <p14:creationId xmlns="" xmlns:p14="http://schemas.microsoft.com/office/powerpoint/2010/main" val="717823509"/>
       </p:ext>
     </p:extLst>
   </p:cSld>
@@ -10631,7 +10715,7 @@
           <a:blip r:embed="rId3" cstate="print">
             <a:extLst>
               <a:ext uri="{28A0092B-C50C-407E-A947-70E740481C1C}">
-                <a14:useLocalDpi xmlns:a14="http://schemas.microsoft.com/office/drawing/2010/main"/>
+                <a14:useLocalDpi xmlns="" xmlns:a14="http://schemas.microsoft.com/office/drawing/2010/main"/>
               </a:ext>
             </a:extLst>
           </a:blip>
@@ -10651,7 +10735,7 @@
     </p:spTree>
     <p:extLst>
       <p:ext uri="{BB962C8B-B14F-4D97-AF65-F5344CB8AC3E}">
-        <p14:creationId xmlns:p14="http://schemas.microsoft.com/office/powerpoint/2010/main" val="1169267598"/>
+        <p14:creationId xmlns="" xmlns:p14="http://schemas.microsoft.com/office/powerpoint/2010/main" val="1169267598"/>
       </p:ext>
     </p:extLst>
   </p:cSld>
@@ -10695,7 +10779,7 @@
           <a:p>
             <a:r>
               <a:rPr lang="en-US" dirty="0" smtClean="0"/>
-              <a:t>ADDING CUSTOM SOUNDS</a:t>
+              <a:t>Adding CUSTOM IMAGES</a:t>
             </a:r>
             <a:endParaRPr lang="en-US" dirty="0"/>
           </a:p>
@@ -10714,33 +10798,25 @@
         <p:spPr>
           <a:xfrm>
             <a:off x="457200" y="1752600"/>
-            <a:ext cx="4518212" cy="4373563"/>
-          </a:xfrm>
-        </p:spPr>
-        <p:txBody>
-          <a:bodyPr/>
-          <a:lstStyle/>
-          <a:p>
+            <a:ext cx="4837697" cy="4373563"/>
+          </a:xfrm>
+        </p:spPr>
+        <p:txBody>
+          <a:bodyPr/>
+          <a:lstStyle/>
+          <a:p>
+            <a:r>
+              <a:rPr lang="en-US" dirty="0"/>
+              <a:t>STEP 7: This image </a:t>
+            </a:r>
             <a:r>
               <a:rPr lang="en-US" dirty="0" smtClean="0"/>
-              <a:t>STEP 5: Save the file</a:t>
-            </a:r>
-          </a:p>
-          <a:p>
-            <a:endParaRPr lang="en-US" dirty="0"/>
-          </a:p>
-          <a:p>
-            <a:endParaRPr lang="en-US" dirty="0" smtClean="0"/>
-          </a:p>
-          <a:p>
-            <a:endParaRPr lang="en-US" dirty="0"/>
-          </a:p>
-          <a:p>
-            <a:r>
-              <a:rPr lang="en-US" dirty="0" smtClean="0"/>
-              <a:t>STEP 6: The sound will appear in the sound block</a:t>
-            </a:r>
-            <a:endParaRPr lang="en-US" dirty="0"/>
+              <a:t>is now ready </a:t>
+            </a:r>
+            <a:r>
+              <a:rPr lang="en-US" dirty="0"/>
+              <a:t>to use in your display block</a:t>
+            </a:r>
           </a:p>
         </p:txBody>
       </p:sp>
@@ -10784,6 +10860,7 @@
           <a:p>
             <a:fld id="{4DBC7FC8-25FB-FC45-8177-2B991DA6778C}" type="slidenum">
               <a:rPr lang="en-US" smtClean="0"/>
+              <a:pPr/>
               <a:t>10</a:t>
             </a:fld>
             <a:endParaRPr lang="en-US"/>
@@ -10802,7 +10879,7 @@
           <a:blip r:embed="rId2">
             <a:extLst>
               <a:ext uri="{28A0092B-C50C-407E-A947-70E740481C1C}">
-                <a14:useLocalDpi xmlns:a14="http://schemas.microsoft.com/office/drawing/2010/main"/>
+                <a14:useLocalDpi xmlns="" xmlns:a14="http://schemas.microsoft.com/office/drawing/2010/main"/>
               </a:ext>
             </a:extLst>
           </a:blip>
@@ -10812,8 +10889,8 @@
         </p:blipFill>
         <p:spPr>
           <a:xfrm>
-            <a:off x="3886200" y="2929201"/>
-            <a:ext cx="4800600" cy="3263900"/>
+            <a:off x="5540188" y="1717202"/>
+            <a:ext cx="2917195" cy="4582789"/>
           </a:xfrm>
           <a:prstGeom prst="rect">
             <a:avLst/>
@@ -10822,17 +10899,41 @@
       </p:pic>
       <p:pic>
         <p:nvPicPr>
-          <p:cNvPr id="7" name="Picture 6"/>
+          <p:cNvPr id="8" name="Picture 7"/>
           <p:cNvPicPr>
             <a:picLocks noChangeAspect="1"/>
           </p:cNvPicPr>
           <p:nvPr/>
         </p:nvPicPr>
         <p:blipFill>
-          <a:blip r:embed="rId3">
+          <a:blip r:embed="rId3"/>
+          <a:stretch>
+            <a:fillRect/>
+          </a:stretch>
+        </p:blipFill>
+        <p:spPr>
+          <a:xfrm>
+            <a:off x="2090271" y="2901518"/>
+            <a:ext cx="760506" cy="231648"/>
+          </a:xfrm>
+          <a:prstGeom prst="rect">
+            <a:avLst/>
+          </a:prstGeom>
+        </p:spPr>
+      </p:pic>
+      <p:pic>
+        <p:nvPicPr>
+          <p:cNvPr id="9" name="Picture 8"/>
+          <p:cNvPicPr>
+            <a:picLocks noChangeAspect="1"/>
+          </p:cNvPicPr>
+          <p:nvPr/>
+        </p:nvPicPr>
+        <p:blipFill>
+          <a:blip r:embed="rId4">
             <a:extLst>
               <a:ext uri="{28A0092B-C50C-407E-A947-70E740481C1C}">
-                <a14:useLocalDpi xmlns:a14="http://schemas.microsoft.com/office/drawing/2010/main"/>
+                <a14:useLocalDpi xmlns="" xmlns:a14="http://schemas.microsoft.com/office/drawing/2010/main"/>
               </a:ext>
             </a:extLst>
           </a:blip>
@@ -10842,64 +10943,18 @@
         </p:blipFill>
         <p:spPr>
           <a:xfrm>
-            <a:off x="4758249" y="1383712"/>
-            <a:ext cx="3699133" cy="887037"/>
+            <a:off x="907677" y="2595814"/>
+            <a:ext cx="3556000" cy="3149600"/>
           </a:xfrm>
           <a:prstGeom prst="rect">
             <a:avLst/>
           </a:prstGeom>
         </p:spPr>
       </p:pic>
-      <p:sp>
-        <p:nvSpPr>
-          <p:cNvPr id="11" name="Rounded Rectangle 10"/>
-          <p:cNvSpPr/>
-          <p:nvPr/>
-        </p:nvSpPr>
-        <p:spPr>
-          <a:xfrm>
-            <a:off x="5876365" y="3724835"/>
-            <a:ext cx="2702859" cy="255494"/>
-          </a:xfrm>
-          <a:prstGeom prst="roundRect">
-            <a:avLst/>
-          </a:prstGeom>
-          <a:noFill/>
-          <a:ln>
-            <a:solidFill>
-              <a:srgbClr val="FF0000"/>
-            </a:solidFill>
-          </a:ln>
-        </p:spPr>
-        <p:style>
-          <a:lnRef idx="2">
-            <a:schemeClr val="accent1">
-              <a:shade val="50000"/>
-            </a:schemeClr>
-          </a:lnRef>
-          <a:fillRef idx="1">
-            <a:schemeClr val="accent1"/>
-          </a:fillRef>
-          <a:effectRef idx="0">
-            <a:schemeClr val="accent1"/>
-          </a:effectRef>
-          <a:fontRef idx="minor">
-            <a:schemeClr val="lt1"/>
-          </a:fontRef>
-        </p:style>
-        <p:txBody>
-          <a:bodyPr rtlCol="0" anchor="ctr"/>
-          <a:lstStyle/>
-          <a:p>
-            <a:pPr algn="ctr"/>
-            <a:endParaRPr lang="en-US"/>
-          </a:p>
-        </p:txBody>
-      </p:sp>
     </p:spTree>
     <p:extLst>
       <p:ext uri="{BB962C8B-B14F-4D97-AF65-F5344CB8AC3E}">
-        <p14:creationId xmlns:p14="http://schemas.microsoft.com/office/powerpoint/2010/main" val="34995183"/>
+        <p14:creationId xmlns="" xmlns:p14="http://schemas.microsoft.com/office/powerpoint/2010/main" val="2074854515"/>
       </p:ext>
     </p:extLst>
   </p:cSld>
@@ -10936,6 +10991,1683 @@
             <p:ph type="title"/>
           </p:nvPr>
         </p:nvSpPr>
+        <p:spPr/>
+        <p:txBody>
+          <a:bodyPr/>
+          <a:lstStyle/>
+          <a:p>
+            <a:r>
+              <a:rPr lang="en-GB" dirty="0"/>
+              <a:t>Using the eyes left and right images</a:t>
+            </a:r>
+          </a:p>
+        </p:txBody>
+      </p:sp>
+      <p:sp>
+        <p:nvSpPr>
+          <p:cNvPr id="3" name="Content Placeholder 2"/>
+          <p:cNvSpPr>
+            <a:spLocks noGrp="1"/>
+          </p:cNvSpPr>
+          <p:nvPr>
+            <p:ph idx="1"/>
+          </p:nvPr>
+        </p:nvSpPr>
+        <p:spPr>
+          <a:xfrm>
+            <a:off x="457201" y="2133600"/>
+            <a:ext cx="3139440" cy="3992563"/>
+          </a:xfrm>
+        </p:spPr>
+        <p:txBody>
+          <a:bodyPr/>
+          <a:lstStyle/>
+          <a:p>
+            <a:r>
+              <a:rPr lang="en-GB" dirty="0" smtClean="0"/>
+              <a:t>Select the display block</a:t>
+            </a:r>
+          </a:p>
+          <a:p>
+            <a:endParaRPr lang="en-GB" dirty="0" smtClean="0"/>
+          </a:p>
+          <a:p>
+            <a:r>
+              <a:rPr lang="en-GB" dirty="0" smtClean="0"/>
+              <a:t>Press in the name area</a:t>
+            </a:r>
+          </a:p>
+          <a:p>
+            <a:endParaRPr lang="en-GB" dirty="0" smtClean="0"/>
+          </a:p>
+          <a:p>
+            <a:r>
+              <a:rPr lang="en-GB" dirty="0" smtClean="0"/>
+              <a:t>Select the image to display</a:t>
+            </a:r>
+          </a:p>
+          <a:p>
+            <a:endParaRPr lang="en-GB" dirty="0" smtClean="0"/>
+          </a:p>
+          <a:p>
+            <a:r>
+              <a:rPr lang="en-GB" dirty="0" smtClean="0"/>
+              <a:t>After selecting the image press the preview button</a:t>
+            </a:r>
+            <a:endParaRPr lang="en-GB" dirty="0"/>
+          </a:p>
+        </p:txBody>
+      </p:sp>
+      <p:sp>
+        <p:nvSpPr>
+          <p:cNvPr id="4" name="Footer Placeholder 3"/>
+          <p:cNvSpPr>
+            <a:spLocks noGrp="1"/>
+          </p:cNvSpPr>
+          <p:nvPr>
+            <p:ph type="ftr" sz="quarter" idx="11"/>
+          </p:nvPr>
+        </p:nvSpPr>
+        <p:spPr/>
+        <p:txBody>
+          <a:bodyPr/>
+          <a:lstStyle/>
+          <a:p>
+            <a:r>
+              <a:rPr lang="en-US" smtClean="0"/>
+              <a:t>Copyright © EV3Lessons.com 2016 (Last edit: 9/11/2016)</a:t>
+            </a:r>
+            <a:endParaRPr lang="en-US"/>
+          </a:p>
+        </p:txBody>
+      </p:sp>
+      <p:sp>
+        <p:nvSpPr>
+          <p:cNvPr id="5" name="Slide Number Placeholder 4"/>
+          <p:cNvSpPr>
+            <a:spLocks noGrp="1"/>
+          </p:cNvSpPr>
+          <p:nvPr>
+            <p:ph type="sldNum" sz="quarter" idx="12"/>
+          </p:nvPr>
+        </p:nvSpPr>
+        <p:spPr/>
+        <p:txBody>
+          <a:bodyPr/>
+          <a:lstStyle/>
+          <a:p>
+            <a:fld id="{4DBC7FC8-25FB-FC45-8177-2B991DA6778C}" type="slidenum">
+              <a:rPr lang="en-US" smtClean="0"/>
+              <a:pPr/>
+              <a:t>11</a:t>
+            </a:fld>
+            <a:endParaRPr lang="en-US"/>
+          </a:p>
+        </p:txBody>
+      </p:sp>
+      <p:pic>
+        <p:nvPicPr>
+          <p:cNvPr id="6" name="Picture 5"/>
+          <p:cNvPicPr>
+            <a:picLocks noChangeAspect="1"/>
+          </p:cNvPicPr>
+          <p:nvPr/>
+        </p:nvPicPr>
+        <p:blipFill rotWithShape="1">
+          <a:blip r:embed="rId2"/>
+          <a:srcRect l="31259" t="42898" r="34879" b="7860"/>
+          <a:stretch/>
+        </p:blipFill>
+        <p:spPr>
+          <a:xfrm>
+            <a:off x="3741892" y="1524318"/>
+            <a:ext cx="4960782" cy="4385415"/>
+          </a:xfrm>
+          <a:prstGeom prst="rect">
+            <a:avLst/>
+          </a:prstGeom>
+          <a:effectLst>
+            <a:outerShdw blurRad="50800" dist="38100" dir="2700000" algn="tl" rotWithShape="0">
+              <a:prstClr val="black">
+                <a:alpha val="40000"/>
+              </a:prstClr>
+            </a:outerShdw>
+          </a:effectLst>
+        </p:spPr>
+      </p:pic>
+      <p:sp>
+        <p:nvSpPr>
+          <p:cNvPr id="7" name="Oval 6"/>
+          <p:cNvSpPr/>
+          <p:nvPr/>
+        </p:nvSpPr>
+        <p:spPr>
+          <a:xfrm>
+            <a:off x="4994920" y="5028578"/>
+            <a:ext cx="796280" cy="881155"/>
+          </a:xfrm>
+          <a:prstGeom prst="ellipse">
+            <a:avLst/>
+          </a:prstGeom>
+          <a:noFill/>
+          <a:ln w="38100">
+            <a:solidFill>
+              <a:srgbClr val="C00000"/>
+            </a:solidFill>
+          </a:ln>
+        </p:spPr>
+        <p:style>
+          <a:lnRef idx="2">
+            <a:schemeClr val="accent1">
+              <a:shade val="50000"/>
+            </a:schemeClr>
+          </a:lnRef>
+          <a:fillRef idx="1">
+            <a:schemeClr val="accent1"/>
+          </a:fillRef>
+          <a:effectRef idx="0">
+            <a:schemeClr val="accent1"/>
+          </a:effectRef>
+          <a:fontRef idx="minor">
+            <a:schemeClr val="lt1"/>
+          </a:fontRef>
+        </p:style>
+        <p:txBody>
+          <a:bodyPr rtlCol="0" anchor="ctr"/>
+          <a:lstStyle/>
+          <a:p>
+            <a:pPr algn="ctr"/>
+            <a:endParaRPr lang="en-GB"/>
+          </a:p>
+        </p:txBody>
+      </p:sp>
+      <p:cxnSp>
+        <p:nvCxnSpPr>
+          <p:cNvPr id="8" name="Straight Arrow Connector 7"/>
+          <p:cNvCxnSpPr>
+            <a:endCxn id="7" idx="2"/>
+          </p:cNvCxnSpPr>
+          <p:nvPr/>
+        </p:nvCxnSpPr>
+        <p:spPr>
+          <a:xfrm rot="16200000" flipH="1">
+            <a:off x="2697512" y="3171747"/>
+            <a:ext cx="3045829" cy="1548987"/>
+          </a:xfrm>
+          <a:prstGeom prst="straightConnector1">
+            <a:avLst/>
+          </a:prstGeom>
+          <a:ln w="38100">
+            <a:solidFill>
+              <a:srgbClr val="C00000"/>
+            </a:solidFill>
+            <a:tailEnd type="triangle"/>
+          </a:ln>
+        </p:spPr>
+        <p:style>
+          <a:lnRef idx="1">
+            <a:schemeClr val="accent1"/>
+          </a:lnRef>
+          <a:fillRef idx="0">
+            <a:schemeClr val="accent1"/>
+          </a:fillRef>
+          <a:effectRef idx="0">
+            <a:schemeClr val="accent1"/>
+          </a:effectRef>
+          <a:fontRef idx="minor">
+            <a:schemeClr val="tx1"/>
+          </a:fontRef>
+        </p:style>
+      </p:cxnSp>
+      <p:sp>
+        <p:nvSpPr>
+          <p:cNvPr id="13" name="Oval 12"/>
+          <p:cNvSpPr/>
+          <p:nvPr/>
+        </p:nvSpPr>
+        <p:spPr>
+          <a:xfrm>
+            <a:off x="5943187" y="3268133"/>
+            <a:ext cx="504825" cy="229222"/>
+          </a:xfrm>
+          <a:prstGeom prst="ellipse">
+            <a:avLst/>
+          </a:prstGeom>
+          <a:noFill/>
+          <a:ln w="38100">
+            <a:solidFill>
+              <a:srgbClr val="0070C0"/>
+            </a:solidFill>
+          </a:ln>
+        </p:spPr>
+        <p:style>
+          <a:lnRef idx="2">
+            <a:schemeClr val="accent1">
+              <a:shade val="50000"/>
+            </a:schemeClr>
+          </a:lnRef>
+          <a:fillRef idx="1">
+            <a:schemeClr val="accent1"/>
+          </a:fillRef>
+          <a:effectRef idx="0">
+            <a:schemeClr val="accent1"/>
+          </a:effectRef>
+          <a:fontRef idx="minor">
+            <a:schemeClr val="lt1"/>
+          </a:fontRef>
+        </p:style>
+        <p:txBody>
+          <a:bodyPr rtlCol="0" anchor="ctr"/>
+          <a:lstStyle/>
+          <a:p>
+            <a:pPr algn="ctr"/>
+            <a:endParaRPr lang="en-GB"/>
+          </a:p>
+        </p:txBody>
+      </p:sp>
+      <p:cxnSp>
+        <p:nvCxnSpPr>
+          <p:cNvPr id="14" name="Straight Arrow Connector 13"/>
+          <p:cNvCxnSpPr>
+            <a:endCxn id="13" idx="2"/>
+          </p:cNvCxnSpPr>
+          <p:nvPr/>
+        </p:nvCxnSpPr>
+        <p:spPr>
+          <a:xfrm>
+            <a:off x="3445933" y="3268133"/>
+            <a:ext cx="2497254" cy="114611"/>
+          </a:xfrm>
+          <a:prstGeom prst="straightConnector1">
+            <a:avLst/>
+          </a:prstGeom>
+          <a:ln w="38100">
+            <a:solidFill>
+              <a:srgbClr val="0070C0"/>
+            </a:solidFill>
+            <a:tailEnd type="triangle"/>
+          </a:ln>
+        </p:spPr>
+        <p:style>
+          <a:lnRef idx="1">
+            <a:schemeClr val="accent1"/>
+          </a:lnRef>
+          <a:fillRef idx="0">
+            <a:schemeClr val="accent1"/>
+          </a:fillRef>
+          <a:effectRef idx="0">
+            <a:schemeClr val="accent1"/>
+          </a:effectRef>
+          <a:fontRef idx="minor">
+            <a:schemeClr val="tx1"/>
+          </a:fontRef>
+        </p:style>
+      </p:cxnSp>
+      <p:sp>
+        <p:nvSpPr>
+          <p:cNvPr id="16" name="Oval 15"/>
+          <p:cNvSpPr/>
+          <p:nvPr/>
+        </p:nvSpPr>
+        <p:spPr>
+          <a:xfrm>
+            <a:off x="6341534" y="2133600"/>
+            <a:ext cx="855134" cy="404337"/>
+          </a:xfrm>
+          <a:prstGeom prst="ellipse">
+            <a:avLst/>
+          </a:prstGeom>
+          <a:noFill/>
+          <a:ln w="38100">
+            <a:solidFill>
+              <a:schemeClr val="accent2">
+                <a:lumMod val="75000"/>
+              </a:schemeClr>
+            </a:solidFill>
+          </a:ln>
+        </p:spPr>
+        <p:style>
+          <a:lnRef idx="2">
+            <a:schemeClr val="accent1">
+              <a:shade val="50000"/>
+            </a:schemeClr>
+          </a:lnRef>
+          <a:fillRef idx="1">
+            <a:schemeClr val="accent1"/>
+          </a:fillRef>
+          <a:effectRef idx="0">
+            <a:schemeClr val="accent1"/>
+          </a:effectRef>
+          <a:fontRef idx="minor">
+            <a:schemeClr val="lt1"/>
+          </a:fontRef>
+        </p:style>
+        <p:txBody>
+          <a:bodyPr rtlCol="0" anchor="ctr"/>
+          <a:lstStyle/>
+          <a:p>
+            <a:pPr algn="ctr"/>
+            <a:endParaRPr lang="en-GB"/>
+          </a:p>
+        </p:txBody>
+      </p:sp>
+      <p:cxnSp>
+        <p:nvCxnSpPr>
+          <p:cNvPr id="17" name="Straight Arrow Connector 16"/>
+          <p:cNvCxnSpPr>
+            <a:endCxn id="16" idx="2"/>
+          </p:cNvCxnSpPr>
+          <p:nvPr/>
+        </p:nvCxnSpPr>
+        <p:spPr>
+          <a:xfrm flipV="1">
+            <a:off x="2905246" y="2335769"/>
+            <a:ext cx="3436288" cy="1842692"/>
+          </a:xfrm>
+          <a:prstGeom prst="straightConnector1">
+            <a:avLst/>
+          </a:prstGeom>
+          <a:ln w="38100">
+            <a:solidFill>
+              <a:schemeClr val="accent2">
+                <a:lumMod val="75000"/>
+              </a:schemeClr>
+            </a:solidFill>
+            <a:tailEnd type="triangle"/>
+          </a:ln>
+        </p:spPr>
+        <p:style>
+          <a:lnRef idx="1">
+            <a:schemeClr val="accent1"/>
+          </a:lnRef>
+          <a:fillRef idx="0">
+            <a:schemeClr val="accent1"/>
+          </a:fillRef>
+          <a:effectRef idx="0">
+            <a:schemeClr val="accent1"/>
+          </a:effectRef>
+          <a:fontRef idx="minor">
+            <a:schemeClr val="tx1"/>
+          </a:fontRef>
+        </p:style>
+      </p:cxnSp>
+      <p:sp>
+        <p:nvSpPr>
+          <p:cNvPr id="23" name="Oval 22"/>
+          <p:cNvSpPr/>
+          <p:nvPr/>
+        </p:nvSpPr>
+        <p:spPr>
+          <a:xfrm>
+            <a:off x="4742507" y="3268133"/>
+            <a:ext cx="252413" cy="229222"/>
+          </a:xfrm>
+          <a:prstGeom prst="ellipse">
+            <a:avLst/>
+          </a:prstGeom>
+          <a:noFill/>
+          <a:ln w="38100">
+            <a:solidFill>
+              <a:srgbClr val="00B050"/>
+            </a:solidFill>
+          </a:ln>
+        </p:spPr>
+        <p:style>
+          <a:lnRef idx="2">
+            <a:schemeClr val="accent1">
+              <a:shade val="50000"/>
+            </a:schemeClr>
+          </a:lnRef>
+          <a:fillRef idx="1">
+            <a:schemeClr val="accent1"/>
+          </a:fillRef>
+          <a:effectRef idx="0">
+            <a:schemeClr val="accent1"/>
+          </a:effectRef>
+          <a:fontRef idx="minor">
+            <a:schemeClr val="lt1"/>
+          </a:fontRef>
+        </p:style>
+        <p:txBody>
+          <a:bodyPr rtlCol="0" anchor="ctr"/>
+          <a:lstStyle/>
+          <a:p>
+            <a:pPr algn="ctr"/>
+            <a:endParaRPr lang="en-GB"/>
+          </a:p>
+        </p:txBody>
+      </p:sp>
+      <p:cxnSp>
+        <p:nvCxnSpPr>
+          <p:cNvPr id="24" name="Straight Arrow Connector 23"/>
+          <p:cNvCxnSpPr>
+            <a:endCxn id="23" idx="2"/>
+          </p:cNvCxnSpPr>
+          <p:nvPr/>
+        </p:nvCxnSpPr>
+        <p:spPr>
+          <a:xfrm rot="5400000" flipH="1" flipV="1">
+            <a:off x="2780670" y="3507321"/>
+            <a:ext cx="2086413" cy="1837261"/>
+          </a:xfrm>
+          <a:prstGeom prst="straightConnector1">
+            <a:avLst/>
+          </a:prstGeom>
+          <a:ln w="38100">
+            <a:solidFill>
+              <a:srgbClr val="00B050"/>
+            </a:solidFill>
+            <a:tailEnd type="triangle"/>
+          </a:ln>
+        </p:spPr>
+        <p:style>
+          <a:lnRef idx="1">
+            <a:schemeClr val="accent1"/>
+          </a:lnRef>
+          <a:fillRef idx="0">
+            <a:schemeClr val="accent1"/>
+          </a:fillRef>
+          <a:effectRef idx="0">
+            <a:schemeClr val="accent1"/>
+          </a:effectRef>
+          <a:fontRef idx="minor">
+            <a:schemeClr val="tx1"/>
+          </a:fontRef>
+        </p:style>
+      </p:cxnSp>
+    </p:spTree>
+    <p:extLst>
+      <p:ext uri="{BB962C8B-B14F-4D97-AF65-F5344CB8AC3E}">
+        <p14:creationId xmlns="" xmlns:p14="http://schemas.microsoft.com/office/powerpoint/2010/main" val="174843332"/>
+      </p:ext>
+    </p:extLst>
+  </p:cSld>
+  <p:clrMapOvr>
+    <a:masterClrMapping/>
+  </p:clrMapOvr>
+</p:sld>
+</file>
+
+<file path=ppt/slides/slide12.xml><?xml version="1.0" encoding="utf-8"?>
+<p:sld xmlns:a="http://schemas.openxmlformats.org/drawingml/2006/main" xmlns:r="http://schemas.openxmlformats.org/officeDocument/2006/relationships" xmlns:p="http://schemas.openxmlformats.org/presentationml/2006/main">
+  <p:cSld>
+    <p:spTree>
+      <p:nvGrpSpPr>
+        <p:cNvPr id="1" name=""/>
+        <p:cNvGrpSpPr/>
+        <p:nvPr/>
+      </p:nvGrpSpPr>
+      <p:grpSpPr>
+        <a:xfrm>
+          <a:off x="0" y="0"/>
+          <a:ext cx="0" cy="0"/>
+          <a:chOff x="0" y="0"/>
+          <a:chExt cx="0" cy="0"/>
+        </a:xfrm>
+      </p:grpSpPr>
+      <p:pic>
+        <p:nvPicPr>
+          <p:cNvPr id="12" name="Picture 11"/>
+          <p:cNvPicPr>
+            <a:picLocks noChangeAspect="1"/>
+          </p:cNvPicPr>
+          <p:nvPr/>
+        </p:nvPicPr>
+        <p:blipFill>
+          <a:blip r:embed="rId3">
+            <a:extLst>
+              <a:ext uri="{28A0092B-C50C-407E-A947-70E740481C1C}">
+                <a14:useLocalDpi xmlns="" xmlns:a14="http://schemas.microsoft.com/office/drawing/2010/main"/>
+              </a:ext>
+            </a:extLst>
+          </a:blip>
+          <a:stretch>
+            <a:fillRect/>
+          </a:stretch>
+        </p:blipFill>
+        <p:spPr>
+          <a:xfrm>
+            <a:off x="3240741" y="1465573"/>
+            <a:ext cx="5550062" cy="4832320"/>
+          </a:xfrm>
+          <a:prstGeom prst="rect">
+            <a:avLst/>
+          </a:prstGeom>
+        </p:spPr>
+      </p:pic>
+      <p:sp>
+        <p:nvSpPr>
+          <p:cNvPr id="2" name="Title 1"/>
+          <p:cNvSpPr>
+            <a:spLocks noGrp="1"/>
+          </p:cNvSpPr>
+          <p:nvPr>
+            <p:ph type="title"/>
+          </p:nvPr>
+        </p:nvSpPr>
+        <p:spPr/>
+        <p:txBody>
+          <a:bodyPr/>
+          <a:lstStyle/>
+          <a:p>
+            <a:r>
+              <a:rPr lang="en-US" dirty="0" smtClean="0"/>
+              <a:t>Sharing your RGF FILE</a:t>
+            </a:r>
+            <a:endParaRPr lang="en-US" dirty="0"/>
+          </a:p>
+        </p:txBody>
+      </p:sp>
+      <p:sp>
+        <p:nvSpPr>
+          <p:cNvPr id="3" name="Content Placeholder 2"/>
+          <p:cNvSpPr>
+            <a:spLocks noGrp="1"/>
+          </p:cNvSpPr>
+          <p:nvPr>
+            <p:ph idx="1"/>
+          </p:nvPr>
+        </p:nvSpPr>
+        <p:spPr>
+          <a:xfrm>
+            <a:off x="207142" y="1326356"/>
+            <a:ext cx="3073940" cy="4799807"/>
+          </a:xfrm>
+        </p:spPr>
+        <p:txBody>
+          <a:bodyPr>
+            <a:normAutofit fontScale="92500" lnSpcReduction="10000"/>
+          </a:bodyPr>
+          <a:lstStyle/>
+          <a:p>
+            <a:pPr marL="342900" indent="-342900">
+              <a:buFont typeface="Arial" charset="0"/>
+              <a:buChar char="•"/>
+            </a:pPr>
+            <a:r>
+              <a:rPr lang="en-US" dirty="0" smtClean="0"/>
+              <a:t>Click on the wrench tool in your project</a:t>
+            </a:r>
+          </a:p>
+          <a:p>
+            <a:pPr marL="342900" indent="-342900">
+              <a:buFont typeface="Arial" charset="0"/>
+              <a:buChar char="•"/>
+            </a:pPr>
+            <a:r>
+              <a:rPr lang="en-US" dirty="0" smtClean="0"/>
+              <a:t>Select the Images Tab</a:t>
+            </a:r>
+          </a:p>
+          <a:p>
+            <a:pPr marL="342900" indent="-342900">
+              <a:buFont typeface="Arial" charset="0"/>
+              <a:buChar char="•"/>
+            </a:pPr>
+            <a:r>
+              <a:rPr lang="en-US" dirty="0" smtClean="0"/>
+              <a:t>Click on the .</a:t>
+            </a:r>
+            <a:r>
+              <a:rPr lang="en-US" dirty="0" err="1" smtClean="0"/>
+              <a:t>rgf</a:t>
+            </a:r>
+            <a:r>
+              <a:rPr lang="en-US" dirty="0" smtClean="0"/>
+              <a:t> file</a:t>
+            </a:r>
+          </a:p>
+          <a:p>
+            <a:pPr marL="342900" indent="-342900">
+              <a:buFont typeface="Arial" charset="0"/>
+              <a:buChar char="•"/>
+            </a:pPr>
+            <a:r>
+              <a:rPr lang="en-US" dirty="0" smtClean="0"/>
+              <a:t>Click on Export and save the file</a:t>
+            </a:r>
+          </a:p>
+          <a:p>
+            <a:pPr marL="342900" indent="-342900">
+              <a:buFont typeface="Arial" charset="0"/>
+              <a:buChar char="•"/>
+            </a:pPr>
+            <a:r>
+              <a:rPr lang="en-US" dirty="0" smtClean="0"/>
+              <a:t>You can now send this file to anyone you want to</a:t>
+            </a:r>
+          </a:p>
+          <a:p>
+            <a:pPr marL="342900" indent="-342900">
+              <a:buFont typeface="Arial" charset="0"/>
+              <a:buChar char="•"/>
+            </a:pPr>
+            <a:r>
+              <a:rPr lang="en-US" dirty="0" smtClean="0"/>
+              <a:t>If you want to add a .</a:t>
+            </a:r>
+            <a:r>
+              <a:rPr lang="en-US" dirty="0" err="1" smtClean="0"/>
+              <a:t>rgf</a:t>
+            </a:r>
+            <a:r>
+              <a:rPr lang="en-US" dirty="0" smtClean="0"/>
+              <a:t> file sent to you to your project, simply choose Import instead</a:t>
+            </a:r>
+            <a:endParaRPr lang="en-US" dirty="0"/>
+          </a:p>
+        </p:txBody>
+      </p:sp>
+      <p:sp>
+        <p:nvSpPr>
+          <p:cNvPr id="4" name="Footer Placeholder 3"/>
+          <p:cNvSpPr>
+            <a:spLocks noGrp="1"/>
+          </p:cNvSpPr>
+          <p:nvPr>
+            <p:ph type="ftr" sz="quarter" idx="11"/>
+          </p:nvPr>
+        </p:nvSpPr>
+        <p:spPr/>
+        <p:txBody>
+          <a:bodyPr/>
+          <a:lstStyle/>
+          <a:p>
+            <a:r>
+              <a:rPr lang="en-US" smtClean="0"/>
+              <a:t>Copyright © EV3Lessons.com 2016 (Last edit: 9/11/2016)</a:t>
+            </a:r>
+            <a:endParaRPr lang="en-US"/>
+          </a:p>
+        </p:txBody>
+      </p:sp>
+      <p:sp>
+        <p:nvSpPr>
+          <p:cNvPr id="5" name="Slide Number Placeholder 4"/>
+          <p:cNvSpPr>
+            <a:spLocks noGrp="1"/>
+          </p:cNvSpPr>
+          <p:nvPr>
+            <p:ph type="sldNum" sz="quarter" idx="12"/>
+          </p:nvPr>
+        </p:nvSpPr>
+        <p:spPr/>
+        <p:txBody>
+          <a:bodyPr/>
+          <a:lstStyle/>
+          <a:p>
+            <a:fld id="{4DBC7FC8-25FB-FC45-8177-2B991DA6778C}" type="slidenum">
+              <a:rPr lang="en-US" smtClean="0"/>
+              <a:pPr/>
+              <a:t>12</a:t>
+            </a:fld>
+            <a:endParaRPr lang="en-US"/>
+          </a:p>
+        </p:txBody>
+      </p:sp>
+      <p:sp>
+        <p:nvSpPr>
+          <p:cNvPr id="7" name="Rounded Rectangle 6"/>
+          <p:cNvSpPr/>
+          <p:nvPr/>
+        </p:nvSpPr>
+        <p:spPr>
+          <a:xfrm>
+            <a:off x="3294529" y="1691826"/>
+            <a:ext cx="242047" cy="374015"/>
+          </a:xfrm>
+          <a:prstGeom prst="roundRect">
+            <a:avLst/>
+          </a:prstGeom>
+          <a:noFill/>
+          <a:ln w="76200">
+            <a:solidFill>
+              <a:srgbClr val="FF0000"/>
+            </a:solidFill>
+          </a:ln>
+        </p:spPr>
+        <p:style>
+          <a:lnRef idx="2">
+            <a:schemeClr val="accent1">
+              <a:shade val="50000"/>
+            </a:schemeClr>
+          </a:lnRef>
+          <a:fillRef idx="1">
+            <a:schemeClr val="accent1"/>
+          </a:fillRef>
+          <a:effectRef idx="0">
+            <a:schemeClr val="accent1"/>
+          </a:effectRef>
+          <a:fontRef idx="minor">
+            <a:schemeClr val="lt1"/>
+          </a:fontRef>
+        </p:style>
+        <p:txBody>
+          <a:bodyPr rtlCol="0" anchor="ctr"/>
+          <a:lstStyle/>
+          <a:p>
+            <a:pPr algn="ctr"/>
+            <a:endParaRPr lang="en-US"/>
+          </a:p>
+        </p:txBody>
+      </p:sp>
+      <p:sp>
+        <p:nvSpPr>
+          <p:cNvPr id="8" name="Rounded Rectangle 7"/>
+          <p:cNvSpPr/>
+          <p:nvPr/>
+        </p:nvSpPr>
+        <p:spPr>
+          <a:xfrm>
+            <a:off x="4092385" y="3901622"/>
+            <a:ext cx="869580" cy="374015"/>
+          </a:xfrm>
+          <a:prstGeom prst="roundRect">
+            <a:avLst/>
+          </a:prstGeom>
+          <a:noFill/>
+          <a:ln w="76200">
+            <a:solidFill>
+              <a:srgbClr val="FF0000"/>
+            </a:solidFill>
+          </a:ln>
+        </p:spPr>
+        <p:style>
+          <a:lnRef idx="2">
+            <a:schemeClr val="accent1">
+              <a:shade val="50000"/>
+            </a:schemeClr>
+          </a:lnRef>
+          <a:fillRef idx="1">
+            <a:schemeClr val="accent1"/>
+          </a:fillRef>
+          <a:effectRef idx="0">
+            <a:schemeClr val="accent1"/>
+          </a:effectRef>
+          <a:fontRef idx="minor">
+            <a:schemeClr val="lt1"/>
+          </a:fontRef>
+        </p:style>
+        <p:txBody>
+          <a:bodyPr rtlCol="0" anchor="ctr"/>
+          <a:lstStyle/>
+          <a:p>
+            <a:pPr algn="ctr"/>
+            <a:endParaRPr lang="en-US"/>
+          </a:p>
+        </p:txBody>
+      </p:sp>
+      <p:sp>
+        <p:nvSpPr>
+          <p:cNvPr id="9" name="Rounded Rectangle 8"/>
+          <p:cNvSpPr/>
+          <p:nvPr/>
+        </p:nvSpPr>
+        <p:spPr>
+          <a:xfrm>
+            <a:off x="3343835" y="4282621"/>
+            <a:ext cx="1039905" cy="319387"/>
+          </a:xfrm>
+          <a:prstGeom prst="roundRect">
+            <a:avLst/>
+          </a:prstGeom>
+          <a:noFill/>
+          <a:ln w="76200">
+            <a:solidFill>
+              <a:srgbClr val="FF0000"/>
+            </a:solidFill>
+          </a:ln>
+        </p:spPr>
+        <p:style>
+          <a:lnRef idx="2">
+            <a:schemeClr val="accent1">
+              <a:shade val="50000"/>
+            </a:schemeClr>
+          </a:lnRef>
+          <a:fillRef idx="1">
+            <a:schemeClr val="accent1"/>
+          </a:fillRef>
+          <a:effectRef idx="0">
+            <a:schemeClr val="accent1"/>
+          </a:effectRef>
+          <a:fontRef idx="minor">
+            <a:schemeClr val="lt1"/>
+          </a:fontRef>
+        </p:style>
+        <p:txBody>
+          <a:bodyPr rtlCol="0" anchor="ctr"/>
+          <a:lstStyle/>
+          <a:p>
+            <a:pPr algn="ctr"/>
+            <a:endParaRPr lang="en-US"/>
+          </a:p>
+        </p:txBody>
+      </p:sp>
+      <p:sp>
+        <p:nvSpPr>
+          <p:cNvPr id="10" name="Rounded Rectangle 9"/>
+          <p:cNvSpPr/>
+          <p:nvPr/>
+        </p:nvSpPr>
+        <p:spPr>
+          <a:xfrm>
+            <a:off x="5446060" y="5890809"/>
+            <a:ext cx="739588" cy="345482"/>
+          </a:xfrm>
+          <a:prstGeom prst="roundRect">
+            <a:avLst/>
+          </a:prstGeom>
+          <a:noFill/>
+          <a:ln w="76200">
+            <a:solidFill>
+              <a:srgbClr val="FF0000"/>
+            </a:solidFill>
+          </a:ln>
+        </p:spPr>
+        <p:style>
+          <a:lnRef idx="2">
+            <a:schemeClr val="accent1">
+              <a:shade val="50000"/>
+            </a:schemeClr>
+          </a:lnRef>
+          <a:fillRef idx="1">
+            <a:schemeClr val="accent1"/>
+          </a:fillRef>
+          <a:effectRef idx="0">
+            <a:schemeClr val="accent1"/>
+          </a:effectRef>
+          <a:fontRef idx="minor">
+            <a:schemeClr val="lt1"/>
+          </a:fontRef>
+        </p:style>
+        <p:txBody>
+          <a:bodyPr rtlCol="0" anchor="ctr"/>
+          <a:lstStyle/>
+          <a:p>
+            <a:pPr algn="ctr"/>
+            <a:endParaRPr lang="en-US"/>
+          </a:p>
+        </p:txBody>
+      </p:sp>
+    </p:spTree>
+    <p:extLst>
+      <p:ext uri="{BB962C8B-B14F-4D97-AF65-F5344CB8AC3E}">
+        <p14:creationId xmlns="" xmlns:p14="http://schemas.microsoft.com/office/powerpoint/2010/main" val="629037147"/>
+      </p:ext>
+    </p:extLst>
+  </p:cSld>
+  <p:clrMapOvr>
+    <a:masterClrMapping/>
+  </p:clrMapOvr>
+</p:sld>
+</file>
+
+<file path=ppt/slides/slide13.xml><?xml version="1.0" encoding="utf-8"?>
+<p:sld xmlns:a="http://schemas.openxmlformats.org/drawingml/2006/main" xmlns:r="http://schemas.openxmlformats.org/officeDocument/2006/relationships" xmlns:p="http://schemas.openxmlformats.org/presentationml/2006/main">
+  <p:cSld>
+    <p:spTree>
+      <p:nvGrpSpPr>
+        <p:cNvPr id="1" name=""/>
+        <p:cNvGrpSpPr/>
+        <p:nvPr/>
+      </p:nvGrpSpPr>
+      <p:grpSpPr>
+        <a:xfrm>
+          <a:off x="0" y="0"/>
+          <a:ext cx="0" cy="0"/>
+          <a:chOff x="0" y="0"/>
+          <a:chExt cx="0" cy="0"/>
+        </a:xfrm>
+      </p:grpSpPr>
+      <p:sp>
+        <p:nvSpPr>
+          <p:cNvPr id="2" name="Title 1"/>
+          <p:cNvSpPr>
+            <a:spLocks noGrp="1"/>
+          </p:cNvSpPr>
+          <p:nvPr>
+            <p:ph type="title"/>
+          </p:nvPr>
+        </p:nvSpPr>
+        <p:spPr/>
+        <p:txBody>
+          <a:bodyPr/>
+          <a:lstStyle/>
+          <a:p>
+            <a:r>
+              <a:rPr lang="en-US" dirty="0" smtClean="0"/>
+              <a:t>ADDING CUSTOM SOUNDS</a:t>
+            </a:r>
+            <a:endParaRPr lang="en-US" dirty="0"/>
+          </a:p>
+        </p:txBody>
+      </p:sp>
+      <p:sp>
+        <p:nvSpPr>
+          <p:cNvPr id="3" name="Content Placeholder 2"/>
+          <p:cNvSpPr>
+            <a:spLocks noGrp="1"/>
+          </p:cNvSpPr>
+          <p:nvPr>
+            <p:ph idx="1"/>
+          </p:nvPr>
+        </p:nvSpPr>
+        <p:spPr>
+          <a:xfrm>
+            <a:off x="457200" y="1752600"/>
+            <a:ext cx="4518212" cy="4373563"/>
+          </a:xfrm>
+        </p:spPr>
+        <p:txBody>
+          <a:bodyPr/>
+          <a:lstStyle/>
+          <a:p>
+            <a:r>
+              <a:rPr lang="en-US" dirty="0" smtClean="0"/>
+              <a:t>STEP 1: Select Sound Editor from the Tools Menu </a:t>
+            </a:r>
+          </a:p>
+          <a:p>
+            <a:endParaRPr lang="en-US" dirty="0"/>
+          </a:p>
+          <a:p>
+            <a:endParaRPr lang="en-US" dirty="0" smtClean="0"/>
+          </a:p>
+          <a:p>
+            <a:endParaRPr lang="en-US" dirty="0"/>
+          </a:p>
+          <a:p>
+            <a:r>
+              <a:rPr lang="en-US" dirty="0" smtClean="0"/>
+              <a:t>STEP 2: Click on Open and select a sound file or record your own using the red button</a:t>
+            </a:r>
+            <a:endParaRPr lang="en-US" dirty="0"/>
+          </a:p>
+        </p:txBody>
+      </p:sp>
+      <p:sp>
+        <p:nvSpPr>
+          <p:cNvPr id="4" name="Footer Placeholder 3"/>
+          <p:cNvSpPr>
+            <a:spLocks noGrp="1"/>
+          </p:cNvSpPr>
+          <p:nvPr>
+            <p:ph type="ftr" sz="quarter" idx="11"/>
+          </p:nvPr>
+        </p:nvSpPr>
+        <p:spPr/>
+        <p:txBody>
+          <a:bodyPr/>
+          <a:lstStyle/>
+          <a:p>
+            <a:r>
+              <a:rPr lang="en-US" smtClean="0"/>
+              <a:t>Copyright © EV3Lessons.com 2016 (Last edit: 9/11/2016)</a:t>
+            </a:r>
+            <a:endParaRPr lang="en-US"/>
+          </a:p>
+        </p:txBody>
+      </p:sp>
+      <p:sp>
+        <p:nvSpPr>
+          <p:cNvPr id="5" name="Slide Number Placeholder 4"/>
+          <p:cNvSpPr>
+            <a:spLocks noGrp="1"/>
+          </p:cNvSpPr>
+          <p:nvPr>
+            <p:ph type="sldNum" sz="quarter" idx="12"/>
+          </p:nvPr>
+        </p:nvSpPr>
+        <p:spPr/>
+        <p:txBody>
+          <a:bodyPr/>
+          <a:lstStyle/>
+          <a:p>
+            <a:fld id="{4DBC7FC8-25FB-FC45-8177-2B991DA6778C}" type="slidenum">
+              <a:rPr lang="en-US" smtClean="0"/>
+              <a:pPr/>
+              <a:t>13</a:t>
+            </a:fld>
+            <a:endParaRPr lang="en-US"/>
+          </a:p>
+        </p:txBody>
+      </p:sp>
+      <p:pic>
+        <p:nvPicPr>
+          <p:cNvPr id="6" name="Picture 5"/>
+          <p:cNvPicPr>
+            <a:picLocks noChangeAspect="1"/>
+          </p:cNvPicPr>
+          <p:nvPr/>
+        </p:nvPicPr>
+        <p:blipFill>
+          <a:blip r:embed="rId2">
+            <a:extLst>
+              <a:ext uri="{28A0092B-C50C-407E-A947-70E740481C1C}">
+                <a14:useLocalDpi xmlns="" xmlns:a14="http://schemas.microsoft.com/office/drawing/2010/main"/>
+              </a:ext>
+            </a:extLst>
+          </a:blip>
+          <a:stretch>
+            <a:fillRect/>
+          </a:stretch>
+        </p:blipFill>
+        <p:spPr>
+          <a:xfrm>
+            <a:off x="5062894" y="1752600"/>
+            <a:ext cx="3708117" cy="1818341"/>
+          </a:xfrm>
+          <a:prstGeom prst="rect">
+            <a:avLst/>
+          </a:prstGeom>
+        </p:spPr>
+      </p:pic>
+      <p:pic>
+        <p:nvPicPr>
+          <p:cNvPr id="7" name="Picture 6"/>
+          <p:cNvPicPr>
+            <a:picLocks noChangeAspect="1"/>
+          </p:cNvPicPr>
+          <p:nvPr/>
+        </p:nvPicPr>
+        <p:blipFill>
+          <a:blip r:embed="rId3">
+            <a:extLst>
+              <a:ext uri="{28A0092B-C50C-407E-A947-70E740481C1C}">
+                <a14:useLocalDpi xmlns="" xmlns:a14="http://schemas.microsoft.com/office/drawing/2010/main"/>
+              </a:ext>
+            </a:extLst>
+          </a:blip>
+          <a:stretch>
+            <a:fillRect/>
+          </a:stretch>
+        </p:blipFill>
+        <p:spPr>
+          <a:xfrm>
+            <a:off x="4975412" y="3939381"/>
+            <a:ext cx="3133005" cy="2234453"/>
+          </a:xfrm>
+          <a:prstGeom prst="rect">
+            <a:avLst/>
+          </a:prstGeom>
+        </p:spPr>
+      </p:pic>
+      <p:pic>
+        <p:nvPicPr>
+          <p:cNvPr id="8" name="Picture 7"/>
+          <p:cNvPicPr>
+            <a:picLocks noChangeAspect="1"/>
+          </p:cNvPicPr>
+          <p:nvPr/>
+        </p:nvPicPr>
+        <p:blipFill>
+          <a:blip r:embed="rId4">
+            <a:extLst>
+              <a:ext uri="{28A0092B-C50C-407E-A947-70E740481C1C}">
+                <a14:useLocalDpi xmlns="" xmlns:a14="http://schemas.microsoft.com/office/drawing/2010/main"/>
+              </a:ext>
+            </a:extLst>
+          </a:blip>
+          <a:stretch>
+            <a:fillRect/>
+          </a:stretch>
+        </p:blipFill>
+        <p:spPr>
+          <a:xfrm>
+            <a:off x="369718" y="5242634"/>
+            <a:ext cx="4518213" cy="535620"/>
+          </a:xfrm>
+          <a:prstGeom prst="rect">
+            <a:avLst/>
+          </a:prstGeom>
+        </p:spPr>
+      </p:pic>
+    </p:spTree>
+    <p:extLst>
+      <p:ext uri="{BB962C8B-B14F-4D97-AF65-F5344CB8AC3E}">
+        <p14:creationId xmlns="" xmlns:p14="http://schemas.microsoft.com/office/powerpoint/2010/main" val="994621121"/>
+      </p:ext>
+    </p:extLst>
+  </p:cSld>
+  <p:clrMapOvr>
+    <a:masterClrMapping/>
+  </p:clrMapOvr>
+</p:sld>
+</file>
+
+<file path=ppt/slides/slide14.xml><?xml version="1.0" encoding="utf-8"?>
+<p:sld xmlns:a="http://schemas.openxmlformats.org/drawingml/2006/main" xmlns:r="http://schemas.openxmlformats.org/officeDocument/2006/relationships" xmlns:p="http://schemas.openxmlformats.org/presentationml/2006/main">
+  <p:cSld>
+    <p:spTree>
+      <p:nvGrpSpPr>
+        <p:cNvPr id="1" name=""/>
+        <p:cNvGrpSpPr/>
+        <p:nvPr/>
+      </p:nvGrpSpPr>
+      <p:grpSpPr>
+        <a:xfrm>
+          <a:off x="0" y="0"/>
+          <a:ext cx="0" cy="0"/>
+          <a:chOff x="0" y="0"/>
+          <a:chExt cx="0" cy="0"/>
+        </a:xfrm>
+      </p:grpSpPr>
+      <p:sp>
+        <p:nvSpPr>
+          <p:cNvPr id="2" name="Title 1"/>
+          <p:cNvSpPr>
+            <a:spLocks noGrp="1"/>
+          </p:cNvSpPr>
+          <p:nvPr>
+            <p:ph type="title"/>
+          </p:nvPr>
+        </p:nvSpPr>
+        <p:spPr/>
+        <p:txBody>
+          <a:bodyPr/>
+          <a:lstStyle/>
+          <a:p>
+            <a:r>
+              <a:rPr lang="en-US" dirty="0" smtClean="0"/>
+              <a:t>ADDING CUSTOM SOUNDS</a:t>
+            </a:r>
+            <a:endParaRPr lang="en-US" dirty="0"/>
+          </a:p>
+        </p:txBody>
+      </p:sp>
+      <p:sp>
+        <p:nvSpPr>
+          <p:cNvPr id="3" name="Content Placeholder 2"/>
+          <p:cNvSpPr>
+            <a:spLocks noGrp="1"/>
+          </p:cNvSpPr>
+          <p:nvPr>
+            <p:ph idx="1"/>
+          </p:nvPr>
+        </p:nvSpPr>
+        <p:spPr>
+          <a:xfrm>
+            <a:off x="457200" y="1752600"/>
+            <a:ext cx="4518212" cy="4373563"/>
+          </a:xfrm>
+        </p:spPr>
+        <p:txBody>
+          <a:bodyPr/>
+          <a:lstStyle/>
+          <a:p>
+            <a:r>
+              <a:rPr lang="en-US" dirty="0" smtClean="0"/>
+              <a:t>STEP 3: The sound you selected will appear in the editor</a:t>
+            </a:r>
+          </a:p>
+          <a:p>
+            <a:endParaRPr lang="en-US" dirty="0"/>
+          </a:p>
+          <a:p>
+            <a:endParaRPr lang="en-US" dirty="0" smtClean="0"/>
+          </a:p>
+          <a:p>
+            <a:endParaRPr lang="en-US" dirty="0"/>
+          </a:p>
+          <a:p>
+            <a:r>
+              <a:rPr lang="en-US" dirty="0" smtClean="0"/>
+              <a:t>STEP 4: Move the </a:t>
+            </a:r>
+            <a:r>
+              <a:rPr lang="en-US" dirty="0"/>
+              <a:t>b</a:t>
+            </a:r>
+            <a:r>
+              <a:rPr lang="en-US" dirty="0" smtClean="0"/>
+              <a:t>lue bar to change the size of the clip</a:t>
+            </a:r>
+            <a:endParaRPr lang="en-US" dirty="0"/>
+          </a:p>
+        </p:txBody>
+      </p:sp>
+      <p:sp>
+        <p:nvSpPr>
+          <p:cNvPr id="4" name="Footer Placeholder 3"/>
+          <p:cNvSpPr>
+            <a:spLocks noGrp="1"/>
+          </p:cNvSpPr>
+          <p:nvPr>
+            <p:ph type="ftr" sz="quarter" idx="11"/>
+          </p:nvPr>
+        </p:nvSpPr>
+        <p:spPr/>
+        <p:txBody>
+          <a:bodyPr/>
+          <a:lstStyle/>
+          <a:p>
+            <a:r>
+              <a:rPr lang="en-US" smtClean="0"/>
+              <a:t>Copyright © EV3Lessons.com 2016 (Last edit: 9/11/2016)</a:t>
+            </a:r>
+            <a:endParaRPr lang="en-US"/>
+          </a:p>
+        </p:txBody>
+      </p:sp>
+      <p:sp>
+        <p:nvSpPr>
+          <p:cNvPr id="5" name="Slide Number Placeholder 4"/>
+          <p:cNvSpPr>
+            <a:spLocks noGrp="1"/>
+          </p:cNvSpPr>
+          <p:nvPr>
+            <p:ph type="sldNum" sz="quarter" idx="12"/>
+          </p:nvPr>
+        </p:nvSpPr>
+        <p:spPr/>
+        <p:txBody>
+          <a:bodyPr/>
+          <a:lstStyle/>
+          <a:p>
+            <a:fld id="{4DBC7FC8-25FB-FC45-8177-2B991DA6778C}" type="slidenum">
+              <a:rPr lang="en-US" smtClean="0"/>
+              <a:pPr/>
+              <a:t>14</a:t>
+            </a:fld>
+            <a:endParaRPr lang="en-US"/>
+          </a:p>
+        </p:txBody>
+      </p:sp>
+      <p:pic>
+        <p:nvPicPr>
+          <p:cNvPr id="8" name="Picture 7"/>
+          <p:cNvPicPr>
+            <a:picLocks noChangeAspect="1"/>
+          </p:cNvPicPr>
+          <p:nvPr/>
+        </p:nvPicPr>
+        <p:blipFill>
+          <a:blip r:embed="rId3">
+            <a:extLst>
+              <a:ext uri="{28A0092B-C50C-407E-A947-70E740481C1C}">
+                <a14:useLocalDpi xmlns="" xmlns:a14="http://schemas.microsoft.com/office/drawing/2010/main"/>
+              </a:ext>
+            </a:extLst>
+          </a:blip>
+          <a:stretch>
+            <a:fillRect/>
+          </a:stretch>
+        </p:blipFill>
+        <p:spPr>
+          <a:xfrm>
+            <a:off x="5311588" y="1524318"/>
+            <a:ext cx="3270062" cy="2380538"/>
+          </a:xfrm>
+          <a:prstGeom prst="rect">
+            <a:avLst/>
+          </a:prstGeom>
+        </p:spPr>
+      </p:pic>
+      <p:pic>
+        <p:nvPicPr>
+          <p:cNvPr id="9" name="Picture 8"/>
+          <p:cNvPicPr>
+            <a:picLocks noChangeAspect="1"/>
+          </p:cNvPicPr>
+          <p:nvPr/>
+        </p:nvPicPr>
+        <p:blipFill>
+          <a:blip r:embed="rId4">
+            <a:extLst>
+              <a:ext uri="{28A0092B-C50C-407E-A947-70E740481C1C}">
+                <a14:useLocalDpi xmlns="" xmlns:a14="http://schemas.microsoft.com/office/drawing/2010/main"/>
+              </a:ext>
+            </a:extLst>
+          </a:blip>
+          <a:stretch>
+            <a:fillRect/>
+          </a:stretch>
+        </p:blipFill>
+        <p:spPr>
+          <a:xfrm>
+            <a:off x="5311588" y="4080033"/>
+            <a:ext cx="3327685" cy="2392846"/>
+          </a:xfrm>
+          <a:prstGeom prst="rect">
+            <a:avLst/>
+          </a:prstGeom>
+        </p:spPr>
+      </p:pic>
+      <p:sp>
+        <p:nvSpPr>
+          <p:cNvPr id="11" name="Rounded Rectangle 10"/>
+          <p:cNvSpPr/>
+          <p:nvPr/>
+        </p:nvSpPr>
+        <p:spPr>
+          <a:xfrm>
+            <a:off x="6750424" y="4316506"/>
+            <a:ext cx="1008529" cy="349623"/>
+          </a:xfrm>
+          <a:prstGeom prst="roundRect">
+            <a:avLst/>
+          </a:prstGeom>
+          <a:noFill/>
+          <a:ln>
+            <a:solidFill>
+              <a:srgbClr val="FF0000"/>
+            </a:solidFill>
+          </a:ln>
+        </p:spPr>
+        <p:style>
+          <a:lnRef idx="2">
+            <a:schemeClr val="accent1">
+              <a:shade val="50000"/>
+            </a:schemeClr>
+          </a:lnRef>
+          <a:fillRef idx="1">
+            <a:schemeClr val="accent1"/>
+          </a:fillRef>
+          <a:effectRef idx="0">
+            <a:schemeClr val="accent1"/>
+          </a:effectRef>
+          <a:fontRef idx="minor">
+            <a:schemeClr val="lt1"/>
+          </a:fontRef>
+        </p:style>
+        <p:txBody>
+          <a:bodyPr rtlCol="0" anchor="ctr"/>
+          <a:lstStyle/>
+          <a:p>
+            <a:pPr algn="ctr"/>
+            <a:endParaRPr lang="en-US"/>
+          </a:p>
+        </p:txBody>
+      </p:sp>
+    </p:spTree>
+    <p:extLst>
+      <p:ext uri="{BB962C8B-B14F-4D97-AF65-F5344CB8AC3E}">
+        <p14:creationId xmlns="" xmlns:p14="http://schemas.microsoft.com/office/powerpoint/2010/main" val="1093098121"/>
+      </p:ext>
+    </p:extLst>
+  </p:cSld>
+  <p:clrMapOvr>
+    <a:masterClrMapping/>
+  </p:clrMapOvr>
+</p:sld>
+</file>
+
+<file path=ppt/slides/slide15.xml><?xml version="1.0" encoding="utf-8"?>
+<p:sld xmlns:a="http://schemas.openxmlformats.org/drawingml/2006/main" xmlns:r="http://schemas.openxmlformats.org/officeDocument/2006/relationships" xmlns:p="http://schemas.openxmlformats.org/presentationml/2006/main">
+  <p:cSld>
+    <p:spTree>
+      <p:nvGrpSpPr>
+        <p:cNvPr id="1" name=""/>
+        <p:cNvGrpSpPr/>
+        <p:nvPr/>
+      </p:nvGrpSpPr>
+      <p:grpSpPr>
+        <a:xfrm>
+          <a:off x="0" y="0"/>
+          <a:ext cx="0" cy="0"/>
+          <a:chOff x="0" y="0"/>
+          <a:chExt cx="0" cy="0"/>
+        </a:xfrm>
+      </p:grpSpPr>
+      <p:pic>
+        <p:nvPicPr>
+          <p:cNvPr id="6" name="Picture 5"/>
+          <p:cNvPicPr>
+            <a:picLocks noChangeAspect="1"/>
+          </p:cNvPicPr>
+          <p:nvPr/>
+        </p:nvPicPr>
+        <p:blipFill>
+          <a:blip r:embed="rId2">
+            <a:extLst>
+              <a:ext uri="{28A0092B-C50C-407E-A947-70E740481C1C}">
+                <a14:useLocalDpi xmlns="" xmlns:a14="http://schemas.microsoft.com/office/drawing/2010/main"/>
+              </a:ext>
+            </a:extLst>
+          </a:blip>
+          <a:stretch>
+            <a:fillRect/>
+          </a:stretch>
+        </p:blipFill>
+        <p:spPr>
+          <a:xfrm>
+            <a:off x="3886200" y="2929201"/>
+            <a:ext cx="4800600" cy="3263900"/>
+          </a:xfrm>
+          <a:prstGeom prst="rect">
+            <a:avLst/>
+          </a:prstGeom>
+        </p:spPr>
+      </p:pic>
+      <p:sp>
+        <p:nvSpPr>
+          <p:cNvPr id="2" name="Title 1"/>
+          <p:cNvSpPr>
+            <a:spLocks noGrp="1"/>
+          </p:cNvSpPr>
+          <p:nvPr>
+            <p:ph type="title"/>
+          </p:nvPr>
+        </p:nvSpPr>
+        <p:spPr/>
+        <p:txBody>
+          <a:bodyPr/>
+          <a:lstStyle/>
+          <a:p>
+            <a:r>
+              <a:rPr lang="en-US" dirty="0" smtClean="0"/>
+              <a:t>ADDING CUSTOM SOUNDS</a:t>
+            </a:r>
+            <a:endParaRPr lang="en-US" dirty="0"/>
+          </a:p>
+        </p:txBody>
+      </p:sp>
+      <p:sp>
+        <p:nvSpPr>
+          <p:cNvPr id="3" name="Content Placeholder 2"/>
+          <p:cNvSpPr>
+            <a:spLocks noGrp="1"/>
+          </p:cNvSpPr>
+          <p:nvPr>
+            <p:ph idx="1"/>
+          </p:nvPr>
+        </p:nvSpPr>
+        <p:spPr>
+          <a:xfrm>
+            <a:off x="457200" y="1752600"/>
+            <a:ext cx="4518212" cy="4373563"/>
+          </a:xfrm>
+        </p:spPr>
+        <p:txBody>
+          <a:bodyPr/>
+          <a:lstStyle/>
+          <a:p>
+            <a:r>
+              <a:rPr lang="en-US" dirty="0" smtClean="0"/>
+              <a:t>STEP 5: Save the file</a:t>
+            </a:r>
+          </a:p>
+          <a:p>
+            <a:endParaRPr lang="en-US" dirty="0"/>
+          </a:p>
+          <a:p>
+            <a:endParaRPr lang="en-US" dirty="0" smtClean="0"/>
+          </a:p>
+          <a:p>
+            <a:endParaRPr lang="en-US" dirty="0"/>
+          </a:p>
+          <a:p>
+            <a:r>
+              <a:rPr lang="en-US" dirty="0" smtClean="0"/>
+              <a:t>STEP 6: The sound will appear in the sound block</a:t>
+            </a:r>
+            <a:endParaRPr lang="en-US" dirty="0"/>
+          </a:p>
+        </p:txBody>
+      </p:sp>
+      <p:sp>
+        <p:nvSpPr>
+          <p:cNvPr id="4" name="Footer Placeholder 3"/>
+          <p:cNvSpPr>
+            <a:spLocks noGrp="1"/>
+          </p:cNvSpPr>
+          <p:nvPr>
+            <p:ph type="ftr" sz="quarter" idx="11"/>
+          </p:nvPr>
+        </p:nvSpPr>
+        <p:spPr/>
+        <p:txBody>
+          <a:bodyPr/>
+          <a:lstStyle/>
+          <a:p>
+            <a:r>
+              <a:rPr lang="en-US" smtClean="0"/>
+              <a:t>Copyright © EV3Lessons.com 2016 (Last edit: 9/11/2016)</a:t>
+            </a:r>
+            <a:endParaRPr lang="en-US"/>
+          </a:p>
+        </p:txBody>
+      </p:sp>
+      <p:sp>
+        <p:nvSpPr>
+          <p:cNvPr id="5" name="Slide Number Placeholder 4"/>
+          <p:cNvSpPr>
+            <a:spLocks noGrp="1"/>
+          </p:cNvSpPr>
+          <p:nvPr>
+            <p:ph type="sldNum" sz="quarter" idx="12"/>
+          </p:nvPr>
+        </p:nvSpPr>
+        <p:spPr/>
+        <p:txBody>
+          <a:bodyPr/>
+          <a:lstStyle/>
+          <a:p>
+            <a:fld id="{4DBC7FC8-25FB-FC45-8177-2B991DA6778C}" type="slidenum">
+              <a:rPr lang="en-US" smtClean="0"/>
+              <a:pPr/>
+              <a:t>15</a:t>
+            </a:fld>
+            <a:endParaRPr lang="en-US"/>
+          </a:p>
+        </p:txBody>
+      </p:sp>
+      <p:pic>
+        <p:nvPicPr>
+          <p:cNvPr id="7" name="Picture 6"/>
+          <p:cNvPicPr>
+            <a:picLocks noChangeAspect="1"/>
+          </p:cNvPicPr>
+          <p:nvPr/>
+        </p:nvPicPr>
+        <p:blipFill>
+          <a:blip r:embed="rId3">
+            <a:extLst>
+              <a:ext uri="{28A0092B-C50C-407E-A947-70E740481C1C}">
+                <a14:useLocalDpi xmlns="" xmlns:a14="http://schemas.microsoft.com/office/drawing/2010/main"/>
+              </a:ext>
+            </a:extLst>
+          </a:blip>
+          <a:stretch>
+            <a:fillRect/>
+          </a:stretch>
+        </p:blipFill>
+        <p:spPr>
+          <a:xfrm>
+            <a:off x="4758249" y="1383712"/>
+            <a:ext cx="3699133" cy="887037"/>
+          </a:xfrm>
+          <a:prstGeom prst="rect">
+            <a:avLst/>
+          </a:prstGeom>
+        </p:spPr>
+      </p:pic>
+      <p:sp>
+        <p:nvSpPr>
+          <p:cNvPr id="11" name="Rounded Rectangle 10"/>
+          <p:cNvSpPr/>
+          <p:nvPr/>
+        </p:nvSpPr>
+        <p:spPr>
+          <a:xfrm>
+            <a:off x="5876365" y="3724835"/>
+            <a:ext cx="2702859" cy="255494"/>
+          </a:xfrm>
+          <a:prstGeom prst="roundRect">
+            <a:avLst/>
+          </a:prstGeom>
+          <a:noFill/>
+          <a:ln>
+            <a:solidFill>
+              <a:srgbClr val="FF0000"/>
+            </a:solidFill>
+          </a:ln>
+        </p:spPr>
+        <p:style>
+          <a:lnRef idx="2">
+            <a:schemeClr val="accent1">
+              <a:shade val="50000"/>
+            </a:schemeClr>
+          </a:lnRef>
+          <a:fillRef idx="1">
+            <a:schemeClr val="accent1"/>
+          </a:fillRef>
+          <a:effectRef idx="0">
+            <a:schemeClr val="accent1"/>
+          </a:effectRef>
+          <a:fontRef idx="minor">
+            <a:schemeClr val="lt1"/>
+          </a:fontRef>
+        </p:style>
+        <p:txBody>
+          <a:bodyPr rtlCol="0" anchor="ctr"/>
+          <a:lstStyle/>
+          <a:p>
+            <a:pPr algn="ctr"/>
+            <a:endParaRPr lang="en-US"/>
+          </a:p>
+        </p:txBody>
+      </p:sp>
+    </p:spTree>
+    <p:extLst>
+      <p:ext uri="{BB962C8B-B14F-4D97-AF65-F5344CB8AC3E}">
+        <p14:creationId xmlns="" xmlns:p14="http://schemas.microsoft.com/office/powerpoint/2010/main" val="34995183"/>
+      </p:ext>
+    </p:extLst>
+  </p:cSld>
+  <p:clrMapOvr>
+    <a:masterClrMapping/>
+  </p:clrMapOvr>
+</p:sld>
+</file>
+
+<file path=ppt/slides/slide16.xml><?xml version="1.0" encoding="utf-8"?>
+<p:sld xmlns:a="http://schemas.openxmlformats.org/drawingml/2006/main" xmlns:r="http://schemas.openxmlformats.org/officeDocument/2006/relationships" xmlns:p="http://schemas.openxmlformats.org/presentationml/2006/main">
+  <p:cSld>
+    <p:spTree>
+      <p:nvGrpSpPr>
+        <p:cNvPr id="1" name=""/>
+        <p:cNvGrpSpPr/>
+        <p:nvPr/>
+      </p:nvGrpSpPr>
+      <p:grpSpPr>
+        <a:xfrm>
+          <a:off x="0" y="0"/>
+          <a:ext cx="0" cy="0"/>
+          <a:chOff x="0" y="0"/>
+          <a:chExt cx="0" cy="0"/>
+        </a:xfrm>
+      </p:grpSpPr>
+      <p:sp>
+        <p:nvSpPr>
+          <p:cNvPr id="2" name="Title 1"/>
+          <p:cNvSpPr>
+            <a:spLocks noGrp="1"/>
+          </p:cNvSpPr>
+          <p:nvPr>
+            <p:ph type="title"/>
+          </p:nvPr>
+        </p:nvSpPr>
         <p:spPr>
           <a:xfrm>
             <a:off x="356665" y="439032"/>
@@ -11054,7 +12786,8 @@
           <a:p>
             <a:fld id="{4DBC7FC8-25FB-FC45-8177-2B991DA6778C}" type="slidenum">
               <a:rPr lang="en-US" smtClean="0"/>
-              <a:t>11</a:t>
+              <a:pPr/>
+              <a:t>16</a:t>
             </a:fld>
             <a:endParaRPr lang="en-US"/>
           </a:p>
@@ -11085,7 +12818,7 @@
           <a:effectLst/>
           <a:extLst>
             <a:ext uri="{91240B29-F687-4f45-9708-019B960494DF}">
-              <a14:hiddenLine xmlns:a14="http://schemas.microsoft.com/office/drawing/2010/main" xmlns="" w="9525">
+              <a14:hiddenLine xmlns="" xmlns:a14="http://schemas.microsoft.com/office/drawing/2010/main" w="9525">
                 <a:solidFill>
                   <a:schemeClr val="tx1"/>
                 </a:solidFill>
@@ -11095,7 +12828,7 @@
               </a14:hiddenLine>
             </a:ext>
             <a:ext uri="{AF507438-7753-43e0-B8FC-AC1667EBCBE1}">
-              <a14:hiddenEffects xmlns:a14="http://schemas.microsoft.com/office/drawing/2010/main" xmlns="">
+              <a14:hiddenEffects xmlns="" xmlns:a14="http://schemas.microsoft.com/office/drawing/2010/main">
                 <a:effectLst>
                   <a:outerShdw dist="35921" dir="2700000" algn="ctr" rotWithShape="0">
                     <a:schemeClr val="bg2"/>
@@ -11428,7 +13161,7 @@
           <a:blip r:embed="rId3">
             <a:extLst>
               <a:ext uri="{28A0092B-C50C-407E-A947-70E740481C1C}">
-                <a14:useLocalDpi xmlns:a14="http://schemas.microsoft.com/office/drawing/2010/main"/>
+                <a14:useLocalDpi xmlns="" xmlns:a14="http://schemas.microsoft.com/office/drawing/2010/main"/>
               </a:ext>
             </a:extLst>
           </a:blip>
@@ -11448,7 +13181,7 @@
           <a:noFill/>
           <a:extLst>
             <a:ext uri="{909E8E84-426E-40dd-AFC4-6F175D3DCCD1}">
-              <a14:hiddenFill xmlns:a14="http://schemas.microsoft.com/office/drawing/2010/main" xmlns="">
+              <a14:hiddenFill xmlns="" xmlns:a14="http://schemas.microsoft.com/office/drawing/2010/main">
                 <a:solidFill>
                   <a:srgbClr val="FFFFFF"/>
                 </a:solidFill>
@@ -11460,7 +13193,7 @@
     </p:spTree>
     <p:extLst>
       <p:ext uri="{BB962C8B-B14F-4D97-AF65-F5344CB8AC3E}">
-        <p14:creationId xmlns:p14="http://schemas.microsoft.com/office/powerpoint/2010/main" val="2543612530"/>
+        <p14:creationId xmlns="" xmlns:p14="http://schemas.microsoft.com/office/powerpoint/2010/main" val="2543612530"/>
       </p:ext>
     </p:extLst>
   </p:cSld>
@@ -11583,6 +13316,7 @@
           <a:p>
             <a:fld id="{4DBC7FC8-25FB-FC45-8177-2B991DA6778C}" type="slidenum">
               <a:rPr lang="en-US" smtClean="0"/>
+              <a:pPr/>
               <a:t>2</a:t>
             </a:fld>
             <a:endParaRPr lang="en-US"/>
@@ -11592,7 +13326,7 @@
     </p:spTree>
     <p:extLst>
       <p:ext uri="{BB962C8B-B14F-4D97-AF65-F5344CB8AC3E}">
-        <p14:creationId xmlns:p14="http://schemas.microsoft.com/office/powerpoint/2010/main" val="864516167"/>
+        <p14:creationId xmlns="" xmlns:p14="http://schemas.microsoft.com/office/powerpoint/2010/main" val="864516167"/>
       </p:ext>
     </p:extLst>
   </p:cSld>
@@ -11626,287 +13360,178 @@
           <a:chExt cx="0" cy="0"/>
         </a:xfrm>
       </p:grpSpPr>
-      <p:sp>
-        <p:nvSpPr>
-          <p:cNvPr id="2" name="Title 1"/>
-          <p:cNvSpPr>
-            <a:spLocks noGrp="1"/>
-          </p:cNvSpPr>
-          <p:nvPr>
-            <p:ph type="title"/>
-          </p:nvPr>
-        </p:nvSpPr>
-        <p:spPr/>
-        <p:txBody>
-          <a:bodyPr/>
-          <a:lstStyle/>
-          <a:p>
-            <a:r>
-              <a:rPr lang="en-US" dirty="0" smtClean="0"/>
-              <a:t>ADDING CUSTOM IMAGES</a:t>
-            </a:r>
-            <a:endParaRPr lang="en-US" dirty="0"/>
-          </a:p>
-        </p:txBody>
-      </p:sp>
-      <p:sp>
-        <p:nvSpPr>
-          <p:cNvPr id="3" name="Content Placeholder 2"/>
-          <p:cNvSpPr>
-            <a:spLocks noGrp="1"/>
-          </p:cNvSpPr>
-          <p:nvPr>
-            <p:ph idx="1"/>
-          </p:nvPr>
-        </p:nvSpPr>
-        <p:spPr>
-          <a:xfrm>
-            <a:off x="457199" y="1295399"/>
-            <a:ext cx="4746812" cy="4373563"/>
-          </a:xfrm>
-        </p:spPr>
-        <p:txBody>
-          <a:bodyPr>
-            <a:noAutofit/>
-          </a:bodyPr>
-          <a:lstStyle/>
-          <a:p>
-            <a:r>
-              <a:rPr lang="en-US" dirty="0" smtClean="0"/>
-              <a:t>STEP 1: Select </a:t>
-            </a:r>
-            <a:r>
-              <a:rPr lang="en-US" dirty="0"/>
-              <a:t>Image </a:t>
-            </a:r>
-            <a:r>
-              <a:rPr lang="en-US" dirty="0" smtClean="0"/>
-              <a:t>Editor from the EV3 Menu Note: </a:t>
-            </a:r>
-            <a:r>
-              <a:rPr lang="en-US" dirty="0"/>
-              <a:t> </a:t>
-            </a:r>
-            <a:endParaRPr lang="en-US" dirty="0" smtClean="0"/>
-          </a:p>
-          <a:p>
-            <a:r>
-              <a:rPr lang="en-US" b="0" dirty="0" smtClean="0"/>
-              <a:t>The </a:t>
-            </a:r>
-            <a:r>
-              <a:rPr lang="en-US" b="0" dirty="0"/>
-              <a:t>Image Editor can open .</a:t>
-            </a:r>
-            <a:r>
-              <a:rPr lang="en-US" b="0" dirty="0" err="1"/>
-              <a:t>rgf</a:t>
-            </a:r>
-            <a:r>
-              <a:rPr lang="en-US" b="0" dirty="0"/>
-              <a:t>, .jpg, .</a:t>
-            </a:r>
-            <a:r>
-              <a:rPr lang="en-US" b="0" dirty="0" err="1"/>
-              <a:t>png</a:t>
-            </a:r>
-            <a:r>
-              <a:rPr lang="en-US" b="0" dirty="0"/>
-              <a:t>, and .bmp files. Color images are automatically converted to monochrome images. The .</a:t>
-            </a:r>
-            <a:r>
-              <a:rPr lang="en-US" b="0" dirty="0" err="1"/>
-              <a:t>rgf</a:t>
-            </a:r>
-            <a:r>
-              <a:rPr lang="en-US" b="0" dirty="0"/>
-              <a:t> file extension </a:t>
-            </a:r>
-            <a:r>
-              <a:rPr lang="en-US" b="0" dirty="0" smtClean="0"/>
-              <a:t>is what LEGO uses.</a:t>
-            </a:r>
-          </a:p>
-          <a:p>
-            <a:endParaRPr lang="en-US" dirty="0"/>
-          </a:p>
-          <a:p>
-            <a:r>
-              <a:rPr lang="en-US" dirty="0"/>
-              <a:t/>
-            </a:r>
-            <a:br>
-              <a:rPr lang="en-US" dirty="0"/>
-            </a:br>
-            <a:endParaRPr lang="en-US" dirty="0"/>
-          </a:p>
-          <a:p>
-            <a:r>
-              <a:rPr lang="en-US" dirty="0" smtClean="0"/>
-              <a:t>STEP 2: </a:t>
-            </a:r>
-            <a:r>
-              <a:rPr lang="en-US" dirty="0"/>
-              <a:t>Open your </a:t>
-            </a:r>
-            <a:r>
-              <a:rPr lang="en-US" dirty="0" smtClean="0"/>
-              <a:t>image</a:t>
-            </a:r>
-          </a:p>
-          <a:p>
-            <a:endParaRPr lang="en-US" b="0" dirty="0"/>
-          </a:p>
-        </p:txBody>
-      </p:sp>
-      <p:sp>
-        <p:nvSpPr>
-          <p:cNvPr id="4" name="Footer Placeholder 3"/>
-          <p:cNvSpPr>
-            <a:spLocks noGrp="1"/>
-          </p:cNvSpPr>
-          <p:nvPr>
-            <p:ph type="ftr" sz="quarter" idx="11"/>
-          </p:nvPr>
-        </p:nvSpPr>
-        <p:spPr/>
-        <p:txBody>
-          <a:bodyPr/>
-          <a:lstStyle/>
-          <a:p>
-            <a:r>
-              <a:rPr lang="en-US" smtClean="0"/>
-              <a:t>Copyright © EV3Lessons.com 2016 (Last edit: 9/11/2016)</a:t>
-            </a:r>
-            <a:endParaRPr lang="en-US" dirty="0"/>
-          </a:p>
-        </p:txBody>
-      </p:sp>
-      <p:sp>
-        <p:nvSpPr>
-          <p:cNvPr id="5" name="Slide Number Placeholder 4"/>
-          <p:cNvSpPr>
-            <a:spLocks noGrp="1"/>
-          </p:cNvSpPr>
-          <p:nvPr>
-            <p:ph type="sldNum" sz="quarter" idx="12"/>
-          </p:nvPr>
-        </p:nvSpPr>
-        <p:spPr/>
-        <p:txBody>
-          <a:bodyPr/>
-          <a:lstStyle/>
-          <a:p>
-            <a:fld id="{4DBC7FC8-25FB-FC45-8177-2B991DA6778C}" type="slidenum">
-              <a:rPr lang="en-US" smtClean="0"/>
-              <a:t>3</a:t>
-            </a:fld>
-            <a:endParaRPr lang="en-US"/>
-          </a:p>
-        </p:txBody>
-      </p:sp>
       <p:pic>
         <p:nvPicPr>
-          <p:cNvPr id="8" name="Picture 7"/>
+          <p:cNvPr id="6" name="Picture 5"/>
           <p:cNvPicPr>
             <a:picLocks noChangeAspect="1"/>
           </p:cNvPicPr>
           <p:nvPr/>
         </p:nvPicPr>
-        <p:blipFill>
-          <a:blip r:embed="rId2">
-            <a:extLst>
-              <a:ext uri="{28A0092B-C50C-407E-A947-70E740481C1C}">
-                <a14:useLocalDpi xmlns:a14="http://schemas.microsoft.com/office/drawing/2010/main"/>
-              </a:ext>
-            </a:extLst>
-          </a:blip>
-          <a:stretch>
-            <a:fillRect/>
-          </a:stretch>
+        <p:blipFill rotWithShape="1">
+          <a:blip r:embed="rId2"/>
+          <a:srcRect l="1951" t="41762" r="77838" b="24905"/>
+          <a:stretch/>
         </p:blipFill>
         <p:spPr>
           <a:xfrm>
-            <a:off x="5247271" y="1295399"/>
-            <a:ext cx="3412143" cy="1682376"/>
+            <a:off x="4741045" y="3078926"/>
+            <a:ext cx="3834918" cy="3555871"/>
           </a:xfrm>
           <a:prstGeom prst="rect">
             <a:avLst/>
           </a:prstGeom>
+          <a:effectLst>
+            <a:outerShdw blurRad="50800" dist="38100" dir="2700000" algn="tl" rotWithShape="0">
+              <a:prstClr val="black">
+                <a:alpha val="40000"/>
+              </a:prstClr>
+            </a:outerShdw>
+          </a:effectLst>
         </p:spPr>
       </p:pic>
-      <p:pic>
-        <p:nvPicPr>
-          <p:cNvPr id="9" name="Picture 8"/>
-          <p:cNvPicPr>
-            <a:picLocks noChangeAspect="1"/>
-          </p:cNvPicPr>
-          <p:nvPr/>
-        </p:nvPicPr>
-        <p:blipFill>
-          <a:blip r:embed="rId3" cstate="print">
-            <a:extLst>
-              <a:ext uri="{28A0092B-C50C-407E-A947-70E740481C1C}">
-                <a14:useLocalDpi xmlns:a14="http://schemas.microsoft.com/office/drawing/2010/main"/>
-              </a:ext>
-            </a:extLst>
-          </a:blip>
-          <a:stretch>
-            <a:fillRect/>
-          </a:stretch>
-        </p:blipFill>
-        <p:spPr>
-          <a:xfrm>
-            <a:off x="5247271" y="4173829"/>
-            <a:ext cx="3240741" cy="1907089"/>
-          </a:xfrm>
-          <a:prstGeom prst="rect">
-            <a:avLst/>
-          </a:prstGeom>
-        </p:spPr>
-      </p:pic>
-      <p:sp>
-        <p:nvSpPr>
-          <p:cNvPr id="10" name="Rounded Rectangle 9"/>
-          <p:cNvSpPr/>
-          <p:nvPr/>
-        </p:nvSpPr>
-        <p:spPr>
-          <a:xfrm>
-            <a:off x="5204011" y="4223136"/>
-            <a:ext cx="255495" cy="241391"/>
-          </a:xfrm>
-          <a:prstGeom prst="roundRect">
-            <a:avLst/>
-          </a:prstGeom>
-          <a:noFill/>
-          <a:ln>
-            <a:solidFill>
-              <a:srgbClr val="FF0000"/>
-            </a:solidFill>
-          </a:ln>
-        </p:spPr>
-        <p:style>
-          <a:lnRef idx="2">
-            <a:schemeClr val="accent1">
-              <a:shade val="50000"/>
-            </a:schemeClr>
-          </a:lnRef>
-          <a:fillRef idx="1">
-            <a:schemeClr val="accent1"/>
-          </a:fillRef>
-          <a:effectRef idx="0">
-            <a:schemeClr val="accent1"/>
-          </a:effectRef>
-          <a:fontRef idx="minor">
-            <a:schemeClr val="lt1"/>
-          </a:fontRef>
-        </p:style>
-        <p:txBody>
-          <a:bodyPr rtlCol="0" anchor="ctr"/>
-          <a:lstStyle/>
-          <a:p>
-            <a:pPr algn="ctr"/>
+      <p:sp>
+        <p:nvSpPr>
+          <p:cNvPr id="2" name="Title 1"/>
+          <p:cNvSpPr>
+            <a:spLocks noGrp="1"/>
+          </p:cNvSpPr>
+          <p:nvPr>
+            <p:ph type="title"/>
+          </p:nvPr>
+        </p:nvSpPr>
+        <p:spPr/>
+        <p:txBody>
+          <a:bodyPr/>
+          <a:lstStyle/>
+          <a:p>
+            <a:r>
+              <a:rPr lang="en-GB" dirty="0" smtClean="0"/>
+              <a:t>Download the </a:t>
+            </a:r>
+            <a:r>
+              <a:rPr lang="en-GB" dirty="0" err="1" smtClean="0"/>
+              <a:t>Eyesleft</a:t>
+            </a:r>
+            <a:r>
+              <a:rPr lang="en-GB" dirty="0" smtClean="0"/>
+              <a:t> and </a:t>
+            </a:r>
+            <a:r>
+              <a:rPr lang="en-GB" dirty="0" err="1" smtClean="0"/>
+              <a:t>eyesright</a:t>
+            </a:r>
+            <a:r>
+              <a:rPr lang="en-GB" dirty="0" smtClean="0"/>
+              <a:t> images</a:t>
+            </a:r>
+            <a:endParaRPr lang="en-GB" dirty="0"/>
+          </a:p>
+        </p:txBody>
+      </p:sp>
+      <p:sp>
+        <p:nvSpPr>
+          <p:cNvPr id="3" name="Content Placeholder 2"/>
+          <p:cNvSpPr>
+            <a:spLocks noGrp="1"/>
+          </p:cNvSpPr>
+          <p:nvPr>
+            <p:ph idx="1"/>
+          </p:nvPr>
+        </p:nvSpPr>
+        <p:spPr/>
+        <p:txBody>
+          <a:bodyPr/>
+          <a:lstStyle/>
+          <a:p>
+            <a:r>
+              <a:rPr lang="en-GB" dirty="0" smtClean="0"/>
+              <a:t>From </a:t>
+            </a:r>
+            <a:r>
+              <a:rPr lang="en-GB" dirty="0"/>
+              <a:t>the website </a:t>
+            </a:r>
+            <a:r>
+              <a:rPr lang="en-GB" dirty="0">
+                <a:hlinkClick r:id="rId3"/>
+              </a:rPr>
+              <a:t>https://</a:t>
+            </a:r>
+            <a:r>
+              <a:rPr lang="en-GB" dirty="0" smtClean="0">
+                <a:hlinkClick r:id="rId3"/>
+              </a:rPr>
+              <a:t>transfer99.github.io/blog/2019/03/01/Lego-NXT</a:t>
+            </a:r>
+            <a:endParaRPr lang="en-GB" dirty="0" smtClean="0"/>
+          </a:p>
+          <a:p>
+            <a:r>
+              <a:rPr lang="en-GB" dirty="0" smtClean="0"/>
+              <a:t>Download the 2 pictures with eyes left and right</a:t>
+            </a:r>
+          </a:p>
+          <a:p>
+            <a:r>
+              <a:rPr lang="en-GB" dirty="0" smtClean="0"/>
+              <a:t>These are under LESSON 5</a:t>
+            </a:r>
+          </a:p>
+          <a:p>
+            <a:r>
+              <a:rPr lang="en-GB" dirty="0" smtClean="0"/>
+              <a:t>Note where they were downloaded to</a:t>
+            </a:r>
+          </a:p>
+          <a:p>
+            <a:endParaRPr lang="en-GB" dirty="0"/>
+          </a:p>
+        </p:txBody>
+      </p:sp>
+      <p:sp>
+        <p:nvSpPr>
+          <p:cNvPr id="4" name="Footer Placeholder 3"/>
+          <p:cNvSpPr>
+            <a:spLocks noGrp="1"/>
+          </p:cNvSpPr>
+          <p:nvPr>
+            <p:ph type="ftr" sz="quarter" idx="11"/>
+          </p:nvPr>
+        </p:nvSpPr>
+        <p:spPr/>
+        <p:txBody>
+          <a:bodyPr/>
+          <a:lstStyle/>
+          <a:p>
+            <a:r>
+              <a:rPr lang="en-US" smtClean="0"/>
+              <a:t>Copyright © EV3Lessons.com 2016 (Last edit: 9/11/2016)</a:t>
+            </a:r>
+            <a:endParaRPr lang="en-US"/>
+          </a:p>
+        </p:txBody>
+      </p:sp>
+      <p:sp>
+        <p:nvSpPr>
+          <p:cNvPr id="5" name="Slide Number Placeholder 4"/>
+          <p:cNvSpPr>
+            <a:spLocks noGrp="1"/>
+          </p:cNvSpPr>
+          <p:nvPr>
+            <p:ph type="sldNum" sz="quarter" idx="12"/>
+          </p:nvPr>
+        </p:nvSpPr>
+        <p:spPr/>
+        <p:txBody>
+          <a:bodyPr/>
+          <a:lstStyle/>
+          <a:p>
+            <a:fld id="{4DBC7FC8-25FB-FC45-8177-2B991DA6778C}" type="slidenum">
+              <a:rPr lang="en-US" smtClean="0"/>
+              <a:pPr/>
+              <a:t>3</a:t>
+            </a:fld>
             <a:endParaRPr lang="en-US"/>
           </a:p>
         </p:txBody>
@@ -11914,7 +13539,7 @@
     </p:spTree>
     <p:extLst>
       <p:ext uri="{BB962C8B-B14F-4D97-AF65-F5344CB8AC3E}">
-        <p14:creationId xmlns:p14="http://schemas.microsoft.com/office/powerpoint/2010/main" val="145858858"/>
+        <p14:creationId xmlns="" xmlns:p14="http://schemas.microsoft.com/office/powerpoint/2010/main" val="1702464381"/>
       </p:ext>
     </p:extLst>
   </p:cSld>
@@ -11976,37 +13601,122 @@
         </p:nvSpPr>
         <p:spPr>
           <a:xfrm>
-            <a:off x="457200" y="1752600"/>
-            <a:ext cx="4706471" cy="4373563"/>
-          </a:xfrm>
-        </p:spPr>
-        <p:txBody>
-          <a:bodyPr/>
-          <a:lstStyle/>
-          <a:p>
+            <a:off x="457199" y="1295399"/>
+            <a:ext cx="4746812" cy="4373563"/>
+          </a:xfrm>
+        </p:spPr>
+        <p:txBody>
+          <a:bodyPr>
+            <a:noAutofit/>
+          </a:bodyPr>
+          <a:lstStyle/>
+          <a:p>
+            <a:r>
+              <a:rPr lang="en-US" dirty="0" smtClean="0"/>
+              <a:t>STEP 1: Select </a:t>
+            </a:r>
             <a:r>
               <a:rPr lang="en-US" dirty="0"/>
-              <a:t>STEP 3: Change its size </a:t>
+              <a:t>Image </a:t>
             </a:r>
             <a:r>
               <a:rPr lang="en-US" dirty="0" smtClean="0"/>
-              <a:t>using the buttons and change the placement by selecting and moving the entire image around</a:t>
+              <a:t>Editor from the EV3 Menu Note: </a:t>
+            </a:r>
+            <a:r>
+              <a:rPr lang="en-US" dirty="0"/>
+              <a:t> </a:t>
+            </a:r>
+            <a:endParaRPr lang="en-US" dirty="0" smtClean="0"/>
+          </a:p>
+          <a:p>
+            <a:r>
+              <a:rPr lang="en-US" b="0" dirty="0" smtClean="0"/>
+              <a:t>The </a:t>
+            </a:r>
+            <a:r>
+              <a:rPr lang="en-US" b="0" dirty="0"/>
+              <a:t>Image Editor can open .</a:t>
+            </a:r>
+            <a:r>
+              <a:rPr lang="en-US" b="0" dirty="0" err="1"/>
+              <a:t>rgf</a:t>
+            </a:r>
+            <a:r>
+              <a:rPr lang="en-US" b="0" dirty="0"/>
+              <a:t>, .jpg, .</a:t>
+            </a:r>
+            <a:r>
+              <a:rPr lang="en-US" b="0" dirty="0" err="1"/>
+              <a:t>png</a:t>
+            </a:r>
+            <a:r>
+              <a:rPr lang="en-US" b="0" dirty="0"/>
+              <a:t>, and .bmp files. Color images are automatically converted to monochrome images. The .</a:t>
+            </a:r>
+            <a:r>
+              <a:rPr lang="en-US" b="0" dirty="0" err="1"/>
+              <a:t>rgf</a:t>
+            </a:r>
+            <a:r>
+              <a:rPr lang="en-US" b="0" dirty="0"/>
+              <a:t> file extension </a:t>
+            </a:r>
+            <a:r>
+              <a:rPr lang="en-US" b="0" dirty="0" smtClean="0"/>
+              <a:t>is what LEGO uses.</a:t>
             </a:r>
           </a:p>
           <a:p>
             <a:endParaRPr lang="en-US" dirty="0"/>
           </a:p>
           <a:p>
+            <a:r>
+              <a:rPr lang="en-US" dirty="0"/>
+              <a:t/>
+            </a:r>
+            <a:br>
+              <a:rPr lang="en-US" dirty="0"/>
+            </a:br>
             <a:endParaRPr lang="en-US" dirty="0"/>
           </a:p>
           <a:p>
             <a:r>
+              <a:rPr lang="en-US" dirty="0" smtClean="0"/>
+              <a:t>STEP 2: </a:t>
+            </a:r>
+            <a:r>
               <a:rPr lang="en-US" dirty="0"/>
-              <a:t>STEP 4:  Adjust the </a:t>
+              <a:t>Open your </a:t>
             </a:r>
             <a:r>
               <a:rPr lang="en-US" dirty="0" smtClean="0"/>
-              <a:t>contrast</a:t>
+              <a:t>image</a:t>
+            </a:r>
+          </a:p>
+          <a:p>
+            <a:endParaRPr lang="en-US" b="0" dirty="0"/>
+          </a:p>
+        </p:txBody>
+      </p:sp>
+      <p:sp>
+        <p:nvSpPr>
+          <p:cNvPr id="4" name="Footer Placeholder 3"/>
+          <p:cNvSpPr>
+            <a:spLocks noGrp="1"/>
+          </p:cNvSpPr>
+          <p:nvPr>
+            <p:ph type="ftr" sz="quarter" idx="11"/>
+          </p:nvPr>
+        </p:nvSpPr>
+        <p:spPr/>
+        <p:txBody>
+          <a:bodyPr/>
+          <a:lstStyle/>
+          <a:p>
+            <a:r>
+              <a:rPr lang="en-US" smtClean="0"/>
+              <a:t>Copyright © EV3Lessons.com 2016 (Last edit: 9/11/2016)</a:t>
             </a:r>
             <a:endParaRPr lang="en-US" dirty="0"/>
           </a:p>
@@ -12014,12 +13724,12 @@
       </p:sp>
       <p:sp>
         <p:nvSpPr>
-          <p:cNvPr id="4" name="Footer Placeholder 3"/>
-          <p:cNvSpPr>
-            <a:spLocks noGrp="1"/>
-          </p:cNvSpPr>
-          <p:nvPr>
-            <p:ph type="ftr" sz="quarter" idx="11"/>
+          <p:cNvPr id="5" name="Slide Number Placeholder 4"/>
+          <p:cNvSpPr>
+            <a:spLocks noGrp="1"/>
+          </p:cNvSpPr>
+          <p:nvPr>
+            <p:ph type="sldNum" sz="quarter" idx="12"/>
           </p:nvPr>
         </p:nvSpPr>
         <p:spPr/>
@@ -12027,31 +13737,9 @@
           <a:bodyPr/>
           <a:lstStyle/>
           <a:p>
-            <a:r>
-              <a:rPr lang="en-US" smtClean="0"/>
-              <a:t>Copyright © EV3Lessons.com 2016 (Last edit: 9/11/2016)</a:t>
-            </a:r>
-            <a:endParaRPr lang="en-US"/>
-          </a:p>
-        </p:txBody>
-      </p:sp>
-      <p:sp>
-        <p:nvSpPr>
-          <p:cNvPr id="5" name="Slide Number Placeholder 4"/>
-          <p:cNvSpPr>
-            <a:spLocks noGrp="1"/>
-          </p:cNvSpPr>
-          <p:nvPr>
-            <p:ph type="sldNum" sz="quarter" idx="12"/>
-          </p:nvPr>
-        </p:nvSpPr>
-        <p:spPr/>
-        <p:txBody>
-          <a:bodyPr/>
-          <a:lstStyle/>
-          <a:p>
             <a:fld id="{4DBC7FC8-25FB-FC45-8177-2B991DA6778C}" type="slidenum">
               <a:rPr lang="en-US" smtClean="0"/>
+              <a:pPr/>
               <a:t>4</a:t>
             </a:fld>
             <a:endParaRPr lang="en-US"/>
@@ -12060,17 +13748,17 @@
       </p:sp>
       <p:pic>
         <p:nvPicPr>
-          <p:cNvPr id="6" name="Picture 5"/>
+          <p:cNvPr id="8" name="Picture 7"/>
           <p:cNvPicPr>
             <a:picLocks noChangeAspect="1"/>
           </p:cNvPicPr>
           <p:nvPr/>
         </p:nvPicPr>
         <p:blipFill>
-          <a:blip r:embed="rId2" cstate="print">
+          <a:blip r:embed="rId2">
             <a:extLst>
               <a:ext uri="{28A0092B-C50C-407E-A947-70E740481C1C}">
-                <a14:useLocalDpi xmlns:a14="http://schemas.microsoft.com/office/drawing/2010/main"/>
+                <a14:useLocalDpi xmlns="" xmlns:a14="http://schemas.microsoft.com/office/drawing/2010/main"/>
               </a:ext>
             </a:extLst>
           </a:blip>
@@ -12080,24 +13768,54 @@
         </p:blipFill>
         <p:spPr>
           <a:xfrm>
-            <a:off x="5343159" y="1752600"/>
-            <a:ext cx="3359515" cy="1991659"/>
+            <a:off x="5247271" y="1295399"/>
+            <a:ext cx="3412143" cy="1682376"/>
           </a:xfrm>
           <a:prstGeom prst="rect">
             <a:avLst/>
           </a:prstGeom>
         </p:spPr>
       </p:pic>
-      <p:sp>
-        <p:nvSpPr>
-          <p:cNvPr id="7" name="Rounded Rectangle 6"/>
+      <p:pic>
+        <p:nvPicPr>
+          <p:cNvPr id="9" name="Picture 8"/>
+          <p:cNvPicPr>
+            <a:picLocks noChangeAspect="1"/>
+          </p:cNvPicPr>
+          <p:nvPr/>
+        </p:nvPicPr>
+        <p:blipFill>
+          <a:blip r:embed="rId3" cstate="print">
+            <a:extLst>
+              <a:ext uri="{28A0092B-C50C-407E-A947-70E740481C1C}">
+                <a14:useLocalDpi xmlns="" xmlns:a14="http://schemas.microsoft.com/office/drawing/2010/main"/>
+              </a:ext>
+            </a:extLst>
+          </a:blip>
+          <a:stretch>
+            <a:fillRect/>
+          </a:stretch>
+        </p:blipFill>
+        <p:spPr>
+          <a:xfrm>
+            <a:off x="5247271" y="4173829"/>
+            <a:ext cx="3240741" cy="1907089"/>
+          </a:xfrm>
+          <a:prstGeom prst="rect">
+            <a:avLst/>
+          </a:prstGeom>
+        </p:spPr>
+      </p:pic>
+      <p:sp>
+        <p:nvSpPr>
+          <p:cNvPr id="10" name="Rounded Rectangle 9"/>
           <p:cNvSpPr/>
           <p:nvPr/>
         </p:nvSpPr>
         <p:spPr>
           <a:xfrm>
-            <a:off x="5425888" y="2110580"/>
-            <a:ext cx="221878" cy="282996"/>
+            <a:off x="5204011" y="4223136"/>
+            <a:ext cx="255495" cy="241391"/>
           </a:xfrm>
           <a:prstGeom prst="roundRect">
             <a:avLst/>
@@ -12134,64 +13852,10 @@
           </a:p>
         </p:txBody>
       </p:sp>
-      <p:pic>
-        <p:nvPicPr>
-          <p:cNvPr id="8" name="Picture 7"/>
-          <p:cNvPicPr>
-            <a:picLocks noChangeAspect="1"/>
-          </p:cNvPicPr>
-          <p:nvPr/>
-        </p:nvPicPr>
-        <p:blipFill>
-          <a:blip r:embed="rId3" cstate="print">
-            <a:extLst>
-              <a:ext uri="{28A0092B-C50C-407E-A947-70E740481C1C}">
-                <a14:useLocalDpi xmlns:a14="http://schemas.microsoft.com/office/drawing/2010/main"/>
-              </a:ext>
-            </a:extLst>
-          </a:blip>
-          <a:stretch>
-            <a:fillRect/>
-          </a:stretch>
-        </p:blipFill>
-        <p:spPr>
-          <a:xfrm>
-            <a:off x="5339198" y="3908767"/>
-            <a:ext cx="3431813" cy="2007939"/>
-          </a:xfrm>
-          <a:prstGeom prst="rect">
-            <a:avLst/>
-          </a:prstGeom>
-        </p:spPr>
-      </p:pic>
-      <p:pic>
-        <p:nvPicPr>
-          <p:cNvPr id="10" name="Picture 9"/>
-          <p:cNvPicPr>
-            <a:picLocks noChangeAspect="1"/>
-          </p:cNvPicPr>
-          <p:nvPr/>
-        </p:nvPicPr>
-        <p:blipFill>
-          <a:blip r:embed="rId4"/>
-          <a:stretch>
-            <a:fillRect/>
-          </a:stretch>
-        </p:blipFill>
-        <p:spPr>
-          <a:xfrm>
-            <a:off x="5287137" y="4114799"/>
-            <a:ext cx="277502" cy="874060"/>
-          </a:xfrm>
-          <a:prstGeom prst="rect">
-            <a:avLst/>
-          </a:prstGeom>
-        </p:spPr>
-      </p:pic>
     </p:spTree>
     <p:extLst>
       <p:ext uri="{BB962C8B-B14F-4D97-AF65-F5344CB8AC3E}">
-        <p14:creationId xmlns:p14="http://schemas.microsoft.com/office/powerpoint/2010/main" val="1739040089"/>
+        <p14:creationId xmlns="" xmlns:p14="http://schemas.microsoft.com/office/powerpoint/2010/main" val="145858858"/>
       </p:ext>
     </p:extLst>
   </p:cSld>
@@ -12235,7 +13899,7 @@
           <a:p>
             <a:r>
               <a:rPr lang="en-US" dirty="0" smtClean="0"/>
-              <a:t>Adding CUSTOM IMAGES</a:t>
+              <a:t>ADDING CUSTOM IMAGES</a:t>
             </a:r>
             <a:endParaRPr lang="en-US" dirty="0"/>
           </a:p>
@@ -12254,7 +13918,7 @@
         <p:spPr>
           <a:xfrm>
             <a:off x="457200" y="1752600"/>
-            <a:ext cx="4666129" cy="4373563"/>
+            <a:ext cx="4706471" cy="4373563"/>
           </a:xfrm>
         </p:spPr>
         <p:txBody>
@@ -12263,39 +13927,30 @@
           <a:p>
             <a:r>
               <a:rPr lang="en-US" dirty="0"/>
-              <a:t>STEP 5: Edit the image, using the tool palette to the left of the editing screen</a:t>
+              <a:t>STEP 3: Change its size </a:t>
             </a:r>
             <a:r>
               <a:rPr lang="en-US" dirty="0" smtClean="0"/>
-              <a:t>.</a:t>
+              <a:t>using the buttons and change the placement by selecting and moving the entire image around</a:t>
             </a:r>
           </a:p>
           <a:p>
             <a:endParaRPr lang="en-US" dirty="0"/>
           </a:p>
           <a:p>
-            <a:endParaRPr lang="en-US" dirty="0" smtClean="0"/>
-          </a:p>
-          <a:p>
             <a:endParaRPr lang="en-US" dirty="0"/>
           </a:p>
           <a:p>
+            <a:r>
+              <a:rPr lang="en-US" dirty="0"/>
+              <a:t>STEP 4:  Adjust the </a:t>
+            </a:r>
+            <a:r>
+              <a:rPr lang="en-US" dirty="0" smtClean="0"/>
+              <a:t>contrast</a:t>
+            </a:r>
             <a:endParaRPr lang="en-US" dirty="0"/>
           </a:p>
-          <a:p>
-            <a:r>
-              <a:rPr lang="en-US" dirty="0"/>
-              <a:t>STEP 6: Save the </a:t>
-            </a:r>
-            <a:r>
-              <a:rPr lang="en-US" dirty="0" smtClean="0"/>
-              <a:t>image</a:t>
-            </a:r>
-            <a:endParaRPr lang="en-US" dirty="0"/>
-          </a:p>
-          <a:p>
-            <a:endParaRPr lang="en-US" dirty="0"/>
-          </a:p>
         </p:txBody>
       </p:sp>
       <p:sp>
@@ -12338,6 +13993,7 @@
           <a:p>
             <a:fld id="{4DBC7FC8-25FB-FC45-8177-2B991DA6778C}" type="slidenum">
               <a:rPr lang="en-US" smtClean="0"/>
+              <a:pPr/>
               <a:t>5</a:t>
             </a:fld>
             <a:endParaRPr lang="en-US"/>
@@ -12356,7 +14012,7 @@
           <a:blip r:embed="rId2" cstate="print">
             <a:extLst>
               <a:ext uri="{28A0092B-C50C-407E-A947-70E740481C1C}">
-                <a14:useLocalDpi xmlns:a14="http://schemas.microsoft.com/office/drawing/2010/main"/>
+                <a14:useLocalDpi xmlns="" xmlns:a14="http://schemas.microsoft.com/office/drawing/2010/main"/>
               </a:ext>
             </a:extLst>
           </a:blip>
@@ -12366,38 +14022,60 @@
         </p:blipFill>
         <p:spPr>
           <a:xfrm>
-            <a:off x="5123329" y="1757400"/>
-            <a:ext cx="3711957" cy="2194112"/>
+            <a:off x="5343159" y="1752600"/>
+            <a:ext cx="3359515" cy="1991659"/>
           </a:xfrm>
           <a:prstGeom prst="rect">
             <a:avLst/>
           </a:prstGeom>
         </p:spPr>
       </p:pic>
-      <p:pic>
-        <p:nvPicPr>
-          <p:cNvPr id="7" name="Picture 6"/>
-          <p:cNvPicPr>
-            <a:picLocks noChangeAspect="1"/>
-          </p:cNvPicPr>
+      <p:sp>
+        <p:nvSpPr>
+          <p:cNvPr id="7" name="Rounded Rectangle 6"/>
+          <p:cNvSpPr/>
           <p:nvPr/>
-        </p:nvPicPr>
-        <p:blipFill>
-          <a:blip r:embed="rId3"/>
-          <a:stretch>
-            <a:fillRect/>
-          </a:stretch>
-        </p:blipFill>
+        </p:nvSpPr>
         <p:spPr>
           <a:xfrm>
-            <a:off x="5123329" y="1980396"/>
-            <a:ext cx="255495" cy="1475498"/>
-          </a:xfrm>
-          <a:prstGeom prst="rect">
+            <a:off x="5425888" y="2110580"/>
+            <a:ext cx="221878" cy="282996"/>
+          </a:xfrm>
+          <a:prstGeom prst="roundRect">
             <a:avLst/>
           </a:prstGeom>
-        </p:spPr>
-      </p:pic>
+          <a:noFill/>
+          <a:ln>
+            <a:solidFill>
+              <a:srgbClr val="FF0000"/>
+            </a:solidFill>
+          </a:ln>
+        </p:spPr>
+        <p:style>
+          <a:lnRef idx="2">
+            <a:schemeClr val="accent1">
+              <a:shade val="50000"/>
+            </a:schemeClr>
+          </a:lnRef>
+          <a:fillRef idx="1">
+            <a:schemeClr val="accent1"/>
+          </a:fillRef>
+          <a:effectRef idx="0">
+            <a:schemeClr val="accent1"/>
+          </a:effectRef>
+          <a:fontRef idx="minor">
+            <a:schemeClr val="lt1"/>
+          </a:fontRef>
+        </p:style>
+        <p:txBody>
+          <a:bodyPr rtlCol="0" anchor="ctr"/>
+          <a:lstStyle/>
+          <a:p>
+            <a:pPr algn="ctr"/>
+            <a:endParaRPr lang="en-US"/>
+          </a:p>
+        </p:txBody>
+      </p:sp>
       <p:pic>
         <p:nvPicPr>
           <p:cNvPr id="8" name="Picture 7"/>
@@ -12407,10 +14085,10 @@
           <p:nvPr/>
         </p:nvPicPr>
         <p:blipFill>
-          <a:blip r:embed="rId4">
+          <a:blip r:embed="rId3" cstate="print">
             <a:extLst>
               <a:ext uri="{28A0092B-C50C-407E-A947-70E740481C1C}">
-                <a14:useLocalDpi xmlns:a14="http://schemas.microsoft.com/office/drawing/2010/main"/>
+                <a14:useLocalDpi xmlns="" xmlns:a14="http://schemas.microsoft.com/office/drawing/2010/main"/>
               </a:ext>
             </a:extLst>
           </a:blip>
@@ -12420,8 +14098,8 @@
         </p:blipFill>
         <p:spPr>
           <a:xfrm>
-            <a:off x="5123329" y="4224124"/>
-            <a:ext cx="2745627" cy="755855"/>
+            <a:off x="5339198" y="3908767"/>
+            <a:ext cx="3431813" cy="2007939"/>
           </a:xfrm>
           <a:prstGeom prst="rect">
             <a:avLst/>
@@ -12430,28 +14108,22 @@
       </p:pic>
       <p:pic>
         <p:nvPicPr>
-          <p:cNvPr id="9" name="Picture 8"/>
+          <p:cNvPr id="10" name="Picture 9"/>
           <p:cNvPicPr>
             <a:picLocks noChangeAspect="1"/>
           </p:cNvPicPr>
           <p:nvPr/>
         </p:nvPicPr>
         <p:blipFill>
-          <a:blip r:embed="rId5">
-            <a:extLst>
-              <a:ext uri="{28A0092B-C50C-407E-A947-70E740481C1C}">
-                <a14:useLocalDpi xmlns:a14="http://schemas.microsoft.com/office/drawing/2010/main"/>
-              </a:ext>
-            </a:extLst>
-          </a:blip>
+          <a:blip r:embed="rId4"/>
           <a:stretch>
             <a:fillRect/>
           </a:stretch>
         </p:blipFill>
         <p:spPr>
           <a:xfrm>
-            <a:off x="6293224" y="5057521"/>
-            <a:ext cx="2409450" cy="900000"/>
+            <a:off x="5287137" y="4114799"/>
+            <a:ext cx="277502" cy="874060"/>
           </a:xfrm>
           <a:prstGeom prst="rect">
             <a:avLst/>
@@ -12461,7 +14133,7 @@
     </p:spTree>
     <p:extLst>
       <p:ext uri="{BB962C8B-B14F-4D97-AF65-F5344CB8AC3E}">
-        <p14:creationId xmlns:p14="http://schemas.microsoft.com/office/powerpoint/2010/main" val="493547866"/>
+        <p14:creationId xmlns="" xmlns:p14="http://schemas.microsoft.com/office/powerpoint/2010/main" val="1739040089"/>
       </p:ext>
     </p:extLst>
   </p:cSld>
@@ -12488,198 +14160,326 @@
           <a:chExt cx="0" cy="0"/>
         </a:xfrm>
       </p:grpSpPr>
-      <p:sp>
-        <p:nvSpPr>
-          <p:cNvPr id="2" name="Title 1"/>
-          <p:cNvSpPr>
-            <a:spLocks noGrp="1"/>
-          </p:cNvSpPr>
-          <p:nvPr>
-            <p:ph type="title"/>
-          </p:nvPr>
-        </p:nvSpPr>
-        <p:spPr/>
-        <p:txBody>
-          <a:bodyPr/>
-          <a:lstStyle/>
-          <a:p>
-            <a:r>
-              <a:rPr lang="en-US" dirty="0" smtClean="0"/>
-              <a:t>Adding CUSTOM IMAGES</a:t>
-            </a:r>
-            <a:endParaRPr lang="en-US" dirty="0"/>
-          </a:p>
-        </p:txBody>
-      </p:sp>
-      <p:sp>
-        <p:nvSpPr>
-          <p:cNvPr id="3" name="Content Placeholder 2"/>
-          <p:cNvSpPr>
-            <a:spLocks noGrp="1"/>
-          </p:cNvSpPr>
-          <p:nvPr>
-            <p:ph idx="1"/>
-          </p:nvPr>
-        </p:nvSpPr>
-        <p:spPr>
-          <a:xfrm>
-            <a:off x="457200" y="1752600"/>
-            <a:ext cx="4837697" cy="4373563"/>
-          </a:xfrm>
-        </p:spPr>
-        <p:txBody>
-          <a:bodyPr/>
-          <a:lstStyle/>
-          <a:p>
-            <a:r>
-              <a:rPr lang="en-US" dirty="0"/>
-              <a:t>STEP 7: This image </a:t>
-            </a:r>
-            <a:r>
-              <a:rPr lang="en-US" dirty="0" smtClean="0"/>
-              <a:t>is now ready </a:t>
-            </a:r>
-            <a:r>
-              <a:rPr lang="en-US" dirty="0"/>
-              <a:t>to use in your display block</a:t>
-            </a:r>
-          </a:p>
-        </p:txBody>
-      </p:sp>
-      <p:sp>
-        <p:nvSpPr>
-          <p:cNvPr id="4" name="Footer Placeholder 3"/>
-          <p:cNvSpPr>
-            <a:spLocks noGrp="1"/>
-          </p:cNvSpPr>
-          <p:nvPr>
-            <p:ph type="ftr" sz="quarter" idx="11"/>
-          </p:nvPr>
-        </p:nvSpPr>
-        <p:spPr/>
-        <p:txBody>
-          <a:bodyPr/>
-          <a:lstStyle/>
-          <a:p>
-            <a:r>
-              <a:rPr lang="en-US" smtClean="0"/>
-              <a:t>Copyright © EV3Lessons.com 2016 (Last edit: 9/11/2016)</a:t>
-            </a:r>
-            <a:endParaRPr lang="en-US"/>
-          </a:p>
-        </p:txBody>
-      </p:sp>
-      <p:sp>
-        <p:nvSpPr>
-          <p:cNvPr id="5" name="Slide Number Placeholder 4"/>
-          <p:cNvSpPr>
-            <a:spLocks noGrp="1"/>
-          </p:cNvSpPr>
-          <p:nvPr>
-            <p:ph type="sldNum" sz="quarter" idx="12"/>
-          </p:nvPr>
-        </p:nvSpPr>
-        <p:spPr/>
-        <p:txBody>
-          <a:bodyPr/>
-          <a:lstStyle/>
-          <a:p>
-            <a:fld id="{4DBC7FC8-25FB-FC45-8177-2B991DA6778C}" type="slidenum">
-              <a:rPr lang="en-US" smtClean="0"/>
-              <a:t>6</a:t>
-            </a:fld>
-            <a:endParaRPr lang="en-US"/>
-          </a:p>
-        </p:txBody>
-      </p:sp>
       <p:pic>
         <p:nvPicPr>
-          <p:cNvPr id="6" name="Picture 5"/>
+          <p:cNvPr id="10" name="Picture 9"/>
           <p:cNvPicPr>
             <a:picLocks noChangeAspect="1"/>
           </p:cNvPicPr>
           <p:nvPr/>
         </p:nvPicPr>
-        <p:blipFill>
-          <a:blip r:embed="rId2">
-            <a:extLst>
-              <a:ext uri="{28A0092B-C50C-407E-A947-70E740481C1C}">
-                <a14:useLocalDpi xmlns:a14="http://schemas.microsoft.com/office/drawing/2010/main"/>
-              </a:ext>
-            </a:extLst>
-          </a:blip>
-          <a:stretch>
-            <a:fillRect/>
-          </a:stretch>
+        <p:blipFill rotWithShape="1">
+          <a:blip r:embed="rId2"/>
+          <a:srcRect l="14129" t="11718" r="13250" b="10677"/>
+          <a:stretch/>
         </p:blipFill>
         <p:spPr>
           <a:xfrm>
-            <a:off x="5540188" y="1717202"/>
-            <a:ext cx="2917195" cy="4582789"/>
+            <a:off x="1893961" y="1759352"/>
+            <a:ext cx="6877050" cy="4131776"/>
           </a:xfrm>
           <a:prstGeom prst="rect">
             <a:avLst/>
           </a:prstGeom>
         </p:spPr>
       </p:pic>
-      <p:pic>
-        <p:nvPicPr>
-          <p:cNvPr id="8" name="Picture 7"/>
-          <p:cNvPicPr>
-            <a:picLocks noChangeAspect="1"/>
-          </p:cNvPicPr>
+      <p:sp>
+        <p:nvSpPr>
+          <p:cNvPr id="2" name="Title 1"/>
+          <p:cNvSpPr>
+            <a:spLocks noGrp="1"/>
+          </p:cNvSpPr>
+          <p:nvPr>
+            <p:ph type="title"/>
+          </p:nvPr>
+        </p:nvSpPr>
+        <p:spPr/>
+        <p:txBody>
+          <a:bodyPr/>
+          <a:lstStyle/>
+          <a:p>
+            <a:r>
+              <a:rPr lang="en-GB" dirty="0" smtClean="0"/>
+              <a:t>Using the eyes left and right images</a:t>
+            </a:r>
+            <a:endParaRPr lang="en-GB" dirty="0"/>
+          </a:p>
+        </p:txBody>
+      </p:sp>
+      <p:sp>
+        <p:nvSpPr>
+          <p:cNvPr id="3" name="Content Placeholder 2"/>
+          <p:cNvSpPr>
+            <a:spLocks noGrp="1"/>
+          </p:cNvSpPr>
+          <p:nvPr>
+            <p:ph idx="1"/>
+          </p:nvPr>
+        </p:nvSpPr>
+        <p:spPr>
+          <a:xfrm>
+            <a:off x="110836" y="1274618"/>
+            <a:ext cx="2008250" cy="5101839"/>
+          </a:xfrm>
+        </p:spPr>
+        <p:txBody>
+          <a:bodyPr>
+            <a:normAutofit lnSpcReduction="10000"/>
+          </a:bodyPr>
+          <a:lstStyle/>
+          <a:p>
+            <a:r>
+              <a:rPr lang="en-GB" dirty="0" smtClean="0"/>
+              <a:t>Open the “eyes left” image</a:t>
+            </a:r>
+          </a:p>
+          <a:p>
+            <a:endParaRPr lang="en-GB" dirty="0"/>
+          </a:p>
+          <a:p>
+            <a:r>
+              <a:rPr lang="en-GB" dirty="0" smtClean="0"/>
+              <a:t>Reduce the size to about half using this zoom button</a:t>
+            </a:r>
+          </a:p>
+          <a:p>
+            <a:endParaRPr lang="en-GB" dirty="0"/>
+          </a:p>
+          <a:p>
+            <a:r>
+              <a:rPr lang="en-GB" dirty="0" smtClean="0"/>
+              <a:t>Position eyes in middle of screen</a:t>
+            </a:r>
+          </a:p>
+          <a:p>
+            <a:endParaRPr lang="en-GB" dirty="0"/>
+          </a:p>
+          <a:p>
+            <a:r>
+              <a:rPr lang="en-GB" dirty="0" smtClean="0"/>
+              <a:t>Press NEXT</a:t>
+            </a:r>
+            <a:endParaRPr lang="en-GB" dirty="0"/>
+          </a:p>
+        </p:txBody>
+      </p:sp>
+      <p:sp>
+        <p:nvSpPr>
+          <p:cNvPr id="4" name="Footer Placeholder 3"/>
+          <p:cNvSpPr>
+            <a:spLocks noGrp="1"/>
+          </p:cNvSpPr>
+          <p:nvPr>
+            <p:ph type="ftr" sz="quarter" idx="11"/>
+          </p:nvPr>
+        </p:nvSpPr>
+        <p:spPr/>
+        <p:txBody>
+          <a:bodyPr/>
+          <a:lstStyle/>
+          <a:p>
+            <a:r>
+              <a:rPr lang="en-US" smtClean="0"/>
+              <a:t>Copyright © EV3Lessons.com 2016 (Last edit: 9/11/2016)</a:t>
+            </a:r>
+            <a:endParaRPr lang="en-US"/>
+          </a:p>
+        </p:txBody>
+      </p:sp>
+      <p:sp>
+        <p:nvSpPr>
+          <p:cNvPr id="5" name="Slide Number Placeholder 4"/>
+          <p:cNvSpPr>
+            <a:spLocks noGrp="1"/>
+          </p:cNvSpPr>
+          <p:nvPr>
+            <p:ph type="sldNum" sz="quarter" idx="12"/>
+          </p:nvPr>
+        </p:nvSpPr>
+        <p:spPr/>
+        <p:txBody>
+          <a:bodyPr/>
+          <a:lstStyle/>
+          <a:p>
+            <a:fld id="{4DBC7FC8-25FB-FC45-8177-2B991DA6778C}" type="slidenum">
+              <a:rPr lang="en-US" smtClean="0"/>
+              <a:pPr/>
+              <a:t>6</a:t>
+            </a:fld>
+            <a:endParaRPr lang="en-US"/>
+          </a:p>
+        </p:txBody>
+      </p:sp>
+      <p:sp>
+        <p:nvSpPr>
+          <p:cNvPr id="7" name="Oval 6"/>
+          <p:cNvSpPr/>
           <p:nvPr/>
-        </p:nvPicPr>
-        <p:blipFill>
-          <a:blip r:embed="rId3"/>
-          <a:stretch>
-            <a:fillRect/>
-          </a:stretch>
-        </p:blipFill>
+        </p:nvSpPr>
         <p:spPr>
           <a:xfrm>
-            <a:off x="2090271" y="2901518"/>
-            <a:ext cx="760506" cy="231648"/>
-          </a:xfrm>
-          <a:prstGeom prst="rect">
+            <a:off x="7952558" y="3405462"/>
+            <a:ext cx="504825" cy="314325"/>
+          </a:xfrm>
+          <a:prstGeom prst="ellipse">
             <a:avLst/>
           </a:prstGeom>
-        </p:spPr>
-      </p:pic>
-      <p:pic>
-        <p:nvPicPr>
-          <p:cNvPr id="9" name="Picture 8"/>
-          <p:cNvPicPr>
-            <a:picLocks noChangeAspect="1"/>
-          </p:cNvPicPr>
+          <a:noFill/>
+          <a:ln w="38100">
+            <a:solidFill>
+              <a:srgbClr val="C00000"/>
+            </a:solidFill>
+          </a:ln>
+        </p:spPr>
+        <p:style>
+          <a:lnRef idx="2">
+            <a:schemeClr val="accent1">
+              <a:shade val="50000"/>
+            </a:schemeClr>
+          </a:lnRef>
+          <a:fillRef idx="1">
+            <a:schemeClr val="accent1"/>
+          </a:fillRef>
+          <a:effectRef idx="0">
+            <a:schemeClr val="accent1"/>
+          </a:effectRef>
+          <a:fontRef idx="minor">
+            <a:schemeClr val="lt1"/>
+          </a:fontRef>
+        </p:style>
+        <p:txBody>
+          <a:bodyPr rtlCol="0" anchor="ctr"/>
+          <a:lstStyle/>
+          <a:p>
+            <a:pPr algn="ctr"/>
+            <a:endParaRPr lang="en-GB"/>
+          </a:p>
+        </p:txBody>
+      </p:sp>
+      <p:cxnSp>
+        <p:nvCxnSpPr>
+          <p:cNvPr id="9" name="Straight Arrow Connector 8"/>
+          <p:cNvCxnSpPr>
+            <a:endCxn id="7" idx="2"/>
+          </p:cNvCxnSpPr>
           <p:nvPr/>
-        </p:nvPicPr>
-        <p:blipFill>
-          <a:blip r:embed="rId4">
-            <a:extLst>
-              <a:ext uri="{28A0092B-C50C-407E-A947-70E740481C1C}">
-                <a14:useLocalDpi xmlns:a14="http://schemas.microsoft.com/office/drawing/2010/main"/>
-              </a:ext>
-            </a:extLst>
-          </a:blip>
-          <a:stretch>
-            <a:fillRect/>
-          </a:stretch>
-        </p:blipFill>
-        <p:spPr>
-          <a:xfrm>
-            <a:off x="907677" y="2595814"/>
-            <a:ext cx="3556000" cy="3149600"/>
-          </a:xfrm>
-          <a:prstGeom prst="rect">
+        </p:nvCxnSpPr>
+        <p:spPr>
+          <a:xfrm flipV="1">
+            <a:off x="1737147" y="3562625"/>
+            <a:ext cx="6215411" cy="2198426"/>
+          </a:xfrm>
+          <a:prstGeom prst="straightConnector1">
             <a:avLst/>
           </a:prstGeom>
-        </p:spPr>
-      </p:pic>
+          <a:ln w="38100">
+            <a:solidFill>
+              <a:srgbClr val="C00000"/>
+            </a:solidFill>
+            <a:tailEnd type="triangle"/>
+          </a:ln>
+        </p:spPr>
+        <p:style>
+          <a:lnRef idx="1">
+            <a:schemeClr val="accent1"/>
+          </a:lnRef>
+          <a:fillRef idx="0">
+            <a:schemeClr val="accent1"/>
+          </a:fillRef>
+          <a:effectRef idx="0">
+            <a:schemeClr val="accent1"/>
+          </a:effectRef>
+          <a:fontRef idx="minor">
+            <a:schemeClr val="tx1"/>
+          </a:fontRef>
+        </p:style>
+      </p:cxnSp>
+      <p:sp>
+        <p:nvSpPr>
+          <p:cNvPr id="12" name="Oval 11"/>
+          <p:cNvSpPr/>
+          <p:nvPr/>
+        </p:nvSpPr>
+        <p:spPr>
+          <a:xfrm>
+            <a:off x="1893961" y="2672505"/>
+            <a:ext cx="304801" cy="209254"/>
+          </a:xfrm>
+          <a:prstGeom prst="ellipse">
+            <a:avLst/>
+          </a:prstGeom>
+          <a:noFill/>
+          <a:ln w="38100">
+            <a:solidFill>
+              <a:srgbClr val="C00000"/>
+            </a:solidFill>
+          </a:ln>
+        </p:spPr>
+        <p:style>
+          <a:lnRef idx="2">
+            <a:schemeClr val="accent1">
+              <a:shade val="50000"/>
+            </a:schemeClr>
+          </a:lnRef>
+          <a:fillRef idx="1">
+            <a:schemeClr val="accent1"/>
+          </a:fillRef>
+          <a:effectRef idx="0">
+            <a:schemeClr val="accent1"/>
+          </a:effectRef>
+          <a:fontRef idx="minor">
+            <a:schemeClr val="lt1"/>
+          </a:fontRef>
+        </p:style>
+        <p:txBody>
+          <a:bodyPr rtlCol="0" anchor="ctr"/>
+          <a:lstStyle/>
+          <a:p>
+            <a:pPr algn="ctr"/>
+            <a:endParaRPr lang="en-GB"/>
+          </a:p>
+        </p:txBody>
+      </p:sp>
+      <p:cxnSp>
+        <p:nvCxnSpPr>
+          <p:cNvPr id="13" name="Straight Arrow Connector 12"/>
+          <p:cNvCxnSpPr/>
+          <p:nvPr/>
+        </p:nvCxnSpPr>
+        <p:spPr>
+          <a:xfrm flipV="1">
+            <a:off x="1580333" y="2791241"/>
+            <a:ext cx="313629" cy="206936"/>
+          </a:xfrm>
+          <a:prstGeom prst="straightConnector1">
+            <a:avLst/>
+          </a:prstGeom>
+          <a:ln w="38100">
+            <a:solidFill>
+              <a:srgbClr val="C00000"/>
+            </a:solidFill>
+            <a:tailEnd type="triangle"/>
+          </a:ln>
+        </p:spPr>
+        <p:style>
+          <a:lnRef idx="1">
+            <a:schemeClr val="accent1"/>
+          </a:lnRef>
+          <a:fillRef idx="0">
+            <a:schemeClr val="accent1"/>
+          </a:fillRef>
+          <a:effectRef idx="0">
+            <a:schemeClr val="accent1"/>
+          </a:effectRef>
+          <a:fontRef idx="minor">
+            <a:schemeClr val="tx1"/>
+          </a:fontRef>
+        </p:style>
+      </p:cxnSp>
     </p:spTree>
     <p:extLst>
       <p:ext uri="{BB962C8B-B14F-4D97-AF65-F5344CB8AC3E}">
-        <p14:creationId xmlns:p14="http://schemas.microsoft.com/office/powerpoint/2010/main" val="2074854515"/>
+        <p14:creationId xmlns="" xmlns:p14="http://schemas.microsoft.com/office/powerpoint/2010/main" val="3015073695"/>
       </p:ext>
     </p:extLst>
   </p:cSld>
@@ -12706,19 +14506,146 @@
           <a:chExt cx="0" cy="0"/>
         </a:xfrm>
       </p:grpSpPr>
+      <p:sp>
+        <p:nvSpPr>
+          <p:cNvPr id="2" name="Title 1"/>
+          <p:cNvSpPr>
+            <a:spLocks noGrp="1"/>
+          </p:cNvSpPr>
+          <p:nvPr>
+            <p:ph type="title"/>
+          </p:nvPr>
+        </p:nvSpPr>
+        <p:spPr/>
+        <p:txBody>
+          <a:bodyPr/>
+          <a:lstStyle/>
+          <a:p>
+            <a:r>
+              <a:rPr lang="en-US" dirty="0" smtClean="0"/>
+              <a:t>Adding CUSTOM IMAGES</a:t>
+            </a:r>
+            <a:endParaRPr lang="en-US" dirty="0"/>
+          </a:p>
+        </p:txBody>
+      </p:sp>
+      <p:sp>
+        <p:nvSpPr>
+          <p:cNvPr id="3" name="Content Placeholder 2"/>
+          <p:cNvSpPr>
+            <a:spLocks noGrp="1"/>
+          </p:cNvSpPr>
+          <p:nvPr>
+            <p:ph idx="1"/>
+          </p:nvPr>
+        </p:nvSpPr>
+        <p:spPr>
+          <a:xfrm>
+            <a:off x="457200" y="1752600"/>
+            <a:ext cx="4666129" cy="4373563"/>
+          </a:xfrm>
+        </p:spPr>
+        <p:txBody>
+          <a:bodyPr/>
+          <a:lstStyle/>
+          <a:p>
+            <a:r>
+              <a:rPr lang="en-US" dirty="0"/>
+              <a:t>STEP 5: Edit the image, using the tool palette to the left of the editing screen</a:t>
+            </a:r>
+            <a:r>
+              <a:rPr lang="en-US" dirty="0" smtClean="0"/>
+              <a:t>.</a:t>
+            </a:r>
+          </a:p>
+          <a:p>
+            <a:endParaRPr lang="en-US" dirty="0"/>
+          </a:p>
+          <a:p>
+            <a:endParaRPr lang="en-US" dirty="0" smtClean="0"/>
+          </a:p>
+          <a:p>
+            <a:endParaRPr lang="en-US" dirty="0"/>
+          </a:p>
+          <a:p>
+            <a:endParaRPr lang="en-US" dirty="0"/>
+          </a:p>
+          <a:p>
+            <a:r>
+              <a:rPr lang="en-US" dirty="0"/>
+              <a:t>STEP 6: Save the </a:t>
+            </a:r>
+            <a:r>
+              <a:rPr lang="en-US" dirty="0" smtClean="0"/>
+              <a:t>image</a:t>
+            </a:r>
+            <a:endParaRPr lang="en-US" dirty="0"/>
+          </a:p>
+          <a:p>
+            <a:endParaRPr lang="en-US" dirty="0"/>
+          </a:p>
+        </p:txBody>
+      </p:sp>
+      <p:sp>
+        <p:nvSpPr>
+          <p:cNvPr id="4" name="Footer Placeholder 3"/>
+          <p:cNvSpPr>
+            <a:spLocks noGrp="1"/>
+          </p:cNvSpPr>
+          <p:nvPr>
+            <p:ph type="ftr" sz="quarter" idx="11"/>
+          </p:nvPr>
+        </p:nvSpPr>
+        <p:spPr/>
+        <p:txBody>
+          <a:bodyPr/>
+          <a:lstStyle/>
+          <a:p>
+            <a:r>
+              <a:rPr lang="en-US" smtClean="0"/>
+              <a:t>Copyright © EV3Lessons.com 2016 (Last edit: 9/11/2016)</a:t>
+            </a:r>
+            <a:endParaRPr lang="en-US"/>
+          </a:p>
+        </p:txBody>
+      </p:sp>
+      <p:sp>
+        <p:nvSpPr>
+          <p:cNvPr id="5" name="Slide Number Placeholder 4"/>
+          <p:cNvSpPr>
+            <a:spLocks noGrp="1"/>
+          </p:cNvSpPr>
+          <p:nvPr>
+            <p:ph type="sldNum" sz="quarter" idx="12"/>
+          </p:nvPr>
+        </p:nvSpPr>
+        <p:spPr/>
+        <p:txBody>
+          <a:bodyPr/>
+          <a:lstStyle/>
+          <a:p>
+            <a:fld id="{4DBC7FC8-25FB-FC45-8177-2B991DA6778C}" type="slidenum">
+              <a:rPr lang="en-US" smtClean="0"/>
+              <a:pPr/>
+              <a:t>7</a:t>
+            </a:fld>
+            <a:endParaRPr lang="en-US"/>
+          </a:p>
+        </p:txBody>
+      </p:sp>
       <p:pic>
         <p:nvPicPr>
-          <p:cNvPr id="12" name="Picture 11"/>
+          <p:cNvPr id="6" name="Picture 5"/>
           <p:cNvPicPr>
             <a:picLocks noChangeAspect="1"/>
           </p:cNvPicPr>
           <p:nvPr/>
         </p:nvPicPr>
         <p:blipFill>
-          <a:blip r:embed="rId3">
+          <a:blip r:embed="rId2" cstate="print">
             <a:extLst>
               <a:ext uri="{28A0092B-C50C-407E-A947-70E740481C1C}">
-                <a14:useLocalDpi xmlns:a14="http://schemas.microsoft.com/office/drawing/2010/main"/>
+                <a14:useLocalDpi xmlns="" xmlns:a14="http://schemas.microsoft.com/office/drawing/2010/main"/>
               </a:ext>
             </a:extLst>
           </a:blip>
@@ -12728,371 +14655,102 @@
         </p:blipFill>
         <p:spPr>
           <a:xfrm>
-            <a:off x="3240741" y="1465573"/>
-            <a:ext cx="5550062" cy="4832320"/>
+            <a:off x="5123329" y="1757400"/>
+            <a:ext cx="3711957" cy="2194112"/>
           </a:xfrm>
           <a:prstGeom prst="rect">
             <a:avLst/>
           </a:prstGeom>
         </p:spPr>
       </p:pic>
-      <p:sp>
-        <p:nvSpPr>
-          <p:cNvPr id="2" name="Title 1"/>
-          <p:cNvSpPr>
-            <a:spLocks noGrp="1"/>
-          </p:cNvSpPr>
-          <p:nvPr>
-            <p:ph type="title"/>
-          </p:nvPr>
-        </p:nvSpPr>
-        <p:spPr/>
-        <p:txBody>
-          <a:bodyPr/>
-          <a:lstStyle/>
-          <a:p>
-            <a:r>
-              <a:rPr lang="en-US" dirty="0" smtClean="0"/>
-              <a:t>Sharing your RGF FILE</a:t>
-            </a:r>
-            <a:endParaRPr lang="en-US" dirty="0"/>
-          </a:p>
-        </p:txBody>
-      </p:sp>
-      <p:sp>
-        <p:nvSpPr>
-          <p:cNvPr id="3" name="Content Placeholder 2"/>
-          <p:cNvSpPr>
-            <a:spLocks noGrp="1"/>
-          </p:cNvSpPr>
-          <p:nvPr>
-            <p:ph idx="1"/>
-          </p:nvPr>
-        </p:nvSpPr>
+      <p:pic>
+        <p:nvPicPr>
+          <p:cNvPr id="7" name="Picture 6"/>
+          <p:cNvPicPr>
+            <a:picLocks noChangeAspect="1"/>
+          </p:cNvPicPr>
+          <p:nvPr/>
+        </p:nvPicPr>
+        <p:blipFill>
+          <a:blip r:embed="rId3"/>
+          <a:stretch>
+            <a:fillRect/>
+          </a:stretch>
+        </p:blipFill>
         <p:spPr>
           <a:xfrm>
-            <a:off x="207142" y="1326356"/>
-            <a:ext cx="3073940" cy="4799807"/>
-          </a:xfrm>
-        </p:spPr>
-        <p:txBody>
-          <a:bodyPr>
-            <a:normAutofit fontScale="92500" lnSpcReduction="10000"/>
-          </a:bodyPr>
-          <a:lstStyle/>
-          <a:p>
-            <a:pPr marL="342900" indent="-342900">
-              <a:buFont typeface="Arial" charset="0"/>
-              <a:buChar char="•"/>
-            </a:pPr>
-            <a:r>
-              <a:rPr lang="en-US" dirty="0" smtClean="0"/>
-              <a:t>Click on the wrench tool in your project</a:t>
-            </a:r>
-          </a:p>
-          <a:p>
-            <a:pPr marL="342900" indent="-342900">
-              <a:buFont typeface="Arial" charset="0"/>
-              <a:buChar char="•"/>
-            </a:pPr>
-            <a:r>
-              <a:rPr lang="en-US" dirty="0" smtClean="0"/>
-              <a:t>Select the Images Tab</a:t>
-            </a:r>
-          </a:p>
-          <a:p>
-            <a:pPr marL="342900" indent="-342900">
-              <a:buFont typeface="Arial" charset="0"/>
-              <a:buChar char="•"/>
-            </a:pPr>
-            <a:r>
-              <a:rPr lang="en-US" dirty="0" smtClean="0"/>
-              <a:t>Click on the .</a:t>
-            </a:r>
-            <a:r>
-              <a:rPr lang="en-US" dirty="0" err="1" smtClean="0"/>
-              <a:t>rgf</a:t>
-            </a:r>
-            <a:r>
-              <a:rPr lang="en-US" dirty="0" smtClean="0"/>
-              <a:t> file</a:t>
-            </a:r>
-          </a:p>
-          <a:p>
-            <a:pPr marL="342900" indent="-342900">
-              <a:buFont typeface="Arial" charset="0"/>
-              <a:buChar char="•"/>
-            </a:pPr>
-            <a:r>
-              <a:rPr lang="en-US" dirty="0" smtClean="0"/>
-              <a:t>Click on Export and save the file</a:t>
-            </a:r>
-          </a:p>
-          <a:p>
-            <a:pPr marL="342900" indent="-342900">
-              <a:buFont typeface="Arial" charset="0"/>
-              <a:buChar char="•"/>
-            </a:pPr>
-            <a:r>
-              <a:rPr lang="en-US" dirty="0" smtClean="0"/>
-              <a:t>You can now send this file to anyone you want to</a:t>
-            </a:r>
-          </a:p>
-          <a:p>
-            <a:pPr marL="342900" indent="-342900">
-              <a:buFont typeface="Arial" charset="0"/>
-              <a:buChar char="•"/>
-            </a:pPr>
-            <a:r>
-              <a:rPr lang="en-US" dirty="0" smtClean="0"/>
-              <a:t>If you want to add a .</a:t>
-            </a:r>
-            <a:r>
-              <a:rPr lang="en-US" dirty="0" err="1" smtClean="0"/>
-              <a:t>rgf</a:t>
-            </a:r>
-            <a:r>
-              <a:rPr lang="en-US" dirty="0" smtClean="0"/>
-              <a:t> file sent to you to your project, simply choose Import instead</a:t>
-            </a:r>
-            <a:endParaRPr lang="en-US" dirty="0"/>
-          </a:p>
-        </p:txBody>
-      </p:sp>
-      <p:sp>
-        <p:nvSpPr>
-          <p:cNvPr id="4" name="Footer Placeholder 3"/>
-          <p:cNvSpPr>
-            <a:spLocks noGrp="1"/>
-          </p:cNvSpPr>
-          <p:nvPr>
-            <p:ph type="ftr" sz="quarter" idx="11"/>
-          </p:nvPr>
-        </p:nvSpPr>
-        <p:spPr/>
-        <p:txBody>
-          <a:bodyPr/>
-          <a:lstStyle/>
-          <a:p>
-            <a:r>
-              <a:rPr lang="en-US" smtClean="0"/>
-              <a:t>Copyright © EV3Lessons.com 2016 (Last edit: 9/11/2016)</a:t>
-            </a:r>
-            <a:endParaRPr lang="en-US"/>
-          </a:p>
-        </p:txBody>
-      </p:sp>
-      <p:sp>
-        <p:nvSpPr>
-          <p:cNvPr id="5" name="Slide Number Placeholder 4"/>
-          <p:cNvSpPr>
-            <a:spLocks noGrp="1"/>
-          </p:cNvSpPr>
-          <p:nvPr>
-            <p:ph type="sldNum" sz="quarter" idx="12"/>
-          </p:nvPr>
-        </p:nvSpPr>
-        <p:spPr/>
-        <p:txBody>
-          <a:bodyPr/>
-          <a:lstStyle/>
-          <a:p>
-            <a:fld id="{4DBC7FC8-25FB-FC45-8177-2B991DA6778C}" type="slidenum">
-              <a:rPr lang="en-US" smtClean="0"/>
-              <a:t>7</a:t>
-            </a:fld>
-            <a:endParaRPr lang="en-US"/>
-          </a:p>
-        </p:txBody>
-      </p:sp>
-      <p:sp>
-        <p:nvSpPr>
-          <p:cNvPr id="7" name="Rounded Rectangle 6"/>
-          <p:cNvSpPr/>
-          <p:nvPr/>
-        </p:nvSpPr>
-        <p:spPr>
-          <a:xfrm>
-            <a:off x="3294529" y="1691826"/>
-            <a:ext cx="242047" cy="374015"/>
-          </a:xfrm>
-          <a:prstGeom prst="roundRect">
+            <a:off x="5123329" y="1980396"/>
+            <a:ext cx="255495" cy="1475498"/>
+          </a:xfrm>
+          <a:prstGeom prst="rect">
             <a:avLst/>
           </a:prstGeom>
-          <a:noFill/>
-          <a:ln w="76200">
-            <a:solidFill>
-              <a:srgbClr val="FF0000"/>
-            </a:solidFill>
-          </a:ln>
-        </p:spPr>
-        <p:style>
-          <a:lnRef idx="2">
-            <a:schemeClr val="accent1">
-              <a:shade val="50000"/>
-            </a:schemeClr>
-          </a:lnRef>
-          <a:fillRef idx="1">
-            <a:schemeClr val="accent1"/>
-          </a:fillRef>
-          <a:effectRef idx="0">
-            <a:schemeClr val="accent1"/>
-          </a:effectRef>
-          <a:fontRef idx="minor">
-            <a:schemeClr val="lt1"/>
-          </a:fontRef>
-        </p:style>
-        <p:txBody>
-          <a:bodyPr rtlCol="0" anchor="ctr"/>
-          <a:lstStyle/>
-          <a:p>
-            <a:pPr algn="ctr"/>
-            <a:endParaRPr lang="en-US"/>
-          </a:p>
-        </p:txBody>
-      </p:sp>
-      <p:sp>
-        <p:nvSpPr>
-          <p:cNvPr id="8" name="Rounded Rectangle 7"/>
-          <p:cNvSpPr/>
+        </p:spPr>
+      </p:pic>
+      <p:pic>
+        <p:nvPicPr>
+          <p:cNvPr id="8" name="Picture 7"/>
+          <p:cNvPicPr>
+            <a:picLocks noChangeAspect="1"/>
+          </p:cNvPicPr>
           <p:nvPr/>
-        </p:nvSpPr>
+        </p:nvPicPr>
+        <p:blipFill>
+          <a:blip r:embed="rId4">
+            <a:extLst>
+              <a:ext uri="{28A0092B-C50C-407E-A947-70E740481C1C}">
+                <a14:useLocalDpi xmlns="" xmlns:a14="http://schemas.microsoft.com/office/drawing/2010/main"/>
+              </a:ext>
+            </a:extLst>
+          </a:blip>
+          <a:stretch>
+            <a:fillRect/>
+          </a:stretch>
+        </p:blipFill>
         <p:spPr>
           <a:xfrm>
-            <a:off x="4092385" y="3901622"/>
-            <a:ext cx="869580" cy="374015"/>
-          </a:xfrm>
-          <a:prstGeom prst="roundRect">
+            <a:off x="5123329" y="4224124"/>
+            <a:ext cx="2745627" cy="755855"/>
+          </a:xfrm>
+          <a:prstGeom prst="rect">
             <a:avLst/>
           </a:prstGeom>
-          <a:noFill/>
-          <a:ln w="76200">
-            <a:solidFill>
-              <a:srgbClr val="FF0000"/>
-            </a:solidFill>
-          </a:ln>
-        </p:spPr>
-        <p:style>
-          <a:lnRef idx="2">
-            <a:schemeClr val="accent1">
-              <a:shade val="50000"/>
-            </a:schemeClr>
-          </a:lnRef>
-          <a:fillRef idx="1">
-            <a:schemeClr val="accent1"/>
-          </a:fillRef>
-          <a:effectRef idx="0">
-            <a:schemeClr val="accent1"/>
-          </a:effectRef>
-          <a:fontRef idx="minor">
-            <a:schemeClr val="lt1"/>
-          </a:fontRef>
-        </p:style>
-        <p:txBody>
-          <a:bodyPr rtlCol="0" anchor="ctr"/>
-          <a:lstStyle/>
-          <a:p>
-            <a:pPr algn="ctr"/>
-            <a:endParaRPr lang="en-US"/>
-          </a:p>
-        </p:txBody>
-      </p:sp>
-      <p:sp>
-        <p:nvSpPr>
-          <p:cNvPr id="9" name="Rounded Rectangle 8"/>
-          <p:cNvSpPr/>
+        </p:spPr>
+      </p:pic>
+      <p:pic>
+        <p:nvPicPr>
+          <p:cNvPr id="9" name="Picture 8"/>
+          <p:cNvPicPr>
+            <a:picLocks noChangeAspect="1"/>
+          </p:cNvPicPr>
           <p:nvPr/>
-        </p:nvSpPr>
+        </p:nvPicPr>
+        <p:blipFill>
+          <a:blip r:embed="rId5">
+            <a:extLst>
+              <a:ext uri="{28A0092B-C50C-407E-A947-70E740481C1C}">
+                <a14:useLocalDpi xmlns="" xmlns:a14="http://schemas.microsoft.com/office/drawing/2010/main"/>
+              </a:ext>
+            </a:extLst>
+          </a:blip>
+          <a:stretch>
+            <a:fillRect/>
+          </a:stretch>
+        </p:blipFill>
         <p:spPr>
           <a:xfrm>
-            <a:off x="3343835" y="4282621"/>
-            <a:ext cx="1039905" cy="319387"/>
-          </a:xfrm>
-          <a:prstGeom prst="roundRect">
+            <a:off x="6293224" y="5057521"/>
+            <a:ext cx="2409450" cy="900000"/>
+          </a:xfrm>
+          <a:prstGeom prst="rect">
             <a:avLst/>
           </a:prstGeom>
-          <a:noFill/>
-          <a:ln w="76200">
-            <a:solidFill>
-              <a:srgbClr val="FF0000"/>
-            </a:solidFill>
-          </a:ln>
-        </p:spPr>
-        <p:style>
-          <a:lnRef idx="2">
-            <a:schemeClr val="accent1">
-              <a:shade val="50000"/>
-            </a:schemeClr>
-          </a:lnRef>
-          <a:fillRef idx="1">
-            <a:schemeClr val="accent1"/>
-          </a:fillRef>
-          <a:effectRef idx="0">
-            <a:schemeClr val="accent1"/>
-          </a:effectRef>
-          <a:fontRef idx="minor">
-            <a:schemeClr val="lt1"/>
-          </a:fontRef>
-        </p:style>
-        <p:txBody>
-          <a:bodyPr rtlCol="0" anchor="ctr"/>
-          <a:lstStyle/>
-          <a:p>
-            <a:pPr algn="ctr"/>
-            <a:endParaRPr lang="en-US"/>
-          </a:p>
-        </p:txBody>
-      </p:sp>
-      <p:sp>
-        <p:nvSpPr>
-          <p:cNvPr id="10" name="Rounded Rectangle 9"/>
-          <p:cNvSpPr/>
-          <p:nvPr/>
-        </p:nvSpPr>
-        <p:spPr>
-          <a:xfrm>
-            <a:off x="5446060" y="5890809"/>
-            <a:ext cx="739588" cy="345482"/>
-          </a:xfrm>
-          <a:prstGeom prst="roundRect">
-            <a:avLst/>
-          </a:prstGeom>
-          <a:noFill/>
-          <a:ln w="76200">
-            <a:solidFill>
-              <a:srgbClr val="FF0000"/>
-            </a:solidFill>
-          </a:ln>
-        </p:spPr>
-        <p:style>
-          <a:lnRef idx="2">
-            <a:schemeClr val="accent1">
-              <a:shade val="50000"/>
-            </a:schemeClr>
-          </a:lnRef>
-          <a:fillRef idx="1">
-            <a:schemeClr val="accent1"/>
-          </a:fillRef>
-          <a:effectRef idx="0">
-            <a:schemeClr val="accent1"/>
-          </a:effectRef>
-          <a:fontRef idx="minor">
-            <a:schemeClr val="lt1"/>
-          </a:fontRef>
-        </p:style>
-        <p:txBody>
-          <a:bodyPr rtlCol="0" anchor="ctr"/>
-          <a:lstStyle/>
-          <a:p>
-            <a:pPr algn="ctr"/>
-            <a:endParaRPr lang="en-US"/>
-          </a:p>
-        </p:txBody>
-      </p:sp>
+        </p:spPr>
+      </p:pic>
     </p:spTree>
     <p:extLst>
       <p:ext uri="{BB962C8B-B14F-4D97-AF65-F5344CB8AC3E}">
-        <p14:creationId xmlns:p14="http://schemas.microsoft.com/office/powerpoint/2010/main" val="629037147"/>
+        <p14:creationId xmlns="" xmlns:p14="http://schemas.microsoft.com/office/powerpoint/2010/main" val="493547866"/>
       </p:ext>
     </p:extLst>
   </p:cSld>
@@ -13119,118 +14777,6 @@
           <a:chExt cx="0" cy="0"/>
         </a:xfrm>
       </p:grpSpPr>
-      <p:sp>
-        <p:nvSpPr>
-          <p:cNvPr id="2" name="Title 1"/>
-          <p:cNvSpPr>
-            <a:spLocks noGrp="1"/>
-          </p:cNvSpPr>
-          <p:nvPr>
-            <p:ph type="title"/>
-          </p:nvPr>
-        </p:nvSpPr>
-        <p:spPr/>
-        <p:txBody>
-          <a:bodyPr/>
-          <a:lstStyle/>
-          <a:p>
-            <a:r>
-              <a:rPr lang="en-US" dirty="0" smtClean="0"/>
-              <a:t>ADDING CUSTOM SOUNDS</a:t>
-            </a:r>
-            <a:endParaRPr lang="en-US" dirty="0"/>
-          </a:p>
-        </p:txBody>
-      </p:sp>
-      <p:sp>
-        <p:nvSpPr>
-          <p:cNvPr id="3" name="Content Placeholder 2"/>
-          <p:cNvSpPr>
-            <a:spLocks noGrp="1"/>
-          </p:cNvSpPr>
-          <p:nvPr>
-            <p:ph idx="1"/>
-          </p:nvPr>
-        </p:nvSpPr>
-        <p:spPr>
-          <a:xfrm>
-            <a:off x="457200" y="1752600"/>
-            <a:ext cx="4518212" cy="4373563"/>
-          </a:xfrm>
-        </p:spPr>
-        <p:txBody>
-          <a:bodyPr/>
-          <a:lstStyle/>
-          <a:p>
-            <a:r>
-              <a:rPr lang="en-US" dirty="0" smtClean="0"/>
-              <a:t>STEP 1: Select Sound Editor from the Tools Menu </a:t>
-            </a:r>
-          </a:p>
-          <a:p>
-            <a:endParaRPr lang="en-US" dirty="0"/>
-          </a:p>
-          <a:p>
-            <a:endParaRPr lang="en-US" dirty="0" smtClean="0"/>
-          </a:p>
-          <a:p>
-            <a:endParaRPr lang="en-US" dirty="0"/>
-          </a:p>
-          <a:p>
-            <a:r>
-              <a:rPr lang="en-US" dirty="0" smtClean="0"/>
-              <a:t>STEP 2: Click on Open and select a sound file or record your own using the red button</a:t>
-            </a:r>
-            <a:endParaRPr lang="en-US" dirty="0"/>
-          </a:p>
-        </p:txBody>
-      </p:sp>
-      <p:sp>
-        <p:nvSpPr>
-          <p:cNvPr id="4" name="Footer Placeholder 3"/>
-          <p:cNvSpPr>
-            <a:spLocks noGrp="1"/>
-          </p:cNvSpPr>
-          <p:nvPr>
-            <p:ph type="ftr" sz="quarter" idx="11"/>
-          </p:nvPr>
-        </p:nvSpPr>
-        <p:spPr/>
-        <p:txBody>
-          <a:bodyPr/>
-          <a:lstStyle/>
-          <a:p>
-            <a:r>
-              <a:rPr lang="en-US" smtClean="0"/>
-              <a:t>Copyright © EV3Lessons.com 2016 (Last edit: 9/11/2016)</a:t>
-            </a:r>
-            <a:endParaRPr lang="en-US"/>
-          </a:p>
-        </p:txBody>
-      </p:sp>
-      <p:sp>
-        <p:nvSpPr>
-          <p:cNvPr id="5" name="Slide Number Placeholder 4"/>
-          <p:cNvSpPr>
-            <a:spLocks noGrp="1"/>
-          </p:cNvSpPr>
-          <p:nvPr>
-            <p:ph type="sldNum" sz="quarter" idx="12"/>
-          </p:nvPr>
-        </p:nvSpPr>
-        <p:spPr/>
-        <p:txBody>
-          <a:bodyPr/>
-          <a:lstStyle/>
-          <a:p>
-            <a:fld id="{4DBC7FC8-25FB-FC45-8177-2B991DA6778C}" type="slidenum">
-              <a:rPr lang="en-US" smtClean="0"/>
-              <a:t>8</a:t>
-            </a:fld>
-            <a:endParaRPr lang="en-US"/>
-          </a:p>
-        </p:txBody>
-      </p:sp>
       <p:pic>
         <p:nvPicPr>
           <p:cNvPr id="6" name="Picture 5"/>
@@ -13239,92 +14785,311 @@
           </p:cNvPicPr>
           <p:nvPr/>
         </p:nvPicPr>
-        <p:blipFill>
-          <a:blip r:embed="rId2">
-            <a:extLst>
-              <a:ext uri="{28A0092B-C50C-407E-A947-70E740481C1C}">
-                <a14:useLocalDpi xmlns:a14="http://schemas.microsoft.com/office/drawing/2010/main"/>
-              </a:ext>
-            </a:extLst>
-          </a:blip>
-          <a:stretch>
-            <a:fillRect/>
-          </a:stretch>
+        <p:blipFill rotWithShape="1">
+          <a:blip r:embed="rId2"/>
+          <a:srcRect l="14328" t="12595" r="13796" b="12595"/>
+          <a:stretch/>
         </p:blipFill>
         <p:spPr>
           <a:xfrm>
-            <a:off x="5062894" y="1752600"/>
-            <a:ext cx="3708117" cy="1818341"/>
+            <a:off x="1961098" y="1928248"/>
+            <a:ext cx="6899564" cy="4037524"/>
           </a:xfrm>
           <a:prstGeom prst="rect">
             <a:avLst/>
           </a:prstGeom>
         </p:spPr>
       </p:pic>
-      <p:pic>
-        <p:nvPicPr>
-          <p:cNvPr id="7" name="Picture 6"/>
-          <p:cNvPicPr>
-            <a:picLocks noChangeAspect="1"/>
-          </p:cNvPicPr>
+      <p:sp>
+        <p:nvSpPr>
+          <p:cNvPr id="2" name="Title 1"/>
+          <p:cNvSpPr>
+            <a:spLocks noGrp="1"/>
+          </p:cNvSpPr>
+          <p:nvPr>
+            <p:ph type="title"/>
+          </p:nvPr>
+        </p:nvSpPr>
+        <p:spPr/>
+        <p:txBody>
+          <a:bodyPr/>
+          <a:lstStyle/>
+          <a:p>
+            <a:r>
+              <a:rPr lang="en-GB" dirty="0" smtClean="0"/>
+              <a:t>Using the eyes left and right images</a:t>
+            </a:r>
+            <a:endParaRPr lang="en-GB" dirty="0"/>
+          </a:p>
+        </p:txBody>
+      </p:sp>
+      <p:sp>
+        <p:nvSpPr>
+          <p:cNvPr id="3" name="Content Placeholder 2"/>
+          <p:cNvSpPr>
+            <a:spLocks noGrp="1"/>
+          </p:cNvSpPr>
+          <p:nvPr>
+            <p:ph idx="1"/>
+          </p:nvPr>
+        </p:nvSpPr>
+        <p:spPr>
+          <a:xfrm>
+            <a:off x="110836" y="1524318"/>
+            <a:ext cx="2008250" cy="4601845"/>
+          </a:xfrm>
+        </p:spPr>
+        <p:txBody>
+          <a:bodyPr/>
+          <a:lstStyle/>
+          <a:p>
+            <a:r>
+              <a:rPr lang="en-GB" dirty="0" smtClean="0"/>
+              <a:t>Open the “eyes left” image</a:t>
+            </a:r>
+          </a:p>
+          <a:p>
+            <a:endParaRPr lang="en-GB" dirty="0"/>
+          </a:p>
+          <a:p>
+            <a:r>
+              <a:rPr lang="en-GB" dirty="0" smtClean="0"/>
+              <a:t>Fine tune the contrast using this slider</a:t>
+            </a:r>
+          </a:p>
+          <a:p>
+            <a:endParaRPr lang="en-GB" dirty="0"/>
+          </a:p>
+          <a:p>
+            <a:r>
+              <a:rPr lang="en-GB" dirty="0"/>
+              <a:t>Press NEXT</a:t>
+            </a:r>
+          </a:p>
+          <a:p>
+            <a:endParaRPr lang="en-GB" dirty="0"/>
+          </a:p>
+        </p:txBody>
+      </p:sp>
+      <p:sp>
+        <p:nvSpPr>
+          <p:cNvPr id="4" name="Footer Placeholder 3"/>
+          <p:cNvSpPr>
+            <a:spLocks noGrp="1"/>
+          </p:cNvSpPr>
+          <p:nvPr>
+            <p:ph type="ftr" sz="quarter" idx="11"/>
+          </p:nvPr>
+        </p:nvSpPr>
+        <p:spPr/>
+        <p:txBody>
+          <a:bodyPr/>
+          <a:lstStyle/>
+          <a:p>
+            <a:r>
+              <a:rPr lang="en-US" smtClean="0"/>
+              <a:t>Copyright © EV3Lessons.com 2016 (Last edit: 9/11/2016)</a:t>
+            </a:r>
+            <a:endParaRPr lang="en-US"/>
+          </a:p>
+        </p:txBody>
+      </p:sp>
+      <p:sp>
+        <p:nvSpPr>
+          <p:cNvPr id="5" name="Slide Number Placeholder 4"/>
+          <p:cNvSpPr>
+            <a:spLocks noGrp="1"/>
+          </p:cNvSpPr>
+          <p:nvPr>
+            <p:ph type="sldNum" sz="quarter" idx="12"/>
+          </p:nvPr>
+        </p:nvSpPr>
+        <p:spPr/>
+        <p:txBody>
+          <a:bodyPr/>
+          <a:lstStyle/>
+          <a:p>
+            <a:fld id="{4DBC7FC8-25FB-FC45-8177-2B991DA6778C}" type="slidenum">
+              <a:rPr lang="en-US" smtClean="0"/>
+              <a:pPr/>
+              <a:t>8</a:t>
+            </a:fld>
+            <a:endParaRPr lang="en-US"/>
+          </a:p>
+        </p:txBody>
+      </p:sp>
+      <p:sp>
+        <p:nvSpPr>
+          <p:cNvPr id="7" name="Oval 6"/>
+          <p:cNvSpPr/>
           <p:nvPr/>
-        </p:nvPicPr>
-        <p:blipFill>
-          <a:blip r:embed="rId3">
-            <a:extLst>
-              <a:ext uri="{28A0092B-C50C-407E-A947-70E740481C1C}">
-                <a14:useLocalDpi xmlns:a14="http://schemas.microsoft.com/office/drawing/2010/main"/>
-              </a:ext>
-            </a:extLst>
-          </a:blip>
-          <a:stretch>
-            <a:fillRect/>
-          </a:stretch>
-        </p:blipFill>
+        </p:nvSpPr>
         <p:spPr>
           <a:xfrm>
-            <a:off x="4975412" y="3939381"/>
-            <a:ext cx="3133005" cy="2234453"/>
-          </a:xfrm>
-          <a:prstGeom prst="rect">
+            <a:off x="1866673" y="2466643"/>
+            <a:ext cx="504825" cy="1377553"/>
+          </a:xfrm>
+          <a:prstGeom prst="ellipse">
             <a:avLst/>
           </a:prstGeom>
-        </p:spPr>
-      </p:pic>
-      <p:pic>
-        <p:nvPicPr>
-          <p:cNvPr id="8" name="Picture 7"/>
-          <p:cNvPicPr>
-            <a:picLocks noChangeAspect="1"/>
-          </p:cNvPicPr>
+          <a:noFill/>
+          <a:ln w="38100">
+            <a:solidFill>
+              <a:srgbClr val="C00000"/>
+            </a:solidFill>
+          </a:ln>
+        </p:spPr>
+        <p:style>
+          <a:lnRef idx="2">
+            <a:schemeClr val="accent1">
+              <a:shade val="50000"/>
+            </a:schemeClr>
+          </a:lnRef>
+          <a:fillRef idx="1">
+            <a:schemeClr val="accent1"/>
+          </a:fillRef>
+          <a:effectRef idx="0">
+            <a:schemeClr val="accent1"/>
+          </a:effectRef>
+          <a:fontRef idx="minor">
+            <a:schemeClr val="lt1"/>
+          </a:fontRef>
+        </p:style>
+        <p:txBody>
+          <a:bodyPr rtlCol="0" anchor="ctr"/>
+          <a:lstStyle/>
+          <a:p>
+            <a:pPr algn="ctr"/>
+            <a:endParaRPr lang="en-GB"/>
+          </a:p>
+        </p:txBody>
+      </p:sp>
+      <p:cxnSp>
+        <p:nvCxnSpPr>
+          <p:cNvPr id="9" name="Straight Arrow Connector 8"/>
+          <p:cNvCxnSpPr>
+            <a:endCxn id="7" idx="2"/>
+          </p:cNvCxnSpPr>
           <p:nvPr/>
-        </p:nvPicPr>
-        <p:blipFill>
-          <a:blip r:embed="rId4">
-            <a:extLst>
-              <a:ext uri="{28A0092B-C50C-407E-A947-70E740481C1C}">
-                <a14:useLocalDpi xmlns:a14="http://schemas.microsoft.com/office/drawing/2010/main"/>
-              </a:ext>
-            </a:extLst>
-          </a:blip>
-          <a:stretch>
-            <a:fillRect/>
-          </a:stretch>
-        </p:blipFill>
-        <p:spPr>
-          <a:xfrm>
-            <a:off x="369718" y="5242634"/>
-            <a:ext cx="4518213" cy="535620"/>
-          </a:xfrm>
-          <a:prstGeom prst="rect">
+        </p:nvCxnSpPr>
+        <p:spPr>
+          <a:xfrm flipV="1">
+            <a:off x="1599863" y="3155420"/>
+            <a:ext cx="266810" cy="292536"/>
+          </a:xfrm>
+          <a:prstGeom prst="straightConnector1">
             <a:avLst/>
           </a:prstGeom>
-        </p:spPr>
-      </p:pic>
+          <a:ln w="38100">
+            <a:solidFill>
+              <a:srgbClr val="C00000"/>
+            </a:solidFill>
+            <a:tailEnd type="triangle"/>
+          </a:ln>
+        </p:spPr>
+        <p:style>
+          <a:lnRef idx="1">
+            <a:schemeClr val="accent1"/>
+          </a:lnRef>
+          <a:fillRef idx="0">
+            <a:schemeClr val="accent1"/>
+          </a:fillRef>
+          <a:effectRef idx="0">
+            <a:schemeClr val="accent1"/>
+          </a:effectRef>
+          <a:fontRef idx="minor">
+            <a:schemeClr val="tx1"/>
+          </a:fontRef>
+        </p:style>
+      </p:cxnSp>
+      <p:cxnSp>
+        <p:nvCxnSpPr>
+          <p:cNvPr id="12" name="Straight Arrow Connector 11"/>
+          <p:cNvCxnSpPr>
+            <a:endCxn id="13" idx="2"/>
+          </p:cNvCxnSpPr>
+          <p:nvPr/>
+        </p:nvCxnSpPr>
+        <p:spPr>
+          <a:xfrm flipV="1">
+            <a:off x="1738199" y="3682523"/>
+            <a:ext cx="6356292" cy="951033"/>
+          </a:xfrm>
+          <a:prstGeom prst="straightConnector1">
+            <a:avLst/>
+          </a:prstGeom>
+          <a:ln w="38100">
+            <a:solidFill>
+              <a:srgbClr val="C00000"/>
+            </a:solidFill>
+            <a:tailEnd type="triangle"/>
+          </a:ln>
+        </p:spPr>
+        <p:style>
+          <a:lnRef idx="1">
+            <a:schemeClr val="accent1"/>
+          </a:lnRef>
+          <a:fillRef idx="0">
+            <a:schemeClr val="accent1"/>
+          </a:fillRef>
+          <a:effectRef idx="0">
+            <a:schemeClr val="accent1"/>
+          </a:effectRef>
+          <a:fontRef idx="minor">
+            <a:schemeClr val="tx1"/>
+          </a:fontRef>
+        </p:style>
+      </p:cxnSp>
+      <p:sp>
+        <p:nvSpPr>
+          <p:cNvPr id="13" name="Oval 12"/>
+          <p:cNvSpPr/>
+          <p:nvPr/>
+        </p:nvSpPr>
+        <p:spPr>
+          <a:xfrm>
+            <a:off x="8094491" y="3525360"/>
+            <a:ext cx="504825" cy="314325"/>
+          </a:xfrm>
+          <a:prstGeom prst="ellipse">
+            <a:avLst/>
+          </a:prstGeom>
+          <a:noFill/>
+          <a:ln w="38100">
+            <a:solidFill>
+              <a:srgbClr val="C00000"/>
+            </a:solidFill>
+          </a:ln>
+        </p:spPr>
+        <p:style>
+          <a:lnRef idx="2">
+            <a:schemeClr val="accent1">
+              <a:shade val="50000"/>
+            </a:schemeClr>
+          </a:lnRef>
+          <a:fillRef idx="1">
+            <a:schemeClr val="accent1"/>
+          </a:fillRef>
+          <a:effectRef idx="0">
+            <a:schemeClr val="accent1"/>
+          </a:effectRef>
+          <a:fontRef idx="minor">
+            <a:schemeClr val="lt1"/>
+          </a:fontRef>
+        </p:style>
+        <p:txBody>
+          <a:bodyPr rtlCol="0" anchor="ctr"/>
+          <a:lstStyle/>
+          <a:p>
+            <a:pPr algn="ctr"/>
+            <a:endParaRPr lang="en-GB"/>
+          </a:p>
+        </p:txBody>
+      </p:sp>
     </p:spTree>
     <p:extLst>
       <p:ext uri="{BB962C8B-B14F-4D97-AF65-F5344CB8AC3E}">
-        <p14:creationId xmlns:p14="http://schemas.microsoft.com/office/powerpoint/2010/main" val="994621121"/>
+        <p14:creationId xmlns="" xmlns:p14="http://schemas.microsoft.com/office/powerpoint/2010/main" val="3595856800"/>
       </p:ext>
     </p:extLst>
   </p:cSld>
@@ -13367,10 +15132,9 @@
           <a:lstStyle/>
           <a:p>
             <a:r>
-              <a:rPr lang="en-US" dirty="0" smtClean="0"/>
-              <a:t>ADDING CUSTOM SOUNDS</a:t>
-            </a:r>
-            <a:endParaRPr lang="en-US" dirty="0"/>
+              <a:rPr lang="en-GB" dirty="0"/>
+              <a:t>Using the eyes left and right images</a:t>
+            </a:r>
           </a:p>
         </p:txBody>
       </p:sp>
@@ -13386,42 +15150,45 @@
         </p:nvSpPr>
         <p:spPr>
           <a:xfrm>
-            <a:off x="457200" y="1752600"/>
-            <a:ext cx="4518212" cy="4373563"/>
-          </a:xfrm>
-        </p:spPr>
-        <p:txBody>
-          <a:bodyPr/>
-          <a:lstStyle/>
-          <a:p>
-            <a:r>
-              <a:rPr lang="en-US" dirty="0" smtClean="0"/>
-              <a:t>STEP 3: The sound you selected will appear in the editor</a:t>
-            </a:r>
-          </a:p>
-          <a:p>
-            <a:endParaRPr lang="en-US" dirty="0"/>
-          </a:p>
-          <a:p>
-            <a:endParaRPr lang="en-US" dirty="0" smtClean="0"/>
-          </a:p>
-          <a:p>
-            <a:endParaRPr lang="en-US" dirty="0"/>
-          </a:p>
-          <a:p>
-            <a:r>
-              <a:rPr lang="en-US" dirty="0" smtClean="0"/>
-              <a:t>STEP 4: Move the </a:t>
-            </a:r>
-            <a:r>
-              <a:rPr lang="en-US" dirty="0"/>
-              <a:t>b</a:t>
-            </a:r>
-            <a:r>
-              <a:rPr lang="en-US" dirty="0" smtClean="0"/>
-              <a:t>lue bar to change the size of the clip</a:t>
-            </a:r>
-            <a:endParaRPr lang="en-US" dirty="0"/>
+            <a:off x="221674" y="2646218"/>
+            <a:ext cx="2092036" cy="3479945"/>
+          </a:xfrm>
+        </p:spPr>
+        <p:txBody>
+          <a:bodyPr/>
+          <a:lstStyle/>
+          <a:p>
+            <a:r>
+              <a:rPr lang="en-GB" dirty="0" smtClean="0"/>
+              <a:t>Press the CLOSE button</a:t>
+            </a:r>
+          </a:p>
+          <a:p>
+            <a:endParaRPr lang="en-GB" dirty="0"/>
+          </a:p>
+          <a:p>
+            <a:r>
+              <a:rPr lang="en-GB" dirty="0" smtClean="0"/>
+              <a:t>Select Save</a:t>
+            </a:r>
+          </a:p>
+          <a:p>
+            <a:endParaRPr lang="en-GB" dirty="0"/>
+          </a:p>
+          <a:p>
+            <a:r>
+              <a:rPr lang="en-GB" dirty="0" smtClean="0"/>
+              <a:t>Save the image with a sensible name suck as “</a:t>
+            </a:r>
+            <a:r>
+              <a:rPr lang="en-GB" dirty="0" err="1" smtClean="0"/>
+              <a:t>EyesLeft</a:t>
+            </a:r>
+            <a:r>
+              <a:rPr lang="en-GB" dirty="0" smtClean="0"/>
+              <a:t>”</a:t>
+            </a:r>
+            <a:endParaRPr lang="en-GB" dirty="0"/>
           </a:p>
         </p:txBody>
       </p:sp>
@@ -13465,6 +15232,7 @@
           <a:p>
             <a:fld id="{4DBC7FC8-25FB-FC45-8177-2B991DA6778C}" type="slidenum">
               <a:rPr lang="en-US" smtClean="0"/>
+              <a:pPr/>
               <a:t>9</a:t>
             </a:fld>
             <a:endParaRPr lang="en-US"/>
@@ -13473,82 +15241,45 @@
       </p:sp>
       <p:pic>
         <p:nvPicPr>
-          <p:cNvPr id="8" name="Picture 7"/>
+          <p:cNvPr id="6" name="Picture 5"/>
           <p:cNvPicPr>
             <a:picLocks noChangeAspect="1"/>
           </p:cNvPicPr>
           <p:nvPr/>
         </p:nvPicPr>
-        <p:blipFill>
-          <a:blip r:embed="rId3">
-            <a:extLst>
-              <a:ext uri="{28A0092B-C50C-407E-A947-70E740481C1C}">
-                <a14:useLocalDpi xmlns:a14="http://schemas.microsoft.com/office/drawing/2010/main"/>
-              </a:ext>
-            </a:extLst>
-          </a:blip>
-          <a:stretch>
-            <a:fillRect/>
-          </a:stretch>
+        <p:blipFill rotWithShape="1">
+          <a:blip r:embed="rId2"/>
+          <a:srcRect l="14222" t="12026" r="14009" b="12784"/>
+          <a:stretch/>
         </p:blipFill>
         <p:spPr>
           <a:xfrm>
-            <a:off x="5311588" y="1524318"/>
-            <a:ext cx="3270062" cy="2380538"/>
+            <a:off x="2416590" y="2038460"/>
+            <a:ext cx="6491883" cy="3823854"/>
           </a:xfrm>
           <a:prstGeom prst="rect">
             <a:avLst/>
           </a:prstGeom>
         </p:spPr>
       </p:pic>
-      <p:pic>
-        <p:nvPicPr>
-          <p:cNvPr id="9" name="Picture 8"/>
-          <p:cNvPicPr>
-            <a:picLocks noChangeAspect="1"/>
-          </p:cNvPicPr>
-          <p:nvPr/>
-        </p:nvPicPr>
-        <p:blipFill>
-          <a:blip r:embed="rId4">
-            <a:extLst>
-              <a:ext uri="{28A0092B-C50C-407E-A947-70E740481C1C}">
-                <a14:useLocalDpi xmlns:a14="http://schemas.microsoft.com/office/drawing/2010/main"/>
-              </a:ext>
-            </a:extLst>
-          </a:blip>
-          <a:stretch>
-            <a:fillRect/>
-          </a:stretch>
-        </p:blipFill>
-        <p:spPr>
-          <a:xfrm>
-            <a:off x="5311588" y="4080033"/>
-            <a:ext cx="3327685" cy="2392846"/>
-          </a:xfrm>
-          <a:prstGeom prst="rect">
-            <a:avLst/>
-          </a:prstGeom>
-        </p:spPr>
-      </p:pic>
-      <p:sp>
-        <p:nvSpPr>
-          <p:cNvPr id="11" name="Rounded Rectangle 10"/>
+      <p:sp>
+        <p:nvSpPr>
+          <p:cNvPr id="7" name="Oval 6"/>
           <p:cNvSpPr/>
           <p:nvPr/>
         </p:nvSpPr>
         <p:spPr>
           <a:xfrm>
-            <a:off x="6750424" y="4316506"/>
-            <a:ext cx="1008529" cy="349623"/>
-          </a:xfrm>
-          <a:prstGeom prst="roundRect">
+            <a:off x="8346903" y="5597834"/>
+            <a:ext cx="504825" cy="229222"/>
+          </a:xfrm>
+          <a:prstGeom prst="ellipse">
             <a:avLst/>
           </a:prstGeom>
           <a:noFill/>
-          <a:ln>
+          <a:ln w="38100">
             <a:solidFill>
-              <a:srgbClr val="FF0000"/>
+              <a:srgbClr val="C00000"/>
             </a:solidFill>
           </a:ln>
         </p:spPr>
@@ -13573,14 +15304,134 @@
           <a:lstStyle/>
           <a:p>
             <a:pPr algn="ctr"/>
-            <a:endParaRPr lang="en-US"/>
-          </a:p>
-        </p:txBody>
-      </p:sp>
+            <a:endParaRPr lang="en-GB"/>
+          </a:p>
+        </p:txBody>
+      </p:sp>
+      <p:sp>
+        <p:nvSpPr>
+          <p:cNvPr id="8" name="Oval 7"/>
+          <p:cNvSpPr/>
+          <p:nvPr/>
+        </p:nvSpPr>
+        <p:spPr>
+          <a:xfrm>
+            <a:off x="5271216" y="5118633"/>
+            <a:ext cx="519984" cy="314325"/>
+          </a:xfrm>
+          <a:prstGeom prst="ellipse">
+            <a:avLst/>
+          </a:prstGeom>
+          <a:noFill/>
+          <a:ln w="38100">
+            <a:solidFill>
+              <a:srgbClr val="C00000"/>
+            </a:solidFill>
+          </a:ln>
+        </p:spPr>
+        <p:style>
+          <a:lnRef idx="2">
+            <a:schemeClr val="accent1">
+              <a:shade val="50000"/>
+            </a:schemeClr>
+          </a:lnRef>
+          <a:fillRef idx="1">
+            <a:schemeClr val="accent1"/>
+          </a:fillRef>
+          <a:effectRef idx="0">
+            <a:schemeClr val="accent1"/>
+          </a:effectRef>
+          <a:fontRef idx="minor">
+            <a:schemeClr val="lt1"/>
+          </a:fontRef>
+        </p:style>
+        <p:txBody>
+          <a:bodyPr rtlCol="0" anchor="ctr"/>
+          <a:lstStyle/>
+          <a:p>
+            <a:pPr algn="ctr"/>
+            <a:endParaRPr lang="en-GB"/>
+          </a:p>
+        </p:txBody>
+      </p:sp>
+      <p:cxnSp>
+        <p:nvCxnSpPr>
+          <p:cNvPr id="9" name="Straight Arrow Connector 8"/>
+          <p:cNvCxnSpPr>
+            <a:endCxn id="7" idx="2"/>
+          </p:cNvCxnSpPr>
+          <p:nvPr/>
+        </p:nvCxnSpPr>
+        <p:spPr>
+          <a:xfrm>
+            <a:off x="1995055" y="2992582"/>
+            <a:ext cx="6351848" cy="2719863"/>
+          </a:xfrm>
+          <a:prstGeom prst="straightConnector1">
+            <a:avLst/>
+          </a:prstGeom>
+          <a:ln w="38100">
+            <a:solidFill>
+              <a:srgbClr val="C00000"/>
+            </a:solidFill>
+            <a:tailEnd type="triangle"/>
+          </a:ln>
+        </p:spPr>
+        <p:style>
+          <a:lnRef idx="1">
+            <a:schemeClr val="accent1"/>
+          </a:lnRef>
+          <a:fillRef idx="0">
+            <a:schemeClr val="accent1"/>
+          </a:fillRef>
+          <a:effectRef idx="0">
+            <a:schemeClr val="accent1"/>
+          </a:effectRef>
+          <a:fontRef idx="minor">
+            <a:schemeClr val="tx1"/>
+          </a:fontRef>
+        </p:style>
+      </p:cxnSp>
+      <p:cxnSp>
+        <p:nvCxnSpPr>
+          <p:cNvPr id="12" name="Straight Arrow Connector 11"/>
+          <p:cNvCxnSpPr/>
+          <p:nvPr/>
+        </p:nvCxnSpPr>
+        <p:spPr>
+          <a:xfrm>
+            <a:off x="1842655" y="4130332"/>
+            <a:ext cx="3428561" cy="1145463"/>
+          </a:xfrm>
+          <a:prstGeom prst="straightConnector1">
+            <a:avLst/>
+          </a:prstGeom>
+          <a:ln w="38100">
+            <a:solidFill>
+              <a:srgbClr val="C00000"/>
+            </a:solidFill>
+            <a:tailEnd type="triangle"/>
+          </a:ln>
+        </p:spPr>
+        <p:style>
+          <a:lnRef idx="1">
+            <a:schemeClr val="accent1"/>
+          </a:lnRef>
+          <a:fillRef idx="0">
+            <a:schemeClr val="accent1"/>
+          </a:fillRef>
+          <a:effectRef idx="0">
+            <a:schemeClr val="accent1"/>
+          </a:effectRef>
+          <a:fontRef idx="minor">
+            <a:schemeClr val="tx1"/>
+          </a:fontRef>
+        </p:style>
+      </p:cxnSp>
     </p:spTree>
     <p:extLst>
       <p:ext uri="{BB962C8B-B14F-4D97-AF65-F5344CB8AC3E}">
-        <p14:creationId xmlns:p14="http://schemas.microsoft.com/office/powerpoint/2010/main" val="1093098121"/>
+        <p14:creationId xmlns="" xmlns:p14="http://schemas.microsoft.com/office/powerpoint/2010/main" val="906178164"/>
       </p:ext>
     </p:extLst>
   </p:cSld>
@@ -13845,7 +15696,7 @@
   <a:extraClrSchemeLst/>
   <a:extLst>
     <a:ext uri="{05A4C25C-085E-4340-85A3-A5531E510DB2}">
-      <thm15:themeFamily xmlns:thm15="http://schemas.microsoft.com/office/thememl/2012/main" name="Office Theme" id="{62F939B6-93AF-4DB8-9C6B-D6C7DFDC589F}" vid="{4A3C46E8-61CC-4603-A589-7422A47A8E4A}"/>
+      <thm15:themeFamily xmlns="" xmlns:thm15="http://schemas.microsoft.com/office/thememl/2012/main" name="Office Theme" id="{62F939B6-93AF-4DB8-9C6B-D6C7DFDC589F}" vid="{4A3C46E8-61CC-4603-A589-7422A47A8E4A}"/>
     </a:ext>
   </a:extLst>
 </a:theme>
@@ -14103,7 +15954,7 @@
   <a:extraClrSchemeLst/>
   <a:extLst>
     <a:ext uri="{05A4C25C-085E-4340-85A3-A5531E510DB2}">
-      <thm15:themeFamily xmlns:thm15="http://schemas.microsoft.com/office/thememl/2012/main" name="beginner" id="{AEF29D72-34CC-C448-A679-08550D2D21D1}" vid="{04B54D62-7BE5-DF47-9F85-5B9FEF4E3E09}"/>
+      <thm15:themeFamily xmlns="" xmlns:thm15="http://schemas.microsoft.com/office/thememl/2012/main" name="beginner" id="{AEF29D72-34CC-C448-A679-08550D2D21D1}" vid="{04B54D62-7BE5-DF47-9F85-5B9FEF4E3E09}"/>
     </a:ext>
   </a:extLst>
 </a:theme>
@@ -14364,7 +16215,7 @@
   <a:extraClrSchemeLst/>
   <a:extLst>
     <a:ext uri="{05A4C25C-085E-4340-85A3-A5531E510DB2}">
-      <thm15:themeFamily xmlns:thm15="http://schemas.microsoft.com/office/thememl/2012/main" name="Office Theme" id="{62F939B6-93AF-4DB8-9C6B-D6C7DFDC589F}" vid="{4A3C46E8-61CC-4603-A589-7422A47A8E4A}"/>
+      <thm15:themeFamily xmlns="" xmlns:thm15="http://schemas.microsoft.com/office/thememl/2012/main" name="Office Theme" id="{62F939B6-93AF-4DB8-9C6B-D6C7DFDC589F}" vid="{4A3C46E8-61CC-4603-A589-7422A47A8E4A}"/>
     </a:ext>
   </a:extLst>
 </a:theme>

--- a/_site/15lego/CustomImagesSounds.pptx
+++ b/_site/15lego/CustomImagesSounds.pptx
@@ -129,7 +129,7 @@
   </p:defaultTextStyle>
   <p:extLst>
     <p:ext uri="{EFAFB233-063F-42B5-8137-9DF3F51BA10A}">
-      <p15:sldGuideLst xmlns="" xmlns:p15="http://schemas.microsoft.com/office/powerpoint/2012/main">
+      <p15:sldGuideLst xmlns:p15="http://schemas.microsoft.com/office/powerpoint/2012/main">
         <p15:guide id="1" orient="horz" pos="2160">
           <p15:clr>
             <a:srgbClr val="A4A3A4"/>
@@ -229,7 +229,7 @@
             <a:fld id="{F8D9B3D7-15CB-9343-AA49-EFB5A8F33F18}" type="datetimeFigureOut">
               <a:rPr lang="en-US" smtClean="0"/>
               <a:pPr/>
-              <a:t>3/13/2019</a:t>
+              <a:t>3/15/2019</a:t>
             </a:fld>
             <a:endParaRPr lang="en-US"/>
           </a:p>
@@ -305,7 +305,7 @@
     </p:spTree>
     <p:extLst>
       <p:ext uri="{BB962C8B-B14F-4D97-AF65-F5344CB8AC3E}">
-        <p14:creationId xmlns="" xmlns:p14="http://schemas.microsoft.com/office/powerpoint/2010/main" val="3300303276"/>
+        <p14:creationId xmlns:p14="http://schemas.microsoft.com/office/powerpoint/2010/main" val="3300303276"/>
       </p:ext>
     </p:extLst>
   </p:cSld>
@@ -397,7 +397,7 @@
             <a:fld id="{FD3EFF1E-85A1-6640-AFB9-C38833E80A84}" type="datetimeFigureOut">
               <a:rPr lang="en-US" smtClean="0"/>
               <a:pPr/>
-              <a:t>3/13/2019</a:t>
+              <a:t>3/15/2019</a:t>
             </a:fld>
             <a:endParaRPr lang="en-US"/>
           </a:p>
@@ -566,7 +566,7 @@
     </p:spTree>
     <p:extLst>
       <p:ext uri="{BB962C8B-B14F-4D97-AF65-F5344CB8AC3E}">
-        <p14:creationId xmlns="" xmlns:p14="http://schemas.microsoft.com/office/powerpoint/2010/main" val="2489184269"/>
+        <p14:creationId xmlns:p14="http://schemas.microsoft.com/office/powerpoint/2010/main" val="2489184269"/>
       </p:ext>
     </p:extLst>
   </p:cSld>
@@ -742,7 +742,7 @@
     </p:spTree>
     <p:extLst>
       <p:ext uri="{BB962C8B-B14F-4D97-AF65-F5344CB8AC3E}">
-        <p14:creationId xmlns="" xmlns:p14="http://schemas.microsoft.com/office/powerpoint/2010/main" val="304404034"/>
+        <p14:creationId xmlns:p14="http://schemas.microsoft.com/office/powerpoint/2010/main" val="304404034"/>
       </p:ext>
     </p:extLst>
   </p:cSld>
@@ -827,7 +827,7 @@
     </p:spTree>
     <p:extLst>
       <p:ext uri="{BB962C8B-B14F-4D97-AF65-F5344CB8AC3E}">
-        <p14:creationId xmlns="" xmlns:p14="http://schemas.microsoft.com/office/powerpoint/2010/main" val="927186106"/>
+        <p14:creationId xmlns:p14="http://schemas.microsoft.com/office/powerpoint/2010/main" val="927186106"/>
       </p:ext>
     </p:extLst>
   </p:cSld>
@@ -912,7 +912,7 @@
     </p:spTree>
     <p:extLst>
       <p:ext uri="{BB962C8B-B14F-4D97-AF65-F5344CB8AC3E}">
-        <p14:creationId xmlns="" xmlns:p14="http://schemas.microsoft.com/office/powerpoint/2010/main" val="792719025"/>
+        <p14:creationId xmlns:p14="http://schemas.microsoft.com/office/powerpoint/2010/main" val="792719025"/>
       </p:ext>
     </p:extLst>
   </p:cSld>
@@ -1054,7 +1054,7 @@
             <a:fld id="{C5906764-F429-4C44-ADEB-B5A320935278}" type="datetime1">
               <a:rPr lang="en-US" smtClean="0"/>
               <a:pPr/>
-              <a:t>3/13/2019</a:t>
+              <a:t>3/15/2019</a:t>
             </a:fld>
             <a:endParaRPr lang="en-US"/>
           </a:p>
@@ -1110,7 +1110,7 @@
     </p:spTree>
     <p:extLst>
       <p:ext uri="{BB962C8B-B14F-4D97-AF65-F5344CB8AC3E}">
-        <p14:creationId xmlns="" xmlns:p14="http://schemas.microsoft.com/office/powerpoint/2010/main" val="1253788813"/>
+        <p14:creationId xmlns:p14="http://schemas.microsoft.com/office/powerpoint/2010/main" val="1253788813"/>
       </p:ext>
     </p:extLst>
   </p:cSld>
@@ -1230,7 +1230,7 @@
             <a:fld id="{4803ACA8-12DB-8B44-97BF-01F943EC24A2}" type="datetime1">
               <a:rPr lang="en-US" smtClean="0"/>
               <a:pPr/>
-              <a:t>3/13/2019</a:t>
+              <a:t>3/15/2019</a:t>
             </a:fld>
             <a:endParaRPr lang="en-US"/>
           </a:p>
@@ -1286,7 +1286,7 @@
     </p:spTree>
     <p:extLst>
       <p:ext uri="{BB962C8B-B14F-4D97-AF65-F5344CB8AC3E}">
-        <p14:creationId xmlns="" xmlns:p14="http://schemas.microsoft.com/office/powerpoint/2010/main" val="551884110"/>
+        <p14:creationId xmlns:p14="http://schemas.microsoft.com/office/powerpoint/2010/main" val="551884110"/>
       </p:ext>
     </p:extLst>
   </p:cSld>
@@ -1416,7 +1416,7 @@
             <a:fld id="{47416F98-2860-C14A-AF64-9DD6EA1C6F2B}" type="datetime1">
               <a:rPr lang="en-US" smtClean="0"/>
               <a:pPr/>
-              <a:t>3/13/2019</a:t>
+              <a:t>3/15/2019</a:t>
             </a:fld>
             <a:endParaRPr lang="en-US"/>
           </a:p>
@@ -1472,7 +1472,7 @@
     </p:spTree>
     <p:extLst>
       <p:ext uri="{BB962C8B-B14F-4D97-AF65-F5344CB8AC3E}">
-        <p14:creationId xmlns="" xmlns:p14="http://schemas.microsoft.com/office/powerpoint/2010/main" val="1425517541"/>
+        <p14:creationId xmlns:p14="http://schemas.microsoft.com/office/powerpoint/2010/main" val="1425517541"/>
       </p:ext>
     </p:extLst>
   </p:cSld>
@@ -1635,7 +1635,7 @@
             <a:fld id="{B7B15D7F-7ADA-2E40-9DD6-22F5B14DE3EC}" type="datetime1">
               <a:rPr lang="en-US" smtClean="0"/>
               <a:pPr/>
-              <a:t>3/13/2019</a:t>
+              <a:t>3/15/2019</a:t>
             </a:fld>
             <a:endParaRPr lang="en-US"/>
           </a:p>
@@ -1835,7 +1835,7 @@
           <a:blip r:embed="rId2">
             <a:extLst>
               <a:ext uri="{28A0092B-C50C-407E-A947-70E740481C1C}">
-                <a14:useLocalDpi xmlns="" xmlns:a14="http://schemas.microsoft.com/office/drawing/2010/main"/>
+                <a14:useLocalDpi xmlns:a14="http://schemas.microsoft.com/office/drawing/2010/main"/>
               </a:ext>
             </a:extLst>
           </a:blip>
@@ -1855,7 +1855,7 @@
           <a:noFill/>
           <a:extLst>
             <a:ext uri="{909E8E84-426E-40dd-AFC4-6F175D3DCCD1}">
-              <a14:hiddenFill xmlns="" xmlns:a14="http://schemas.microsoft.com/office/drawing/2010/main">
+              <a14:hiddenFill xmlns:a14="http://schemas.microsoft.com/office/drawing/2010/main" xmlns="">
                 <a:solidFill>
                   <a:srgbClr val="FFFFFF"/>
                 </a:solidFill>
@@ -2051,7 +2051,7 @@
     </p:spTree>
     <p:extLst>
       <p:ext uri="{BB962C8B-B14F-4D97-AF65-F5344CB8AC3E}">
-        <p14:creationId xmlns="" xmlns:p14="http://schemas.microsoft.com/office/powerpoint/2010/main" val="1528070401"/>
+        <p14:creationId xmlns:p14="http://schemas.microsoft.com/office/powerpoint/2010/main" val="1528070401"/>
       </p:ext>
     </p:extLst>
   </p:cSld>
@@ -2188,7 +2188,7 @@
             <a:fld id="{83F14012-E28D-9A48-BCC4-57A934C9C6E8}" type="datetime1">
               <a:rPr lang="en-US" smtClean="0"/>
               <a:pPr/>
-              <a:t>3/13/2019</a:t>
+              <a:t>3/15/2019</a:t>
             </a:fld>
             <a:endParaRPr lang="en-US"/>
           </a:p>
@@ -2252,7 +2252,7 @@
     </p:spTree>
     <p:extLst>
       <p:ext uri="{BB962C8B-B14F-4D97-AF65-F5344CB8AC3E}">
-        <p14:creationId xmlns="" xmlns:p14="http://schemas.microsoft.com/office/powerpoint/2010/main" val="522295134"/>
+        <p14:creationId xmlns:p14="http://schemas.microsoft.com/office/powerpoint/2010/main" val="522295134"/>
       </p:ext>
     </p:extLst>
   </p:cSld>
@@ -2463,7 +2463,7 @@
             <a:fld id="{243D60F1-77FD-D44D-9E5E-E014199770CF}" type="datetime1">
               <a:rPr lang="en-US" smtClean="0"/>
               <a:pPr/>
-              <a:t>3/13/2019</a:t>
+              <a:t>3/15/2019</a:t>
             </a:fld>
             <a:endParaRPr lang="en-US"/>
           </a:p>
@@ -2527,7 +2527,7 @@
     </p:spTree>
     <p:extLst>
       <p:ext uri="{BB962C8B-B14F-4D97-AF65-F5344CB8AC3E}">
-        <p14:creationId xmlns="" xmlns:p14="http://schemas.microsoft.com/office/powerpoint/2010/main" val="1448651849"/>
+        <p14:creationId xmlns:p14="http://schemas.microsoft.com/office/powerpoint/2010/main" val="1448651849"/>
       </p:ext>
     </p:extLst>
   </p:cSld>
@@ -2770,7 +2770,7 @@
             <a:fld id="{F5E885EC-A4C8-CF40-A44C-EFD9D1FFC1BF}" type="datetime1">
               <a:rPr lang="en-US" smtClean="0"/>
               <a:pPr/>
-              <a:t>3/13/2019</a:t>
+              <a:t>3/15/2019</a:t>
             </a:fld>
             <a:endParaRPr lang="en-US"/>
           </a:p>
@@ -2834,7 +2834,7 @@
     </p:spTree>
     <p:extLst>
       <p:ext uri="{BB962C8B-B14F-4D97-AF65-F5344CB8AC3E}">
-        <p14:creationId xmlns="" xmlns:p14="http://schemas.microsoft.com/office/powerpoint/2010/main" val="1469520104"/>
+        <p14:creationId xmlns:p14="http://schemas.microsoft.com/office/powerpoint/2010/main" val="1469520104"/>
       </p:ext>
     </p:extLst>
   </p:cSld>
@@ -3235,7 +3235,7 @@
             <a:fld id="{83FE5C94-0AE4-EC4D-849C-F3F15553512B}" type="datetime1">
               <a:rPr lang="en-US" smtClean="0"/>
               <a:pPr/>
-              <a:t>3/13/2019</a:t>
+              <a:t>3/15/2019</a:t>
             </a:fld>
             <a:endParaRPr lang="en-US"/>
           </a:p>
@@ -3299,7 +3299,7 @@
     </p:spTree>
     <p:extLst>
       <p:ext uri="{BB962C8B-B14F-4D97-AF65-F5344CB8AC3E}">
-        <p14:creationId xmlns="" xmlns:p14="http://schemas.microsoft.com/office/powerpoint/2010/main" val="14963781"/>
+        <p14:creationId xmlns:p14="http://schemas.microsoft.com/office/powerpoint/2010/main" val="14963781"/>
       </p:ext>
     </p:extLst>
   </p:cSld>
@@ -3374,7 +3374,7 @@
             <a:fld id="{CE10C574-2A10-7440-97F3-F98AF176B58D}" type="datetime1">
               <a:rPr lang="en-US" smtClean="0"/>
               <a:pPr/>
-              <a:t>3/13/2019</a:t>
+              <a:t>3/15/2019</a:t>
             </a:fld>
             <a:endParaRPr lang="en-US"/>
           </a:p>
@@ -3438,7 +3438,7 @@
     </p:spTree>
     <p:extLst>
       <p:ext uri="{BB962C8B-B14F-4D97-AF65-F5344CB8AC3E}">
-        <p14:creationId xmlns="" xmlns:p14="http://schemas.microsoft.com/office/powerpoint/2010/main" val="240680568"/>
+        <p14:creationId xmlns:p14="http://schemas.microsoft.com/office/powerpoint/2010/main" val="240680568"/>
       </p:ext>
     </p:extLst>
   </p:cSld>
@@ -3490,7 +3490,7 @@
             <a:fld id="{5D07429F-C207-3E4C-AB22-F6754E74C9A1}" type="datetime1">
               <a:rPr lang="en-US" smtClean="0"/>
               <a:pPr/>
-              <a:t>3/13/2019</a:t>
+              <a:t>3/15/2019</a:t>
             </a:fld>
             <a:endParaRPr lang="en-US"/>
           </a:p>
@@ -3554,7 +3554,7 @@
     </p:spTree>
     <p:extLst>
       <p:ext uri="{BB962C8B-B14F-4D97-AF65-F5344CB8AC3E}">
-        <p14:creationId xmlns="" xmlns:p14="http://schemas.microsoft.com/office/powerpoint/2010/main" val="1406599075"/>
+        <p14:creationId xmlns:p14="http://schemas.microsoft.com/office/powerpoint/2010/main" val="1406599075"/>
       </p:ext>
     </p:extLst>
   </p:cSld>
@@ -3751,7 +3751,7 @@
             <a:fld id="{8B30D5C9-295A-EA42-A1AB-104FF1EA1A60}" type="datetime1">
               <a:rPr lang="en-US" smtClean="0"/>
               <a:pPr/>
-              <a:t>3/13/2019</a:t>
+              <a:t>3/15/2019</a:t>
             </a:fld>
             <a:endParaRPr lang="en-US"/>
           </a:p>
@@ -3838,7 +3838,7 @@
     </p:spTree>
     <p:extLst>
       <p:ext uri="{BB962C8B-B14F-4D97-AF65-F5344CB8AC3E}">
-        <p14:creationId xmlns="" xmlns:p14="http://schemas.microsoft.com/office/powerpoint/2010/main" val="1210667349"/>
+        <p14:creationId xmlns:p14="http://schemas.microsoft.com/office/powerpoint/2010/main" val="1210667349"/>
       </p:ext>
     </p:extLst>
   </p:cSld>
@@ -3958,7 +3958,7 @@
             <a:fld id="{F72E9FFC-D20E-A049-80CF-66E6155070CC}" type="datetime1">
               <a:rPr lang="en-US" smtClean="0"/>
               <a:pPr/>
-              <a:t>3/13/2019</a:t>
+              <a:t>3/15/2019</a:t>
             </a:fld>
             <a:endParaRPr lang="en-US"/>
           </a:p>
@@ -4014,7 +4014,7 @@
     </p:spTree>
     <p:extLst>
       <p:ext uri="{BB962C8B-B14F-4D97-AF65-F5344CB8AC3E}">
-        <p14:creationId xmlns="" xmlns:p14="http://schemas.microsoft.com/office/powerpoint/2010/main" val="909324448"/>
+        <p14:creationId xmlns:p14="http://schemas.microsoft.com/office/powerpoint/2010/main" val="909324448"/>
       </p:ext>
     </p:extLst>
   </p:cSld>
@@ -4240,7 +4240,7 @@
             <a:fld id="{FB650C1D-DE7E-8942-81F9-ADF982A10F6E}" type="datetime1">
               <a:rPr lang="en-US" smtClean="0"/>
               <a:pPr/>
-              <a:t>3/13/2019</a:t>
+              <a:t>3/15/2019</a:t>
             </a:fld>
             <a:endParaRPr lang="en-US"/>
           </a:p>
@@ -4392,7 +4392,7 @@
     </p:spTree>
     <p:extLst>
       <p:ext uri="{BB962C8B-B14F-4D97-AF65-F5344CB8AC3E}">
-        <p14:creationId xmlns="" xmlns:p14="http://schemas.microsoft.com/office/powerpoint/2010/main" val="278579318"/>
+        <p14:creationId xmlns:p14="http://schemas.microsoft.com/office/powerpoint/2010/main" val="278579318"/>
       </p:ext>
     </p:extLst>
   </p:cSld>
@@ -4512,7 +4512,7 @@
             <a:fld id="{A170E993-A3B8-484D-A991-3B7C5ADDE57B}" type="datetime1">
               <a:rPr lang="en-US" smtClean="0"/>
               <a:pPr/>
-              <a:t>3/13/2019</a:t>
+              <a:t>3/15/2019</a:t>
             </a:fld>
             <a:endParaRPr lang="en-US"/>
           </a:p>
@@ -4576,7 +4576,7 @@
     </p:spTree>
     <p:extLst>
       <p:ext uri="{BB962C8B-B14F-4D97-AF65-F5344CB8AC3E}">
-        <p14:creationId xmlns="" xmlns:p14="http://schemas.microsoft.com/office/powerpoint/2010/main" val="568247166"/>
+        <p14:creationId xmlns:p14="http://schemas.microsoft.com/office/powerpoint/2010/main" val="568247166"/>
       </p:ext>
     </p:extLst>
   </p:cSld>
@@ -4706,7 +4706,7 @@
             <a:fld id="{DFB7D3BC-874D-914C-81FD-345F9972F84E}" type="datetime1">
               <a:rPr lang="en-US" smtClean="0"/>
               <a:pPr/>
-              <a:t>3/13/2019</a:t>
+              <a:t>3/15/2019</a:t>
             </a:fld>
             <a:endParaRPr lang="en-US"/>
           </a:p>
@@ -4770,7 +4770,7 @@
     </p:spTree>
     <p:extLst>
       <p:ext uri="{BB962C8B-B14F-4D97-AF65-F5344CB8AC3E}">
-        <p14:creationId xmlns="" xmlns:p14="http://schemas.microsoft.com/office/powerpoint/2010/main" val="670340753"/>
+        <p14:creationId xmlns:p14="http://schemas.microsoft.com/office/powerpoint/2010/main" val="670340753"/>
       </p:ext>
     </p:extLst>
   </p:cSld>
@@ -4912,7 +4912,7 @@
             <a:fld id="{C9C105DF-00F5-CE4B-8212-158B8730C78D}" type="datetime1">
               <a:rPr lang="en-US" smtClean="0"/>
               <a:pPr/>
-              <a:t>3/13/2019</a:t>
+              <a:t>3/15/2019</a:t>
             </a:fld>
             <a:endParaRPr lang="en-US"/>
           </a:p>
@@ -4968,7 +4968,7 @@
     </p:spTree>
     <p:extLst>
       <p:ext uri="{BB962C8B-B14F-4D97-AF65-F5344CB8AC3E}">
-        <p14:creationId xmlns="" xmlns:p14="http://schemas.microsoft.com/office/powerpoint/2010/main" val="2044070564"/>
+        <p14:creationId xmlns:p14="http://schemas.microsoft.com/office/powerpoint/2010/main" val="2044070564"/>
       </p:ext>
     </p:extLst>
   </p:cSld>
@@ -5088,7 +5088,7 @@
             <a:fld id="{2D816061-0097-DB4A-BADE-ABFE5479D517}" type="datetime1">
               <a:rPr lang="en-US" smtClean="0"/>
               <a:pPr/>
-              <a:t>3/13/2019</a:t>
+              <a:t>3/15/2019</a:t>
             </a:fld>
             <a:endParaRPr lang="en-US"/>
           </a:p>
@@ -5144,7 +5144,7 @@
     </p:spTree>
     <p:extLst>
       <p:ext uri="{BB962C8B-B14F-4D97-AF65-F5344CB8AC3E}">
-        <p14:creationId xmlns="" xmlns:p14="http://schemas.microsoft.com/office/powerpoint/2010/main" val="1398068089"/>
+        <p14:creationId xmlns:p14="http://schemas.microsoft.com/office/powerpoint/2010/main" val="1398068089"/>
       </p:ext>
     </p:extLst>
   </p:cSld>
@@ -5340,7 +5340,7 @@
             <a:fld id="{68186CD6-6D6F-9941-BF37-95C55A54112E}" type="datetime1">
               <a:rPr lang="en-US" smtClean="0"/>
               <a:pPr/>
-              <a:t>3/13/2019</a:t>
+              <a:t>3/15/2019</a:t>
             </a:fld>
             <a:endParaRPr lang="en-US"/>
           </a:p>
@@ -5396,7 +5396,7 @@
     </p:spTree>
     <p:extLst>
       <p:ext uri="{BB962C8B-B14F-4D97-AF65-F5344CB8AC3E}">
-        <p14:creationId xmlns="" xmlns:p14="http://schemas.microsoft.com/office/powerpoint/2010/main" val="1711789996"/>
+        <p14:creationId xmlns:p14="http://schemas.microsoft.com/office/powerpoint/2010/main" val="1711789996"/>
       </p:ext>
     </p:extLst>
   </p:cSld>
@@ -5578,7 +5578,7 @@
             <a:fld id="{A40C7E93-6B14-104A-80C2-8CA3B25F04C6}" type="datetime1">
               <a:rPr lang="en-US" smtClean="0"/>
               <a:pPr/>
-              <a:t>3/13/2019</a:t>
+              <a:t>3/15/2019</a:t>
             </a:fld>
             <a:endParaRPr lang="en-US"/>
           </a:p>
@@ -5634,7 +5634,7 @@
     </p:spTree>
     <p:extLst>
       <p:ext uri="{BB962C8B-B14F-4D97-AF65-F5344CB8AC3E}">
-        <p14:creationId xmlns="" xmlns:p14="http://schemas.microsoft.com/office/powerpoint/2010/main" val="216043913"/>
+        <p14:creationId xmlns:p14="http://schemas.microsoft.com/office/powerpoint/2010/main" val="216043913"/>
       </p:ext>
     </p:extLst>
   </p:cSld>
@@ -5951,7 +5951,7 @@
             <a:fld id="{7F4870F6-61A5-7548-80A6-6DE4C4A42405}" type="datetime1">
               <a:rPr lang="en-US" smtClean="0"/>
               <a:pPr/>
-              <a:t>3/13/2019</a:t>
+              <a:t>3/15/2019</a:t>
             </a:fld>
             <a:endParaRPr lang="en-US"/>
           </a:p>
@@ -6007,7 +6007,7 @@
     </p:spTree>
     <p:extLst>
       <p:ext uri="{BB962C8B-B14F-4D97-AF65-F5344CB8AC3E}">
-        <p14:creationId xmlns="" xmlns:p14="http://schemas.microsoft.com/office/powerpoint/2010/main" val="1802682361"/>
+        <p14:creationId xmlns:p14="http://schemas.microsoft.com/office/powerpoint/2010/main" val="1802682361"/>
       </p:ext>
     </p:extLst>
   </p:cSld>
@@ -6075,7 +6075,7 @@
             <a:fld id="{70EC6D47-FCDB-CF4E-8600-40B9B6E1AFD9}" type="datetime1">
               <a:rPr lang="en-US" smtClean="0"/>
               <a:pPr/>
-              <a:t>3/13/2019</a:t>
+              <a:t>3/15/2019</a:t>
             </a:fld>
             <a:endParaRPr lang="en-US"/>
           </a:p>
@@ -6131,7 +6131,7 @@
     </p:spTree>
     <p:extLst>
       <p:ext uri="{BB962C8B-B14F-4D97-AF65-F5344CB8AC3E}">
-        <p14:creationId xmlns="" xmlns:p14="http://schemas.microsoft.com/office/powerpoint/2010/main" val="983149451"/>
+        <p14:creationId xmlns:p14="http://schemas.microsoft.com/office/powerpoint/2010/main" val="983149451"/>
       </p:ext>
     </p:extLst>
   </p:cSld>
@@ -6176,7 +6176,7 @@
             <a:fld id="{4BD332A7-6911-3C47-9447-69E71075A29A}" type="datetime1">
               <a:rPr lang="en-US" smtClean="0"/>
               <a:pPr/>
-              <a:t>3/13/2019</a:t>
+              <a:t>3/15/2019</a:t>
             </a:fld>
             <a:endParaRPr lang="en-US"/>
           </a:p>
@@ -6232,7 +6232,7 @@
     </p:spTree>
     <p:extLst>
       <p:ext uri="{BB962C8B-B14F-4D97-AF65-F5344CB8AC3E}">
-        <p14:creationId xmlns="" xmlns:p14="http://schemas.microsoft.com/office/powerpoint/2010/main" val="1053642939"/>
+        <p14:creationId xmlns:p14="http://schemas.microsoft.com/office/powerpoint/2010/main" val="1053642939"/>
       </p:ext>
     </p:extLst>
   </p:cSld>
@@ -6428,7 +6428,7 @@
             <a:fld id="{AA8DEA82-4C6F-C54E-9349-1248281657E0}" type="datetime1">
               <a:rPr lang="en-US" smtClean="0"/>
               <a:pPr/>
-              <a:t>3/13/2019</a:t>
+              <a:t>3/15/2019</a:t>
             </a:fld>
             <a:endParaRPr lang="en-US"/>
           </a:p>
@@ -6484,7 +6484,7 @@
     </p:spTree>
     <p:extLst>
       <p:ext uri="{BB962C8B-B14F-4D97-AF65-F5344CB8AC3E}">
-        <p14:creationId xmlns="" xmlns:p14="http://schemas.microsoft.com/office/powerpoint/2010/main" val="2018590187"/>
+        <p14:creationId xmlns:p14="http://schemas.microsoft.com/office/powerpoint/2010/main" val="2018590187"/>
       </p:ext>
     </p:extLst>
   </p:cSld>
@@ -6711,7 +6711,7 @@
             <a:fld id="{1F94395E-AFA3-B24B-9321-99D4ECCE0398}" type="datetime1">
               <a:rPr lang="en-US" smtClean="0"/>
               <a:pPr/>
-              <a:t>3/13/2019</a:t>
+              <a:t>3/15/2019</a:t>
             </a:fld>
             <a:endParaRPr lang="en-US"/>
           </a:p>
@@ -6767,7 +6767,7 @@
     </p:spTree>
     <p:extLst>
       <p:ext uri="{BB962C8B-B14F-4D97-AF65-F5344CB8AC3E}">
-        <p14:creationId xmlns="" xmlns:p14="http://schemas.microsoft.com/office/powerpoint/2010/main" val="426722611"/>
+        <p14:creationId xmlns:p14="http://schemas.microsoft.com/office/powerpoint/2010/main" val="426722611"/>
       </p:ext>
     </p:extLst>
   </p:cSld>
@@ -6974,7 +6974,7 @@
             <a:fld id="{E3E0D2C9-5D41-E84B-A11A-6C09FA941CDA}" type="datetime1">
               <a:rPr lang="en-US" smtClean="0"/>
               <a:pPr/>
-              <a:t>3/13/2019</a:t>
+              <a:t>3/15/2019</a:t>
             </a:fld>
             <a:endParaRPr lang="en-US"/>
           </a:p>
@@ -7030,7 +7030,7 @@
     </p:spTree>
     <p:extLst>
       <p:ext uri="{BB962C8B-B14F-4D97-AF65-F5344CB8AC3E}">
-        <p14:creationId xmlns="" xmlns:p14="http://schemas.microsoft.com/office/powerpoint/2010/main" val="1479025744"/>
+        <p14:creationId xmlns:p14="http://schemas.microsoft.com/office/powerpoint/2010/main" val="1479025744"/>
       </p:ext>
     </p:extLst>
   </p:cSld>
@@ -7150,7 +7150,7 @@
             <a:fld id="{72770C3D-50D9-3C40-A1B5-4620EFB563FC}" type="datetime1">
               <a:rPr lang="en-US" smtClean="0"/>
               <a:pPr/>
-              <a:t>3/13/2019</a:t>
+              <a:t>3/15/2019</a:t>
             </a:fld>
             <a:endParaRPr lang="en-US"/>
           </a:p>
@@ -7206,7 +7206,7 @@
     </p:spTree>
     <p:extLst>
       <p:ext uri="{BB962C8B-B14F-4D97-AF65-F5344CB8AC3E}">
-        <p14:creationId xmlns="" xmlns:p14="http://schemas.microsoft.com/office/powerpoint/2010/main" val="862465383"/>
+        <p14:creationId xmlns:p14="http://schemas.microsoft.com/office/powerpoint/2010/main" val="862465383"/>
       </p:ext>
     </p:extLst>
   </p:cSld>
@@ -7336,7 +7336,7 @@
             <a:fld id="{C294F105-88F3-A848-A5B1-045E736560B5}" type="datetime1">
               <a:rPr lang="en-US" smtClean="0"/>
               <a:pPr/>
-              <a:t>3/13/2019</a:t>
+              <a:t>3/15/2019</a:t>
             </a:fld>
             <a:endParaRPr lang="en-US"/>
           </a:p>
@@ -7392,7 +7392,7 @@
     </p:spTree>
     <p:extLst>
       <p:ext uri="{BB962C8B-B14F-4D97-AF65-F5344CB8AC3E}">
-        <p14:creationId xmlns="" xmlns:p14="http://schemas.microsoft.com/office/powerpoint/2010/main" val="2088558478"/>
+        <p14:creationId xmlns:p14="http://schemas.microsoft.com/office/powerpoint/2010/main" val="2088558478"/>
       </p:ext>
     </p:extLst>
   </p:cSld>
@@ -7574,7 +7574,7 @@
             <a:fld id="{ACC0E1AD-E6D3-064E-A039-152874CF8A53}" type="datetime1">
               <a:rPr lang="en-US" smtClean="0"/>
               <a:pPr/>
-              <a:t>3/13/2019</a:t>
+              <a:t>3/15/2019</a:t>
             </a:fld>
             <a:endParaRPr lang="en-US"/>
           </a:p>
@@ -7630,7 +7630,7 @@
     </p:spTree>
     <p:extLst>
       <p:ext uri="{BB962C8B-B14F-4D97-AF65-F5344CB8AC3E}">
-        <p14:creationId xmlns="" xmlns:p14="http://schemas.microsoft.com/office/powerpoint/2010/main" val="3912280948"/>
+        <p14:creationId xmlns:p14="http://schemas.microsoft.com/office/powerpoint/2010/main" val="3912280948"/>
       </p:ext>
     </p:extLst>
   </p:cSld>
@@ -7947,7 +7947,7 @@
             <a:fld id="{C99FE2BB-52AC-034D-9826-2542204A9B05}" type="datetime1">
               <a:rPr lang="en-US" smtClean="0"/>
               <a:pPr/>
-              <a:t>3/13/2019</a:t>
+              <a:t>3/15/2019</a:t>
             </a:fld>
             <a:endParaRPr lang="en-US"/>
           </a:p>
@@ -8003,7 +8003,7 @@
     </p:spTree>
     <p:extLst>
       <p:ext uri="{BB962C8B-B14F-4D97-AF65-F5344CB8AC3E}">
-        <p14:creationId xmlns="" xmlns:p14="http://schemas.microsoft.com/office/powerpoint/2010/main" val="972148509"/>
+        <p14:creationId xmlns:p14="http://schemas.microsoft.com/office/powerpoint/2010/main" val="972148509"/>
       </p:ext>
     </p:extLst>
   </p:cSld>
@@ -8071,7 +8071,7 @@
             <a:fld id="{25FAC9C6-1209-EB4E-A016-113DABB47F9F}" type="datetime1">
               <a:rPr lang="en-US" smtClean="0"/>
               <a:pPr/>
-              <a:t>3/13/2019</a:t>
+              <a:t>3/15/2019</a:t>
             </a:fld>
             <a:endParaRPr lang="en-US"/>
           </a:p>
@@ -8127,7 +8127,7 @@
     </p:spTree>
     <p:extLst>
       <p:ext uri="{BB962C8B-B14F-4D97-AF65-F5344CB8AC3E}">
-        <p14:creationId xmlns="" xmlns:p14="http://schemas.microsoft.com/office/powerpoint/2010/main" val="3725393119"/>
+        <p14:creationId xmlns:p14="http://schemas.microsoft.com/office/powerpoint/2010/main" val="3725393119"/>
       </p:ext>
     </p:extLst>
   </p:cSld>
@@ -8172,7 +8172,7 @@
             <a:fld id="{28A59216-2276-7E45-854D-253E78414883}" type="datetime1">
               <a:rPr lang="en-US" smtClean="0"/>
               <a:pPr/>
-              <a:t>3/13/2019</a:t>
+              <a:t>3/15/2019</a:t>
             </a:fld>
             <a:endParaRPr lang="en-US"/>
           </a:p>
@@ -8228,7 +8228,7 @@
     </p:spTree>
     <p:extLst>
       <p:ext uri="{BB962C8B-B14F-4D97-AF65-F5344CB8AC3E}">
-        <p14:creationId xmlns="" xmlns:p14="http://schemas.microsoft.com/office/powerpoint/2010/main" val="4059073685"/>
+        <p14:creationId xmlns:p14="http://schemas.microsoft.com/office/powerpoint/2010/main" val="4059073685"/>
       </p:ext>
     </p:extLst>
   </p:cSld>
@@ -8455,7 +8455,7 @@
             <a:fld id="{88F58525-F76A-BF45-A828-F93739153269}" type="datetime1">
               <a:rPr lang="en-US" smtClean="0"/>
               <a:pPr/>
-              <a:t>3/13/2019</a:t>
+              <a:t>3/15/2019</a:t>
             </a:fld>
             <a:endParaRPr lang="en-US"/>
           </a:p>
@@ -8511,7 +8511,7 @@
     </p:spTree>
     <p:extLst>
       <p:ext uri="{BB962C8B-B14F-4D97-AF65-F5344CB8AC3E}">
-        <p14:creationId xmlns="" xmlns:p14="http://schemas.microsoft.com/office/powerpoint/2010/main" val="339650278"/>
+        <p14:creationId xmlns:p14="http://schemas.microsoft.com/office/powerpoint/2010/main" val="339650278"/>
       </p:ext>
     </p:extLst>
   </p:cSld>
@@ -8714,7 +8714,7 @@
             <a:fld id="{9479E451-AE2E-7741-AD76-2DB529CFFC3A}" type="datetime1">
               <a:rPr lang="en-US" smtClean="0"/>
               <a:pPr/>
-              <a:t>3/13/2019</a:t>
+              <a:t>3/15/2019</a:t>
             </a:fld>
             <a:endParaRPr lang="en-US"/>
           </a:p>
@@ -8770,7 +8770,7 @@
     </p:spTree>
     <p:extLst>
       <p:ext uri="{BB962C8B-B14F-4D97-AF65-F5344CB8AC3E}">
-        <p14:creationId xmlns="" xmlns:p14="http://schemas.microsoft.com/office/powerpoint/2010/main" val="261275509"/>
+        <p14:creationId xmlns:p14="http://schemas.microsoft.com/office/powerpoint/2010/main" val="261275509"/>
       </p:ext>
     </p:extLst>
   </p:cSld>
@@ -8933,7 +8933,7 @@
             <a:fld id="{A3931BFD-E9D8-F54D-B5D5-5ACD5AC0655E}" type="datetime1">
               <a:rPr lang="en-US" smtClean="0"/>
               <a:pPr/>
-              <a:t>3/13/2019</a:t>
+              <a:t>3/15/2019</a:t>
             </a:fld>
             <a:endParaRPr lang="en-US"/>
           </a:p>
@@ -9025,7 +9025,7 @@
     </p:spTree>
     <p:extLst>
       <p:ext uri="{BB962C8B-B14F-4D97-AF65-F5344CB8AC3E}">
-        <p14:creationId xmlns="" xmlns:p14="http://schemas.microsoft.com/office/powerpoint/2010/main" val="3556437462"/>
+        <p14:creationId xmlns:p14="http://schemas.microsoft.com/office/powerpoint/2010/main" val="3556437462"/>
       </p:ext>
     </p:extLst>
   </p:cSld>
@@ -9478,7 +9478,7 @@
             <a:fld id="{9AD50491-3720-C449-B098-8B506817FCDE}" type="datetime1">
               <a:rPr lang="en-US" smtClean="0"/>
               <a:pPr/>
-              <a:t>3/13/2019</a:t>
+              <a:t>3/15/2019</a:t>
             </a:fld>
             <a:endParaRPr lang="en-US"/>
           </a:p>
@@ -9786,7 +9786,7 @@
     </p:spTree>
     <p:extLst>
       <p:ext uri="{BB962C8B-B14F-4D97-AF65-F5344CB8AC3E}">
-        <p14:creationId xmlns="" xmlns:p14="http://schemas.microsoft.com/office/powerpoint/2010/main" val="902936129"/>
+        <p14:creationId xmlns:p14="http://schemas.microsoft.com/office/powerpoint/2010/main" val="902936129"/>
       </p:ext>
     </p:extLst>
   </p:cSld>
@@ -10245,7 +10245,7 @@
             <a:fld id="{BFC178B2-B4C5-964D-927E-48C3D45B987D}" type="datetime1">
               <a:rPr lang="en-US" smtClean="0"/>
               <a:pPr/>
-              <a:t>3/13/2019</a:t>
+              <a:t>3/15/2019</a:t>
             </a:fld>
             <a:endParaRPr lang="en-US"/>
           </a:p>
@@ -10337,7 +10337,7 @@
     </p:spTree>
     <p:extLst>
       <p:ext uri="{BB962C8B-B14F-4D97-AF65-F5344CB8AC3E}">
-        <p14:creationId xmlns="" xmlns:p14="http://schemas.microsoft.com/office/powerpoint/2010/main" val="717823509"/>
+        <p14:creationId xmlns:p14="http://schemas.microsoft.com/office/powerpoint/2010/main" val="717823509"/>
       </p:ext>
     </p:extLst>
   </p:cSld>
@@ -10715,7 +10715,7 @@
           <a:blip r:embed="rId3" cstate="print">
             <a:extLst>
               <a:ext uri="{28A0092B-C50C-407E-A947-70E740481C1C}">
-                <a14:useLocalDpi xmlns="" xmlns:a14="http://schemas.microsoft.com/office/drawing/2010/main"/>
+                <a14:useLocalDpi xmlns:a14="http://schemas.microsoft.com/office/drawing/2010/main"/>
               </a:ext>
             </a:extLst>
           </a:blip>
@@ -10735,7 +10735,7 @@
     </p:spTree>
     <p:extLst>
       <p:ext uri="{BB962C8B-B14F-4D97-AF65-F5344CB8AC3E}">
-        <p14:creationId xmlns="" xmlns:p14="http://schemas.microsoft.com/office/powerpoint/2010/main" val="1169267598"/>
+        <p14:creationId xmlns:p14="http://schemas.microsoft.com/office/powerpoint/2010/main" val="1169267598"/>
       </p:ext>
     </p:extLst>
   </p:cSld>
@@ -10879,7 +10879,7 @@
           <a:blip r:embed="rId2">
             <a:extLst>
               <a:ext uri="{28A0092B-C50C-407E-A947-70E740481C1C}">
-                <a14:useLocalDpi xmlns="" xmlns:a14="http://schemas.microsoft.com/office/drawing/2010/main"/>
+                <a14:useLocalDpi xmlns:a14="http://schemas.microsoft.com/office/drawing/2010/main"/>
               </a:ext>
             </a:extLst>
           </a:blip>
@@ -10933,7 +10933,7 @@
           <a:blip r:embed="rId4">
             <a:extLst>
               <a:ext uri="{28A0092B-C50C-407E-A947-70E740481C1C}">
-                <a14:useLocalDpi xmlns="" xmlns:a14="http://schemas.microsoft.com/office/drawing/2010/main"/>
+                <a14:useLocalDpi xmlns:a14="http://schemas.microsoft.com/office/drawing/2010/main"/>
               </a:ext>
             </a:extLst>
           </a:blip>
@@ -10954,7 +10954,7 @@
     </p:spTree>
     <p:extLst>
       <p:ext uri="{BB962C8B-B14F-4D97-AF65-F5344CB8AC3E}">
-        <p14:creationId xmlns="" xmlns:p14="http://schemas.microsoft.com/office/powerpoint/2010/main" val="2074854515"/>
+        <p14:creationId xmlns:p14="http://schemas.microsoft.com/office/powerpoint/2010/main" val="2074854515"/>
       </p:ext>
     </p:extLst>
   </p:cSld>
@@ -11015,12 +11015,14 @@
         </p:nvSpPr>
         <p:spPr>
           <a:xfrm>
-            <a:off x="457201" y="2133600"/>
-            <a:ext cx="3139440" cy="3992563"/>
-          </a:xfrm>
-        </p:spPr>
-        <p:txBody>
-          <a:bodyPr/>
+            <a:off x="261313" y="1274618"/>
+            <a:ext cx="3139440" cy="5466964"/>
+          </a:xfrm>
+        </p:spPr>
+        <p:txBody>
+          <a:bodyPr>
+            <a:normAutofit/>
+          </a:bodyPr>
           <a:lstStyle/>
           <a:p>
             <a:r>
@@ -11052,32 +11054,22 @@
           <a:p>
             <a:r>
               <a:rPr lang="en-GB" dirty="0" smtClean="0"/>
-              <a:t>After selecting the image press the preview button</a:t>
-            </a:r>
+              <a:t>After selecting the image press the preview </a:t>
+            </a:r>
+            <a:r>
+              <a:rPr lang="en-GB" dirty="0" smtClean="0"/>
+              <a:t>button</a:t>
+            </a:r>
+          </a:p>
+          <a:p>
             <a:endParaRPr lang="en-GB" dirty="0"/>
           </a:p>
-        </p:txBody>
-      </p:sp>
-      <p:sp>
-        <p:nvSpPr>
-          <p:cNvPr id="4" name="Footer Placeholder 3"/>
-          <p:cNvSpPr>
-            <a:spLocks noGrp="1"/>
-          </p:cNvSpPr>
-          <p:nvPr>
-            <p:ph type="ftr" sz="quarter" idx="11"/>
-          </p:nvPr>
-        </p:nvSpPr>
-        <p:spPr/>
-        <p:txBody>
-          <a:bodyPr/>
-          <a:lstStyle/>
-          <a:p>
-            <a:r>
-              <a:rPr lang="en-US" smtClean="0"/>
-              <a:t>Copyright © EV3Lessons.com 2016 (Last edit: 9/11/2016)</a:t>
-            </a:r>
-            <a:endParaRPr lang="en-US"/>
+          <a:p>
+            <a:r>
+              <a:rPr lang="en-GB" dirty="0" smtClean="0"/>
+              <a:t>Adjust x and y position so image in centre of preview</a:t>
+            </a:r>
+            <a:endParaRPr lang="en-GB" dirty="0"/>
           </a:p>
         </p:txBody>
       </p:sp>
@@ -11190,9 +11182,9 @@
           <p:nvPr/>
         </p:nvCxnSpPr>
         <p:spPr>
-          <a:xfrm rot="16200000" flipH="1">
-            <a:off x="2697512" y="3171747"/>
-            <a:ext cx="3045829" cy="1548987"/>
+          <a:xfrm>
+            <a:off x="3214255" y="1485652"/>
+            <a:ext cx="1780665" cy="3983504"/>
           </a:xfrm>
           <a:prstGeom prst="straightConnector1">
             <a:avLst/>
@@ -11275,8 +11267,8 @@
         </p:nvCxnSpPr>
         <p:spPr>
           <a:xfrm>
-            <a:off x="3445933" y="3268133"/>
-            <a:ext cx="2497254" cy="114611"/>
+            <a:off x="3214255" y="2374435"/>
+            <a:ext cx="2728932" cy="1008309"/>
           </a:xfrm>
           <a:prstGeom prst="straightConnector1">
             <a:avLst/>
@@ -11361,8 +11353,8 @@
         </p:nvCxnSpPr>
         <p:spPr>
           <a:xfrm flipV="1">
-            <a:off x="2905246" y="2335769"/>
-            <a:ext cx="3436288" cy="1842692"/>
+            <a:off x="2701636" y="2335769"/>
+            <a:ext cx="3639898" cy="932364"/>
           </a:xfrm>
           <a:prstGeom prst="straightConnector1">
             <a:avLst/>
@@ -11446,9 +11438,9 @@
           <p:nvPr/>
         </p:nvCxnSpPr>
         <p:spPr>
-          <a:xfrm rot="5400000" flipH="1" flipV="1">
-            <a:off x="2780670" y="3507321"/>
-            <a:ext cx="2086413" cy="1837261"/>
+          <a:xfrm flipV="1">
+            <a:off x="2905246" y="3382744"/>
+            <a:ext cx="1837261" cy="1007289"/>
           </a:xfrm>
           <a:prstGeom prst="straightConnector1">
             <a:avLst/>
@@ -11456,6 +11448,90 @@
           <a:ln w="38100">
             <a:solidFill>
               <a:srgbClr val="00B050"/>
+            </a:solidFill>
+            <a:tailEnd type="triangle"/>
+          </a:ln>
+        </p:spPr>
+        <p:style>
+          <a:lnRef idx="1">
+            <a:schemeClr val="accent1"/>
+          </a:lnRef>
+          <a:fillRef idx="0">
+            <a:schemeClr val="accent1"/>
+          </a:fillRef>
+          <a:effectRef idx="0">
+            <a:schemeClr val="accent1"/>
+          </a:effectRef>
+          <a:fontRef idx="minor">
+            <a:schemeClr val="tx1"/>
+          </a:fontRef>
+        </p:style>
+      </p:cxnSp>
+      <p:sp>
+        <p:nvSpPr>
+          <p:cNvPr id="19" name="Oval 18"/>
+          <p:cNvSpPr/>
+          <p:nvPr/>
+        </p:nvSpPr>
+        <p:spPr>
+          <a:xfrm>
+            <a:off x="5637877" y="3799141"/>
+            <a:ext cx="796280" cy="540038"/>
+          </a:xfrm>
+          <a:prstGeom prst="ellipse">
+            <a:avLst/>
+          </a:prstGeom>
+          <a:noFill/>
+          <a:ln w="38100">
+            <a:solidFill>
+              <a:srgbClr val="7030A0"/>
+            </a:solidFill>
+          </a:ln>
+        </p:spPr>
+        <p:style>
+          <a:lnRef idx="2">
+            <a:schemeClr val="accent1">
+              <a:shade val="50000"/>
+            </a:schemeClr>
+          </a:lnRef>
+          <a:fillRef idx="1">
+            <a:schemeClr val="accent1"/>
+          </a:fillRef>
+          <a:effectRef idx="0">
+            <a:schemeClr val="accent1"/>
+          </a:effectRef>
+          <a:fontRef idx="minor">
+            <a:schemeClr val="lt1"/>
+          </a:fontRef>
+        </p:style>
+        <p:txBody>
+          <a:bodyPr rtlCol="0" anchor="ctr"/>
+          <a:lstStyle/>
+          <a:p>
+            <a:pPr algn="ctr"/>
+            <a:endParaRPr lang="en-GB"/>
+          </a:p>
+        </p:txBody>
+      </p:sp>
+      <p:cxnSp>
+        <p:nvCxnSpPr>
+          <p:cNvPr id="20" name="Straight Arrow Connector 19"/>
+          <p:cNvCxnSpPr>
+            <a:endCxn id="19" idx="2"/>
+          </p:cNvCxnSpPr>
+          <p:nvPr/>
+        </p:nvCxnSpPr>
+        <p:spPr>
+          <a:xfrm flipV="1">
+            <a:off x="3147524" y="4069160"/>
+            <a:ext cx="2490353" cy="2140518"/>
+          </a:xfrm>
+          <a:prstGeom prst="straightConnector1">
+            <a:avLst/>
+          </a:prstGeom>
+          <a:ln w="38100">
+            <a:solidFill>
+              <a:srgbClr val="7030A0"/>
             </a:solidFill>
             <a:tailEnd type="triangle"/>
           </a:ln>
@@ -11478,7 +11554,7 @@
     </p:spTree>
     <p:extLst>
       <p:ext uri="{BB962C8B-B14F-4D97-AF65-F5344CB8AC3E}">
-        <p14:creationId xmlns="" xmlns:p14="http://schemas.microsoft.com/office/powerpoint/2010/main" val="174843332"/>
+        <p14:creationId xmlns:p14="http://schemas.microsoft.com/office/powerpoint/2010/main" val="174843332"/>
       </p:ext>
     </p:extLst>
   </p:cSld>
@@ -11517,7 +11593,7 @@
           <a:blip r:embed="rId3">
             <a:extLst>
               <a:ext uri="{28A0092B-C50C-407E-A947-70E740481C1C}">
-                <a14:useLocalDpi xmlns="" xmlns:a14="http://schemas.microsoft.com/office/drawing/2010/main"/>
+                <a14:useLocalDpi xmlns:a14="http://schemas.microsoft.com/office/drawing/2010/main"/>
               </a:ext>
             </a:extLst>
           </a:blip>
@@ -11892,7 +11968,7 @@
     </p:spTree>
     <p:extLst>
       <p:ext uri="{BB962C8B-B14F-4D97-AF65-F5344CB8AC3E}">
-        <p14:creationId xmlns="" xmlns:p14="http://schemas.microsoft.com/office/powerpoint/2010/main" val="629037147"/>
+        <p14:creationId xmlns:p14="http://schemas.microsoft.com/office/powerpoint/2010/main" val="629037147"/>
       </p:ext>
     </p:extLst>
   </p:cSld>
@@ -12044,7 +12120,7 @@
           <a:blip r:embed="rId2">
             <a:extLst>
               <a:ext uri="{28A0092B-C50C-407E-A947-70E740481C1C}">
-                <a14:useLocalDpi xmlns="" xmlns:a14="http://schemas.microsoft.com/office/drawing/2010/main"/>
+                <a14:useLocalDpi xmlns:a14="http://schemas.microsoft.com/office/drawing/2010/main"/>
               </a:ext>
             </a:extLst>
           </a:blip>
@@ -12074,7 +12150,7 @@
           <a:blip r:embed="rId3">
             <a:extLst>
               <a:ext uri="{28A0092B-C50C-407E-A947-70E740481C1C}">
-                <a14:useLocalDpi xmlns="" xmlns:a14="http://schemas.microsoft.com/office/drawing/2010/main"/>
+                <a14:useLocalDpi xmlns:a14="http://schemas.microsoft.com/office/drawing/2010/main"/>
               </a:ext>
             </a:extLst>
           </a:blip>
@@ -12104,7 +12180,7 @@
           <a:blip r:embed="rId4">
             <a:extLst>
               <a:ext uri="{28A0092B-C50C-407E-A947-70E740481C1C}">
-                <a14:useLocalDpi xmlns="" xmlns:a14="http://schemas.microsoft.com/office/drawing/2010/main"/>
+                <a14:useLocalDpi xmlns:a14="http://schemas.microsoft.com/office/drawing/2010/main"/>
               </a:ext>
             </a:extLst>
           </a:blip>
@@ -12125,7 +12201,7 @@
     </p:spTree>
     <p:extLst>
       <p:ext uri="{BB962C8B-B14F-4D97-AF65-F5344CB8AC3E}">
-        <p14:creationId xmlns="" xmlns:p14="http://schemas.microsoft.com/office/powerpoint/2010/main" val="994621121"/>
+        <p14:creationId xmlns:p14="http://schemas.microsoft.com/office/powerpoint/2010/main" val="994621121"/>
       </p:ext>
     </p:extLst>
   </p:cSld>
@@ -12285,7 +12361,7 @@
           <a:blip r:embed="rId3">
             <a:extLst>
               <a:ext uri="{28A0092B-C50C-407E-A947-70E740481C1C}">
-                <a14:useLocalDpi xmlns="" xmlns:a14="http://schemas.microsoft.com/office/drawing/2010/main"/>
+                <a14:useLocalDpi xmlns:a14="http://schemas.microsoft.com/office/drawing/2010/main"/>
               </a:ext>
             </a:extLst>
           </a:blip>
@@ -12315,7 +12391,7 @@
           <a:blip r:embed="rId4">
             <a:extLst>
               <a:ext uri="{28A0092B-C50C-407E-A947-70E740481C1C}">
-                <a14:useLocalDpi xmlns="" xmlns:a14="http://schemas.microsoft.com/office/drawing/2010/main"/>
+                <a14:useLocalDpi xmlns:a14="http://schemas.microsoft.com/office/drawing/2010/main"/>
               </a:ext>
             </a:extLst>
           </a:blip>
@@ -12382,7 +12458,7 @@
     </p:spTree>
     <p:extLst>
       <p:ext uri="{BB962C8B-B14F-4D97-AF65-F5344CB8AC3E}">
-        <p14:creationId xmlns="" xmlns:p14="http://schemas.microsoft.com/office/powerpoint/2010/main" val="1093098121"/>
+        <p14:creationId xmlns:p14="http://schemas.microsoft.com/office/powerpoint/2010/main" val="1093098121"/>
       </p:ext>
     </p:extLst>
   </p:cSld>
@@ -12421,7 +12497,7 @@
           <a:blip r:embed="rId2">
             <a:extLst>
               <a:ext uri="{28A0092B-C50C-407E-A947-70E740481C1C}">
-                <a14:useLocalDpi xmlns="" xmlns:a14="http://schemas.microsoft.com/office/drawing/2010/main"/>
+                <a14:useLocalDpi xmlns:a14="http://schemas.microsoft.com/office/drawing/2010/main"/>
               </a:ext>
             </a:extLst>
           </a:blip>
@@ -12564,7 +12640,7 @@
           <a:blip r:embed="rId3">
             <a:extLst>
               <a:ext uri="{28A0092B-C50C-407E-A947-70E740481C1C}">
-                <a14:useLocalDpi xmlns="" xmlns:a14="http://schemas.microsoft.com/office/drawing/2010/main"/>
+                <a14:useLocalDpi xmlns:a14="http://schemas.microsoft.com/office/drawing/2010/main"/>
               </a:ext>
             </a:extLst>
           </a:blip>
@@ -12631,7 +12707,7 @@
     </p:spTree>
     <p:extLst>
       <p:ext uri="{BB962C8B-B14F-4D97-AF65-F5344CB8AC3E}">
-        <p14:creationId xmlns="" xmlns:p14="http://schemas.microsoft.com/office/powerpoint/2010/main" val="34995183"/>
+        <p14:creationId xmlns:p14="http://schemas.microsoft.com/office/powerpoint/2010/main" val="34995183"/>
       </p:ext>
     </p:extLst>
   </p:cSld>
@@ -12818,7 +12894,7 @@
           <a:effectLst/>
           <a:extLst>
             <a:ext uri="{91240B29-F687-4f45-9708-019B960494DF}">
-              <a14:hiddenLine xmlns="" xmlns:a14="http://schemas.microsoft.com/office/drawing/2010/main" w="9525">
+              <a14:hiddenLine xmlns:a14="http://schemas.microsoft.com/office/drawing/2010/main" xmlns="" w="9525">
                 <a:solidFill>
                   <a:schemeClr val="tx1"/>
                 </a:solidFill>
@@ -12828,7 +12904,7 @@
               </a14:hiddenLine>
             </a:ext>
             <a:ext uri="{AF507438-7753-43e0-B8FC-AC1667EBCBE1}">
-              <a14:hiddenEffects xmlns="" xmlns:a14="http://schemas.microsoft.com/office/drawing/2010/main">
+              <a14:hiddenEffects xmlns:a14="http://schemas.microsoft.com/office/drawing/2010/main" xmlns="">
                 <a:effectLst>
                   <a:outerShdw dist="35921" dir="2700000" algn="ctr" rotWithShape="0">
                     <a:schemeClr val="bg2"/>
@@ -13161,7 +13237,7 @@
           <a:blip r:embed="rId3">
             <a:extLst>
               <a:ext uri="{28A0092B-C50C-407E-A947-70E740481C1C}">
-                <a14:useLocalDpi xmlns="" xmlns:a14="http://schemas.microsoft.com/office/drawing/2010/main"/>
+                <a14:useLocalDpi xmlns:a14="http://schemas.microsoft.com/office/drawing/2010/main"/>
               </a:ext>
             </a:extLst>
           </a:blip>
@@ -13181,7 +13257,7 @@
           <a:noFill/>
           <a:extLst>
             <a:ext uri="{909E8E84-426E-40dd-AFC4-6F175D3DCCD1}">
-              <a14:hiddenFill xmlns="" xmlns:a14="http://schemas.microsoft.com/office/drawing/2010/main">
+              <a14:hiddenFill xmlns:a14="http://schemas.microsoft.com/office/drawing/2010/main" xmlns="">
                 <a:solidFill>
                   <a:srgbClr val="FFFFFF"/>
                 </a:solidFill>
@@ -13193,7 +13269,7 @@
     </p:spTree>
     <p:extLst>
       <p:ext uri="{BB962C8B-B14F-4D97-AF65-F5344CB8AC3E}">
-        <p14:creationId xmlns="" xmlns:p14="http://schemas.microsoft.com/office/powerpoint/2010/main" val="2543612530"/>
+        <p14:creationId xmlns:p14="http://schemas.microsoft.com/office/powerpoint/2010/main" val="2543612530"/>
       </p:ext>
     </p:extLst>
   </p:cSld>
@@ -13326,7 +13402,7 @@
     </p:spTree>
     <p:extLst>
       <p:ext uri="{BB962C8B-B14F-4D97-AF65-F5344CB8AC3E}">
-        <p14:creationId xmlns="" xmlns:p14="http://schemas.microsoft.com/office/powerpoint/2010/main" val="864516167"/>
+        <p14:creationId xmlns:p14="http://schemas.microsoft.com/office/powerpoint/2010/main" val="864516167"/>
       </p:ext>
     </p:extLst>
   </p:cSld>
@@ -13539,7 +13615,7 @@
     </p:spTree>
     <p:extLst>
       <p:ext uri="{BB962C8B-B14F-4D97-AF65-F5344CB8AC3E}">
-        <p14:creationId xmlns="" xmlns:p14="http://schemas.microsoft.com/office/powerpoint/2010/main" val="1702464381"/>
+        <p14:creationId xmlns:p14="http://schemas.microsoft.com/office/powerpoint/2010/main" val="1702464381"/>
       </p:ext>
     </p:extLst>
   </p:cSld>
@@ -13758,7 +13834,7 @@
           <a:blip r:embed="rId2">
             <a:extLst>
               <a:ext uri="{28A0092B-C50C-407E-A947-70E740481C1C}">
-                <a14:useLocalDpi xmlns="" xmlns:a14="http://schemas.microsoft.com/office/drawing/2010/main"/>
+                <a14:useLocalDpi xmlns:a14="http://schemas.microsoft.com/office/drawing/2010/main"/>
               </a:ext>
             </a:extLst>
           </a:blip>
@@ -13788,7 +13864,7 @@
           <a:blip r:embed="rId3" cstate="print">
             <a:extLst>
               <a:ext uri="{28A0092B-C50C-407E-A947-70E740481C1C}">
-                <a14:useLocalDpi xmlns="" xmlns:a14="http://schemas.microsoft.com/office/drawing/2010/main"/>
+                <a14:useLocalDpi xmlns:a14="http://schemas.microsoft.com/office/drawing/2010/main"/>
               </a:ext>
             </a:extLst>
           </a:blip>
@@ -13855,7 +13931,7 @@
     </p:spTree>
     <p:extLst>
       <p:ext uri="{BB962C8B-B14F-4D97-AF65-F5344CB8AC3E}">
-        <p14:creationId xmlns="" xmlns:p14="http://schemas.microsoft.com/office/powerpoint/2010/main" val="145858858"/>
+        <p14:creationId xmlns:p14="http://schemas.microsoft.com/office/powerpoint/2010/main" val="145858858"/>
       </p:ext>
     </p:extLst>
   </p:cSld>
@@ -14012,7 +14088,7 @@
           <a:blip r:embed="rId2" cstate="print">
             <a:extLst>
               <a:ext uri="{28A0092B-C50C-407E-A947-70E740481C1C}">
-                <a14:useLocalDpi xmlns="" xmlns:a14="http://schemas.microsoft.com/office/drawing/2010/main"/>
+                <a14:useLocalDpi xmlns:a14="http://schemas.microsoft.com/office/drawing/2010/main"/>
               </a:ext>
             </a:extLst>
           </a:blip>
@@ -14088,7 +14164,7 @@
           <a:blip r:embed="rId3" cstate="print">
             <a:extLst>
               <a:ext uri="{28A0092B-C50C-407E-A947-70E740481C1C}">
-                <a14:useLocalDpi xmlns="" xmlns:a14="http://schemas.microsoft.com/office/drawing/2010/main"/>
+                <a14:useLocalDpi xmlns:a14="http://schemas.microsoft.com/office/drawing/2010/main"/>
               </a:ext>
             </a:extLst>
           </a:blip>
@@ -14133,7 +14209,7 @@
     </p:spTree>
     <p:extLst>
       <p:ext uri="{BB962C8B-B14F-4D97-AF65-F5344CB8AC3E}">
-        <p14:creationId xmlns="" xmlns:p14="http://schemas.microsoft.com/office/powerpoint/2010/main" val="1739040089"/>
+        <p14:creationId xmlns:p14="http://schemas.microsoft.com/office/powerpoint/2010/main" val="1739040089"/>
       </p:ext>
     </p:extLst>
   </p:cSld>
@@ -14479,7 +14555,7 @@
     </p:spTree>
     <p:extLst>
       <p:ext uri="{BB962C8B-B14F-4D97-AF65-F5344CB8AC3E}">
-        <p14:creationId xmlns="" xmlns:p14="http://schemas.microsoft.com/office/powerpoint/2010/main" val="3015073695"/>
+        <p14:creationId xmlns:p14="http://schemas.microsoft.com/office/powerpoint/2010/main" val="3015073695"/>
       </p:ext>
     </p:extLst>
   </p:cSld>
@@ -14645,7 +14721,7 @@
           <a:blip r:embed="rId2" cstate="print">
             <a:extLst>
               <a:ext uri="{28A0092B-C50C-407E-A947-70E740481C1C}">
-                <a14:useLocalDpi xmlns="" xmlns:a14="http://schemas.microsoft.com/office/drawing/2010/main"/>
+                <a14:useLocalDpi xmlns:a14="http://schemas.microsoft.com/office/drawing/2010/main"/>
               </a:ext>
             </a:extLst>
           </a:blip>
@@ -14699,7 +14775,7 @@
           <a:blip r:embed="rId4">
             <a:extLst>
               <a:ext uri="{28A0092B-C50C-407E-A947-70E740481C1C}">
-                <a14:useLocalDpi xmlns="" xmlns:a14="http://schemas.microsoft.com/office/drawing/2010/main"/>
+                <a14:useLocalDpi xmlns:a14="http://schemas.microsoft.com/office/drawing/2010/main"/>
               </a:ext>
             </a:extLst>
           </a:blip>
@@ -14729,7 +14805,7 @@
           <a:blip r:embed="rId5">
             <a:extLst>
               <a:ext uri="{28A0092B-C50C-407E-A947-70E740481C1C}">
-                <a14:useLocalDpi xmlns="" xmlns:a14="http://schemas.microsoft.com/office/drawing/2010/main"/>
+                <a14:useLocalDpi xmlns:a14="http://schemas.microsoft.com/office/drawing/2010/main"/>
               </a:ext>
             </a:extLst>
           </a:blip>
@@ -14750,7 +14826,7 @@
     </p:spTree>
     <p:extLst>
       <p:ext uri="{BB962C8B-B14F-4D97-AF65-F5344CB8AC3E}">
-        <p14:creationId xmlns="" xmlns:p14="http://schemas.microsoft.com/office/powerpoint/2010/main" val="493547866"/>
+        <p14:creationId xmlns:p14="http://schemas.microsoft.com/office/powerpoint/2010/main" val="493547866"/>
       </p:ext>
     </p:extLst>
   </p:cSld>
@@ -15089,7 +15165,7 @@
     </p:spTree>
     <p:extLst>
       <p:ext uri="{BB962C8B-B14F-4D97-AF65-F5344CB8AC3E}">
-        <p14:creationId xmlns="" xmlns:p14="http://schemas.microsoft.com/office/powerpoint/2010/main" val="3595856800"/>
+        <p14:creationId xmlns:p14="http://schemas.microsoft.com/office/powerpoint/2010/main" val="3595856800"/>
       </p:ext>
     </p:extLst>
   </p:cSld>
@@ -15431,7 +15507,7 @@
     </p:spTree>
     <p:extLst>
       <p:ext uri="{BB962C8B-B14F-4D97-AF65-F5344CB8AC3E}">
-        <p14:creationId xmlns="" xmlns:p14="http://schemas.microsoft.com/office/powerpoint/2010/main" val="906178164"/>
+        <p14:creationId xmlns:p14="http://schemas.microsoft.com/office/powerpoint/2010/main" val="906178164"/>
       </p:ext>
     </p:extLst>
   </p:cSld>
@@ -15696,7 +15772,7 @@
   <a:extraClrSchemeLst/>
   <a:extLst>
     <a:ext uri="{05A4C25C-085E-4340-85A3-A5531E510DB2}">
-      <thm15:themeFamily xmlns="" xmlns:thm15="http://schemas.microsoft.com/office/thememl/2012/main" name="Office Theme" id="{62F939B6-93AF-4DB8-9C6B-D6C7DFDC589F}" vid="{4A3C46E8-61CC-4603-A589-7422A47A8E4A}"/>
+      <thm15:themeFamily xmlns:thm15="http://schemas.microsoft.com/office/thememl/2012/main" name="Office Theme" id="{62F939B6-93AF-4DB8-9C6B-D6C7DFDC589F}" vid="{4A3C46E8-61CC-4603-A589-7422A47A8E4A}"/>
     </a:ext>
   </a:extLst>
 </a:theme>
@@ -15954,7 +16030,7 @@
   <a:extraClrSchemeLst/>
   <a:extLst>
     <a:ext uri="{05A4C25C-085E-4340-85A3-A5531E510DB2}">
-      <thm15:themeFamily xmlns="" xmlns:thm15="http://schemas.microsoft.com/office/thememl/2012/main" name="beginner" id="{AEF29D72-34CC-C448-A679-08550D2D21D1}" vid="{04B54D62-7BE5-DF47-9F85-5B9FEF4E3E09}"/>
+      <thm15:themeFamily xmlns:thm15="http://schemas.microsoft.com/office/thememl/2012/main" name="beginner" id="{AEF29D72-34CC-C448-A679-08550D2D21D1}" vid="{04B54D62-7BE5-DF47-9F85-5B9FEF4E3E09}"/>
     </a:ext>
   </a:extLst>
 </a:theme>
@@ -16215,7 +16291,7 @@
   <a:extraClrSchemeLst/>
   <a:extLst>
     <a:ext uri="{05A4C25C-085E-4340-85A3-A5531E510DB2}">
-      <thm15:themeFamily xmlns="" xmlns:thm15="http://schemas.microsoft.com/office/thememl/2012/main" name="Office Theme" id="{62F939B6-93AF-4DB8-9C6B-D6C7DFDC589F}" vid="{4A3C46E8-61CC-4603-A589-7422A47A8E4A}"/>
+      <thm15:themeFamily xmlns:thm15="http://schemas.microsoft.com/office/thememl/2012/main" name="Office Theme" id="{62F939B6-93AF-4DB8-9C6B-D6C7DFDC589F}" vid="{4A3C46E8-61CC-4603-A589-7422A47A8E4A}"/>
     </a:ext>
   </a:extLst>
 </a:theme>
